--- a/1.Introduction/1.stacstom-overview.pptx
+++ b/1.Introduction/1.stacstom-overview.pptx
@@ -5,15 +5,19 @@
     <p:sldMasterId id="2147483648" r:id="rId1"/>
   </p:sldMasterIdLst>
   <p:notesMasterIdLst>
-    <p:notesMasterId r:id="rId8"/>
+    <p:notesMasterId r:id="rId12"/>
   </p:notesMasterIdLst>
   <p:sldIdLst>
     <p:sldId id="272" r:id="rId2"/>
     <p:sldId id="280" r:id="rId3"/>
-    <p:sldId id="274" r:id="rId4"/>
-    <p:sldId id="278" r:id="rId5"/>
-    <p:sldId id="281" r:id="rId6"/>
-    <p:sldId id="265" r:id="rId7"/>
+    <p:sldId id="282" r:id="rId4"/>
+    <p:sldId id="286" r:id="rId5"/>
+    <p:sldId id="283" r:id="rId6"/>
+    <p:sldId id="284" r:id="rId7"/>
+    <p:sldId id="278" r:id="rId8"/>
+    <p:sldId id="281" r:id="rId9"/>
+    <p:sldId id="287" r:id="rId10"/>
+    <p:sldId id="265" r:id="rId11"/>
   </p:sldIdLst>
   <p:sldSz cx="12192000" cy="6858000"/>
   <p:notesSz cx="6858000" cy="9144000"/>
@@ -114,7 +118,7 @@
   </p:defaultTextStyle>
   <p:extLst>
     <p:ext uri="{EFAFB233-063F-42B5-8137-9DF3F51BA10A}">
-      <p15:sldGuideLst xmlns:p15="http://schemas.microsoft.com/office/powerpoint/2012/main" xmlns=""/>
+      <p15:sldGuideLst xmlns="" xmlns:p15="http://schemas.microsoft.com/office/powerpoint/2012/main"/>
     </p:ext>
   </p:extLst>
 </p:presentation>
@@ -202,7 +206,7 @@
           <a:p>
             <a:fld id="{C021D10F-9035-49C1-BBBB-7FE92B197790}" type="datetimeFigureOut">
               <a:rPr lang="en-IN" smtClean="0"/>
-              <a:t>05-07-2020</a:t>
+              <a:t>01-08-2020</a:t>
             </a:fld>
             <a:endParaRPr lang="en-IN"/>
           </a:p>
@@ -890,6 +894,342 @@
 </p:notes>
 </file>
 
+<file path=ppt/notesSlides/notesSlide6.xml><?xml version="1.0" encoding="utf-8"?>
+<p:notes xmlns:a="http://schemas.openxmlformats.org/drawingml/2006/main" xmlns:r="http://schemas.openxmlformats.org/officeDocument/2006/relationships" xmlns:p="http://schemas.openxmlformats.org/presentationml/2006/main">
+  <p:cSld>
+    <p:spTree>
+      <p:nvGrpSpPr>
+        <p:cNvPr id="1" name=""/>
+        <p:cNvGrpSpPr/>
+        <p:nvPr/>
+      </p:nvGrpSpPr>
+      <p:grpSpPr>
+        <a:xfrm>
+          <a:off x="0" y="0"/>
+          <a:ext cx="0" cy="0"/>
+          <a:chOff x="0" y="0"/>
+          <a:chExt cx="0" cy="0"/>
+        </a:xfrm>
+      </p:grpSpPr>
+      <p:sp>
+        <p:nvSpPr>
+          <p:cNvPr id="2" name="Slide Image Placeholder 1"/>
+          <p:cNvSpPr>
+            <a:spLocks noGrp="1" noRot="1" noChangeAspect="1"/>
+          </p:cNvSpPr>
+          <p:nvPr>
+            <p:ph type="sldImg"/>
+          </p:nvPr>
+        </p:nvSpPr>
+        <p:spPr/>
+      </p:sp>
+      <p:sp>
+        <p:nvSpPr>
+          <p:cNvPr id="3" name="Notes Placeholder 2"/>
+          <p:cNvSpPr>
+            <a:spLocks noGrp="1"/>
+          </p:cNvSpPr>
+          <p:nvPr>
+            <p:ph type="body" idx="1"/>
+          </p:nvPr>
+        </p:nvSpPr>
+        <p:spPr/>
+        <p:txBody>
+          <a:bodyPr/>
+          <a:lstStyle/>
+          <a:p>
+            <a:endParaRPr lang="en-IN" dirty="0"/>
+          </a:p>
+        </p:txBody>
+      </p:sp>
+      <p:sp>
+        <p:nvSpPr>
+          <p:cNvPr id="4" name="Slide Number Placeholder 3"/>
+          <p:cNvSpPr>
+            <a:spLocks noGrp="1"/>
+          </p:cNvSpPr>
+          <p:nvPr>
+            <p:ph type="sldNum" sz="quarter" idx="10"/>
+          </p:nvPr>
+        </p:nvSpPr>
+        <p:spPr/>
+        <p:txBody>
+          <a:bodyPr/>
+          <a:lstStyle/>
+          <a:p>
+            <a:fld id="{055710AC-E790-4FE2-A2B6-6B001E4F6FC4}" type="slidenum">
+              <a:rPr lang="en-IN" smtClean="0"/>
+              <a:t>6</a:t>
+            </a:fld>
+            <a:endParaRPr lang="en-IN"/>
+          </a:p>
+        </p:txBody>
+      </p:sp>
+    </p:spTree>
+    <p:extLst>
+      <p:ext uri="{BB962C8B-B14F-4D97-AF65-F5344CB8AC3E}">
+        <p14:creationId xmlns:p14="http://schemas.microsoft.com/office/powerpoint/2010/main" val="2338222375"/>
+      </p:ext>
+    </p:extLst>
+  </p:cSld>
+  <p:clrMapOvr>
+    <a:masterClrMapping/>
+  </p:clrMapOvr>
+</p:notes>
+</file>
+
+<file path=ppt/notesSlides/notesSlide7.xml><?xml version="1.0" encoding="utf-8"?>
+<p:notes xmlns:a="http://schemas.openxmlformats.org/drawingml/2006/main" xmlns:r="http://schemas.openxmlformats.org/officeDocument/2006/relationships" xmlns:p="http://schemas.openxmlformats.org/presentationml/2006/main">
+  <p:cSld>
+    <p:spTree>
+      <p:nvGrpSpPr>
+        <p:cNvPr id="1" name=""/>
+        <p:cNvGrpSpPr/>
+        <p:nvPr/>
+      </p:nvGrpSpPr>
+      <p:grpSpPr>
+        <a:xfrm>
+          <a:off x="0" y="0"/>
+          <a:ext cx="0" cy="0"/>
+          <a:chOff x="0" y="0"/>
+          <a:chExt cx="0" cy="0"/>
+        </a:xfrm>
+      </p:grpSpPr>
+      <p:sp>
+        <p:nvSpPr>
+          <p:cNvPr id="2" name="Slide Image Placeholder 1"/>
+          <p:cNvSpPr>
+            <a:spLocks noGrp="1" noRot="1" noChangeAspect="1"/>
+          </p:cNvSpPr>
+          <p:nvPr>
+            <p:ph type="sldImg"/>
+          </p:nvPr>
+        </p:nvSpPr>
+        <p:spPr/>
+      </p:sp>
+      <p:sp>
+        <p:nvSpPr>
+          <p:cNvPr id="3" name="Notes Placeholder 2"/>
+          <p:cNvSpPr>
+            <a:spLocks noGrp="1"/>
+          </p:cNvSpPr>
+          <p:nvPr>
+            <p:ph type="body" idx="1"/>
+          </p:nvPr>
+        </p:nvSpPr>
+        <p:spPr/>
+        <p:txBody>
+          <a:bodyPr/>
+          <a:lstStyle/>
+          <a:p>
+            <a:endParaRPr lang="en-IN" dirty="0"/>
+          </a:p>
+        </p:txBody>
+      </p:sp>
+      <p:sp>
+        <p:nvSpPr>
+          <p:cNvPr id="4" name="Slide Number Placeholder 3"/>
+          <p:cNvSpPr>
+            <a:spLocks noGrp="1"/>
+          </p:cNvSpPr>
+          <p:nvPr>
+            <p:ph type="sldNum" sz="quarter" idx="10"/>
+          </p:nvPr>
+        </p:nvSpPr>
+        <p:spPr/>
+        <p:txBody>
+          <a:bodyPr/>
+          <a:lstStyle/>
+          <a:p>
+            <a:fld id="{055710AC-E790-4FE2-A2B6-6B001E4F6FC4}" type="slidenum">
+              <a:rPr lang="en-IN" smtClean="0"/>
+              <a:t>7</a:t>
+            </a:fld>
+            <a:endParaRPr lang="en-IN"/>
+          </a:p>
+        </p:txBody>
+      </p:sp>
+    </p:spTree>
+    <p:extLst>
+      <p:ext uri="{BB962C8B-B14F-4D97-AF65-F5344CB8AC3E}">
+        <p14:creationId xmlns:p14="http://schemas.microsoft.com/office/powerpoint/2010/main" val="2338222375"/>
+      </p:ext>
+    </p:extLst>
+  </p:cSld>
+  <p:clrMapOvr>
+    <a:masterClrMapping/>
+  </p:clrMapOvr>
+</p:notes>
+</file>
+
+<file path=ppt/notesSlides/notesSlide8.xml><?xml version="1.0" encoding="utf-8"?>
+<p:notes xmlns:a="http://schemas.openxmlformats.org/drawingml/2006/main" xmlns:r="http://schemas.openxmlformats.org/officeDocument/2006/relationships" xmlns:p="http://schemas.openxmlformats.org/presentationml/2006/main">
+  <p:cSld>
+    <p:spTree>
+      <p:nvGrpSpPr>
+        <p:cNvPr id="1" name=""/>
+        <p:cNvGrpSpPr/>
+        <p:nvPr/>
+      </p:nvGrpSpPr>
+      <p:grpSpPr>
+        <a:xfrm>
+          <a:off x="0" y="0"/>
+          <a:ext cx="0" cy="0"/>
+          <a:chOff x="0" y="0"/>
+          <a:chExt cx="0" cy="0"/>
+        </a:xfrm>
+      </p:grpSpPr>
+      <p:sp>
+        <p:nvSpPr>
+          <p:cNvPr id="2" name="Slide Image Placeholder 1"/>
+          <p:cNvSpPr>
+            <a:spLocks noGrp="1" noRot="1" noChangeAspect="1"/>
+          </p:cNvSpPr>
+          <p:nvPr>
+            <p:ph type="sldImg"/>
+          </p:nvPr>
+        </p:nvSpPr>
+        <p:spPr/>
+      </p:sp>
+      <p:sp>
+        <p:nvSpPr>
+          <p:cNvPr id="3" name="Notes Placeholder 2"/>
+          <p:cNvSpPr>
+            <a:spLocks noGrp="1"/>
+          </p:cNvSpPr>
+          <p:nvPr>
+            <p:ph type="body" idx="1"/>
+          </p:nvPr>
+        </p:nvSpPr>
+        <p:spPr/>
+        <p:txBody>
+          <a:bodyPr/>
+          <a:lstStyle/>
+          <a:p>
+            <a:endParaRPr lang="en-IN" dirty="0"/>
+          </a:p>
+        </p:txBody>
+      </p:sp>
+      <p:sp>
+        <p:nvSpPr>
+          <p:cNvPr id="4" name="Slide Number Placeholder 3"/>
+          <p:cNvSpPr>
+            <a:spLocks noGrp="1"/>
+          </p:cNvSpPr>
+          <p:nvPr>
+            <p:ph type="sldNum" sz="quarter" idx="10"/>
+          </p:nvPr>
+        </p:nvSpPr>
+        <p:spPr/>
+        <p:txBody>
+          <a:bodyPr/>
+          <a:lstStyle/>
+          <a:p>
+            <a:fld id="{055710AC-E790-4FE2-A2B6-6B001E4F6FC4}" type="slidenum">
+              <a:rPr lang="en-IN" smtClean="0"/>
+              <a:t>8</a:t>
+            </a:fld>
+            <a:endParaRPr lang="en-IN"/>
+          </a:p>
+        </p:txBody>
+      </p:sp>
+    </p:spTree>
+    <p:extLst>
+      <p:ext uri="{BB962C8B-B14F-4D97-AF65-F5344CB8AC3E}">
+        <p14:creationId xmlns:p14="http://schemas.microsoft.com/office/powerpoint/2010/main" val="2338222375"/>
+      </p:ext>
+    </p:extLst>
+  </p:cSld>
+  <p:clrMapOvr>
+    <a:masterClrMapping/>
+  </p:clrMapOvr>
+</p:notes>
+</file>
+
+<file path=ppt/notesSlides/notesSlide9.xml><?xml version="1.0" encoding="utf-8"?>
+<p:notes xmlns:a="http://schemas.openxmlformats.org/drawingml/2006/main" xmlns:r="http://schemas.openxmlformats.org/officeDocument/2006/relationships" xmlns:p="http://schemas.openxmlformats.org/presentationml/2006/main">
+  <p:cSld>
+    <p:spTree>
+      <p:nvGrpSpPr>
+        <p:cNvPr id="1" name=""/>
+        <p:cNvGrpSpPr/>
+        <p:nvPr/>
+      </p:nvGrpSpPr>
+      <p:grpSpPr>
+        <a:xfrm>
+          <a:off x="0" y="0"/>
+          <a:ext cx="0" cy="0"/>
+          <a:chOff x="0" y="0"/>
+          <a:chExt cx="0" cy="0"/>
+        </a:xfrm>
+      </p:grpSpPr>
+      <p:sp>
+        <p:nvSpPr>
+          <p:cNvPr id="2" name="Slide Image Placeholder 1"/>
+          <p:cNvSpPr>
+            <a:spLocks noGrp="1" noRot="1" noChangeAspect="1"/>
+          </p:cNvSpPr>
+          <p:nvPr>
+            <p:ph type="sldImg"/>
+          </p:nvPr>
+        </p:nvSpPr>
+        <p:spPr/>
+      </p:sp>
+      <p:sp>
+        <p:nvSpPr>
+          <p:cNvPr id="3" name="Notes Placeholder 2"/>
+          <p:cNvSpPr>
+            <a:spLocks noGrp="1"/>
+          </p:cNvSpPr>
+          <p:nvPr>
+            <p:ph type="body" idx="1"/>
+          </p:nvPr>
+        </p:nvSpPr>
+        <p:spPr/>
+        <p:txBody>
+          <a:bodyPr/>
+          <a:lstStyle/>
+          <a:p>
+            <a:endParaRPr lang="en-IN" dirty="0"/>
+          </a:p>
+        </p:txBody>
+      </p:sp>
+      <p:sp>
+        <p:nvSpPr>
+          <p:cNvPr id="4" name="Slide Number Placeholder 3"/>
+          <p:cNvSpPr>
+            <a:spLocks noGrp="1"/>
+          </p:cNvSpPr>
+          <p:nvPr>
+            <p:ph type="sldNum" sz="quarter" idx="10"/>
+          </p:nvPr>
+        </p:nvSpPr>
+        <p:spPr/>
+        <p:txBody>
+          <a:bodyPr/>
+          <a:lstStyle/>
+          <a:p>
+            <a:fld id="{055710AC-E790-4FE2-A2B6-6B001E4F6FC4}" type="slidenum">
+              <a:rPr lang="en-IN" smtClean="0"/>
+              <a:t>9</a:t>
+            </a:fld>
+            <a:endParaRPr lang="en-IN"/>
+          </a:p>
+        </p:txBody>
+      </p:sp>
+    </p:spTree>
+    <p:extLst>
+      <p:ext uri="{BB962C8B-B14F-4D97-AF65-F5344CB8AC3E}">
+        <p14:creationId xmlns:p14="http://schemas.microsoft.com/office/powerpoint/2010/main" val="2338222375"/>
+      </p:ext>
+    </p:extLst>
+  </p:cSld>
+  <p:clrMapOvr>
+    <a:masterClrMapping/>
+  </p:clrMapOvr>
+</p:notes>
+</file>
+
 <file path=ppt/slideLayouts/slideLayout1.xml><?xml version="1.0" encoding="utf-8"?>
 <p:sldLayout xmlns:a="http://schemas.openxmlformats.org/drawingml/2006/main" xmlns:r="http://schemas.openxmlformats.org/officeDocument/2006/relationships" xmlns:p="http://schemas.openxmlformats.org/presentationml/2006/main" type="title" preserve="1">
   <p:cSld name="Title Slide">
@@ -912,7 +1252,7 @@
           <p:cNvPr id="2" name="Title 1">
             <a:extLst>
               <a:ext uri="{FF2B5EF4-FFF2-40B4-BE49-F238E27FC236}">
-                <a16:creationId xmlns:a16="http://schemas.microsoft.com/office/drawing/2014/main" xmlns="" id="{38008176-C6C4-46C0-94D2-F2C26088D0C2}"/>
+                <a16:creationId xmlns="" xmlns:a16="http://schemas.microsoft.com/office/drawing/2014/main" id="{38008176-C6C4-46C0-94D2-F2C26088D0C2}"/>
               </a:ext>
             </a:extLst>
           </p:cNvPr>
@@ -950,7 +1290,7 @@
           <p:cNvPr id="3" name="Subtitle 2">
             <a:extLst>
               <a:ext uri="{FF2B5EF4-FFF2-40B4-BE49-F238E27FC236}">
-                <a16:creationId xmlns:a16="http://schemas.microsoft.com/office/drawing/2014/main" xmlns="" id="{4ACA1C55-C53F-43B2-AB9B-C43F3532E8A4}"/>
+                <a16:creationId xmlns="" xmlns:a16="http://schemas.microsoft.com/office/drawing/2014/main" id="{4ACA1C55-C53F-43B2-AB9B-C43F3532E8A4}"/>
               </a:ext>
             </a:extLst>
           </p:cNvPr>
@@ -1021,7 +1361,7 @@
           <p:cNvPr id="4" name="Date Placeholder 3">
             <a:extLst>
               <a:ext uri="{FF2B5EF4-FFF2-40B4-BE49-F238E27FC236}">
-                <a16:creationId xmlns:a16="http://schemas.microsoft.com/office/drawing/2014/main" xmlns="" id="{42C3EDA7-FA60-40B8-ADDE-1F6F783220F9}"/>
+                <a16:creationId xmlns="" xmlns:a16="http://schemas.microsoft.com/office/drawing/2014/main" id="{42C3EDA7-FA60-40B8-ADDE-1F6F783220F9}"/>
               </a:ext>
             </a:extLst>
           </p:cNvPr>
@@ -1039,7 +1379,7 @@
           <a:p>
             <a:fld id="{BE1ABA91-C1B6-466C-BA10-D0EAD2010A28}" type="datetimeFigureOut">
               <a:rPr lang="en-IN" smtClean="0"/>
-              <a:t>05-07-2020</a:t>
+              <a:t>01-08-2020</a:t>
             </a:fld>
             <a:endParaRPr lang="en-IN"/>
           </a:p>
@@ -1050,7 +1390,7 @@
           <p:cNvPr id="5" name="Footer Placeholder 4">
             <a:extLst>
               <a:ext uri="{FF2B5EF4-FFF2-40B4-BE49-F238E27FC236}">
-                <a16:creationId xmlns:a16="http://schemas.microsoft.com/office/drawing/2014/main" xmlns="" id="{C2626F4B-AA52-4B34-9A07-697FB67B91F9}"/>
+                <a16:creationId xmlns="" xmlns:a16="http://schemas.microsoft.com/office/drawing/2014/main" id="{C2626F4B-AA52-4B34-9A07-697FB67B91F9}"/>
               </a:ext>
             </a:extLst>
           </p:cNvPr>
@@ -1075,7 +1415,7 @@
           <p:cNvPr id="6" name="Slide Number Placeholder 5">
             <a:extLst>
               <a:ext uri="{FF2B5EF4-FFF2-40B4-BE49-F238E27FC236}">
-                <a16:creationId xmlns:a16="http://schemas.microsoft.com/office/drawing/2014/main" xmlns="" id="{EAD4EED3-DD51-43E7-A964-6117ACEE0B4F}"/>
+                <a16:creationId xmlns="" xmlns:a16="http://schemas.microsoft.com/office/drawing/2014/main" id="{EAD4EED3-DD51-43E7-A964-6117ACEE0B4F}"/>
               </a:ext>
             </a:extLst>
           </p:cNvPr>
@@ -1134,7 +1474,7 @@
           <p:cNvPr id="2" name="Title 1">
             <a:extLst>
               <a:ext uri="{FF2B5EF4-FFF2-40B4-BE49-F238E27FC236}">
-                <a16:creationId xmlns:a16="http://schemas.microsoft.com/office/drawing/2014/main" xmlns="" id="{258024BE-2783-4A30-A50C-62B0F634C72C}"/>
+                <a16:creationId xmlns="" xmlns:a16="http://schemas.microsoft.com/office/drawing/2014/main" id="{258024BE-2783-4A30-A50C-62B0F634C72C}"/>
               </a:ext>
             </a:extLst>
           </p:cNvPr>
@@ -1163,7 +1503,7 @@
           <p:cNvPr id="3" name="Vertical Text Placeholder 2">
             <a:extLst>
               <a:ext uri="{FF2B5EF4-FFF2-40B4-BE49-F238E27FC236}">
-                <a16:creationId xmlns:a16="http://schemas.microsoft.com/office/drawing/2014/main" xmlns="" id="{46DDF1DC-F51C-4F7F-A037-DBE3F8D68EF8}"/>
+                <a16:creationId xmlns="" xmlns:a16="http://schemas.microsoft.com/office/drawing/2014/main" id="{46DDF1DC-F51C-4F7F-A037-DBE3F8D68EF8}"/>
               </a:ext>
             </a:extLst>
           </p:cNvPr>
@@ -1221,7 +1561,7 @@
           <p:cNvPr id="4" name="Date Placeholder 3">
             <a:extLst>
               <a:ext uri="{FF2B5EF4-FFF2-40B4-BE49-F238E27FC236}">
-                <a16:creationId xmlns:a16="http://schemas.microsoft.com/office/drawing/2014/main" xmlns="" id="{DF0F06B8-5414-4748-8B0A-E5AD6148C724}"/>
+                <a16:creationId xmlns="" xmlns:a16="http://schemas.microsoft.com/office/drawing/2014/main" id="{DF0F06B8-5414-4748-8B0A-E5AD6148C724}"/>
               </a:ext>
             </a:extLst>
           </p:cNvPr>
@@ -1239,7 +1579,7 @@
           <a:p>
             <a:fld id="{BE1ABA91-C1B6-466C-BA10-D0EAD2010A28}" type="datetimeFigureOut">
               <a:rPr lang="en-IN" smtClean="0"/>
-              <a:t>05-07-2020</a:t>
+              <a:t>01-08-2020</a:t>
             </a:fld>
             <a:endParaRPr lang="en-IN"/>
           </a:p>
@@ -1250,7 +1590,7 @@
           <p:cNvPr id="5" name="Footer Placeholder 4">
             <a:extLst>
               <a:ext uri="{FF2B5EF4-FFF2-40B4-BE49-F238E27FC236}">
-                <a16:creationId xmlns:a16="http://schemas.microsoft.com/office/drawing/2014/main" xmlns="" id="{446B4BB2-0FAA-48B2-8CDF-637354658921}"/>
+                <a16:creationId xmlns="" xmlns:a16="http://schemas.microsoft.com/office/drawing/2014/main" id="{446B4BB2-0FAA-48B2-8CDF-637354658921}"/>
               </a:ext>
             </a:extLst>
           </p:cNvPr>
@@ -1275,7 +1615,7 @@
           <p:cNvPr id="6" name="Slide Number Placeholder 5">
             <a:extLst>
               <a:ext uri="{FF2B5EF4-FFF2-40B4-BE49-F238E27FC236}">
-                <a16:creationId xmlns:a16="http://schemas.microsoft.com/office/drawing/2014/main" xmlns="" id="{02DAEC42-36CB-4DA6-BDF1-87CD683BAFB6}"/>
+                <a16:creationId xmlns="" xmlns:a16="http://schemas.microsoft.com/office/drawing/2014/main" id="{02DAEC42-36CB-4DA6-BDF1-87CD683BAFB6}"/>
               </a:ext>
             </a:extLst>
           </p:cNvPr>
@@ -1334,7 +1674,7 @@
           <p:cNvPr id="2" name="Vertical Title 1">
             <a:extLst>
               <a:ext uri="{FF2B5EF4-FFF2-40B4-BE49-F238E27FC236}">
-                <a16:creationId xmlns:a16="http://schemas.microsoft.com/office/drawing/2014/main" xmlns="" id="{6DD5B97A-0228-46C8-87F4-687E3922C0B0}"/>
+                <a16:creationId xmlns="" xmlns:a16="http://schemas.microsoft.com/office/drawing/2014/main" id="{6DD5B97A-0228-46C8-87F4-687E3922C0B0}"/>
               </a:ext>
             </a:extLst>
           </p:cNvPr>
@@ -1368,7 +1708,7 @@
           <p:cNvPr id="3" name="Vertical Text Placeholder 2">
             <a:extLst>
               <a:ext uri="{FF2B5EF4-FFF2-40B4-BE49-F238E27FC236}">
-                <a16:creationId xmlns:a16="http://schemas.microsoft.com/office/drawing/2014/main" xmlns="" id="{9596764E-3E71-444F-9676-DA7632703B34}"/>
+                <a16:creationId xmlns="" xmlns:a16="http://schemas.microsoft.com/office/drawing/2014/main" id="{9596764E-3E71-444F-9676-DA7632703B34}"/>
               </a:ext>
             </a:extLst>
           </p:cNvPr>
@@ -1431,7 +1771,7 @@
           <p:cNvPr id="4" name="Date Placeholder 3">
             <a:extLst>
               <a:ext uri="{FF2B5EF4-FFF2-40B4-BE49-F238E27FC236}">
-                <a16:creationId xmlns:a16="http://schemas.microsoft.com/office/drawing/2014/main" xmlns="" id="{2790E713-8068-42BE-B30A-4DCC826A782A}"/>
+                <a16:creationId xmlns="" xmlns:a16="http://schemas.microsoft.com/office/drawing/2014/main" id="{2790E713-8068-42BE-B30A-4DCC826A782A}"/>
               </a:ext>
             </a:extLst>
           </p:cNvPr>
@@ -1449,7 +1789,7 @@
           <a:p>
             <a:fld id="{BE1ABA91-C1B6-466C-BA10-D0EAD2010A28}" type="datetimeFigureOut">
               <a:rPr lang="en-IN" smtClean="0"/>
-              <a:t>05-07-2020</a:t>
+              <a:t>01-08-2020</a:t>
             </a:fld>
             <a:endParaRPr lang="en-IN"/>
           </a:p>
@@ -1460,7 +1800,7 @@
           <p:cNvPr id="5" name="Footer Placeholder 4">
             <a:extLst>
               <a:ext uri="{FF2B5EF4-FFF2-40B4-BE49-F238E27FC236}">
-                <a16:creationId xmlns:a16="http://schemas.microsoft.com/office/drawing/2014/main" xmlns="" id="{6C8F32E5-BECE-4A68-B7EA-11369D8ADABB}"/>
+                <a16:creationId xmlns="" xmlns:a16="http://schemas.microsoft.com/office/drawing/2014/main" id="{6C8F32E5-BECE-4A68-B7EA-11369D8ADABB}"/>
               </a:ext>
             </a:extLst>
           </p:cNvPr>
@@ -1485,7 +1825,7 @@
           <p:cNvPr id="6" name="Slide Number Placeholder 5">
             <a:extLst>
               <a:ext uri="{FF2B5EF4-FFF2-40B4-BE49-F238E27FC236}">
-                <a16:creationId xmlns:a16="http://schemas.microsoft.com/office/drawing/2014/main" xmlns="" id="{0F947783-93DA-4B4D-A95F-B56C51CD088B}"/>
+                <a16:creationId xmlns="" xmlns:a16="http://schemas.microsoft.com/office/drawing/2014/main" id="{0F947783-93DA-4B4D-A95F-B56C51CD088B}"/>
               </a:ext>
             </a:extLst>
           </p:cNvPr>
@@ -1544,7 +1884,7 @@
           <p:cNvPr id="2" name="Title 1">
             <a:extLst>
               <a:ext uri="{FF2B5EF4-FFF2-40B4-BE49-F238E27FC236}">
-                <a16:creationId xmlns:a16="http://schemas.microsoft.com/office/drawing/2014/main" xmlns="" id="{72065CD8-28AC-4354-8167-53F3DEBABA20}"/>
+                <a16:creationId xmlns="" xmlns:a16="http://schemas.microsoft.com/office/drawing/2014/main" id="{72065CD8-28AC-4354-8167-53F3DEBABA20}"/>
               </a:ext>
             </a:extLst>
           </p:cNvPr>
@@ -1573,7 +1913,7 @@
           <p:cNvPr id="3" name="Content Placeholder 2">
             <a:extLst>
               <a:ext uri="{FF2B5EF4-FFF2-40B4-BE49-F238E27FC236}">
-                <a16:creationId xmlns:a16="http://schemas.microsoft.com/office/drawing/2014/main" xmlns="" id="{279F8514-86FD-4CFD-B6DC-1470314D6D05}"/>
+                <a16:creationId xmlns="" xmlns:a16="http://schemas.microsoft.com/office/drawing/2014/main" id="{279F8514-86FD-4CFD-B6DC-1470314D6D05}"/>
               </a:ext>
             </a:extLst>
           </p:cNvPr>
@@ -1631,7 +1971,7 @@
           <p:cNvPr id="4" name="Date Placeholder 3">
             <a:extLst>
               <a:ext uri="{FF2B5EF4-FFF2-40B4-BE49-F238E27FC236}">
-                <a16:creationId xmlns:a16="http://schemas.microsoft.com/office/drawing/2014/main" xmlns="" id="{374E7C50-8353-4022-A321-E145D15200B9}"/>
+                <a16:creationId xmlns="" xmlns:a16="http://schemas.microsoft.com/office/drawing/2014/main" id="{374E7C50-8353-4022-A321-E145D15200B9}"/>
               </a:ext>
             </a:extLst>
           </p:cNvPr>
@@ -1649,7 +1989,7 @@
           <a:p>
             <a:fld id="{BE1ABA91-C1B6-466C-BA10-D0EAD2010A28}" type="datetimeFigureOut">
               <a:rPr lang="en-IN" smtClean="0"/>
-              <a:t>05-07-2020</a:t>
+              <a:t>01-08-2020</a:t>
             </a:fld>
             <a:endParaRPr lang="en-IN"/>
           </a:p>
@@ -1660,7 +2000,7 @@
           <p:cNvPr id="5" name="Footer Placeholder 4">
             <a:extLst>
               <a:ext uri="{FF2B5EF4-FFF2-40B4-BE49-F238E27FC236}">
-                <a16:creationId xmlns:a16="http://schemas.microsoft.com/office/drawing/2014/main" xmlns="" id="{4A828668-BCC7-4966-9352-608FEC11D994}"/>
+                <a16:creationId xmlns="" xmlns:a16="http://schemas.microsoft.com/office/drawing/2014/main" id="{4A828668-BCC7-4966-9352-608FEC11D994}"/>
               </a:ext>
             </a:extLst>
           </p:cNvPr>
@@ -1685,7 +2025,7 @@
           <p:cNvPr id="6" name="Slide Number Placeholder 5">
             <a:extLst>
               <a:ext uri="{FF2B5EF4-FFF2-40B4-BE49-F238E27FC236}">
-                <a16:creationId xmlns:a16="http://schemas.microsoft.com/office/drawing/2014/main" xmlns="" id="{4C2CB5BD-85EE-411A-B9F9-0BA9BD16F28B}"/>
+                <a16:creationId xmlns="" xmlns:a16="http://schemas.microsoft.com/office/drawing/2014/main" id="{4C2CB5BD-85EE-411A-B9F9-0BA9BD16F28B}"/>
               </a:ext>
             </a:extLst>
           </p:cNvPr>
@@ -1744,7 +2084,7 @@
           <p:cNvPr id="2" name="Title 1">
             <a:extLst>
               <a:ext uri="{FF2B5EF4-FFF2-40B4-BE49-F238E27FC236}">
-                <a16:creationId xmlns:a16="http://schemas.microsoft.com/office/drawing/2014/main" xmlns="" id="{BDAA9E48-CC8E-4543-8C85-08405AD12BDD}"/>
+                <a16:creationId xmlns="" xmlns:a16="http://schemas.microsoft.com/office/drawing/2014/main" id="{BDAA9E48-CC8E-4543-8C85-08405AD12BDD}"/>
               </a:ext>
             </a:extLst>
           </p:cNvPr>
@@ -1782,7 +2122,7 @@
           <p:cNvPr id="3" name="Text Placeholder 2">
             <a:extLst>
               <a:ext uri="{FF2B5EF4-FFF2-40B4-BE49-F238E27FC236}">
-                <a16:creationId xmlns:a16="http://schemas.microsoft.com/office/drawing/2014/main" xmlns="" id="{1DE43303-B18C-42DC-ABDB-BE8BE5E0296F}"/>
+                <a16:creationId xmlns="" xmlns:a16="http://schemas.microsoft.com/office/drawing/2014/main" id="{1DE43303-B18C-42DC-ABDB-BE8BE5E0296F}"/>
               </a:ext>
             </a:extLst>
           </p:cNvPr>
@@ -1907,7 +2247,7 @@
           <p:cNvPr id="4" name="Date Placeholder 3">
             <a:extLst>
               <a:ext uri="{FF2B5EF4-FFF2-40B4-BE49-F238E27FC236}">
-                <a16:creationId xmlns:a16="http://schemas.microsoft.com/office/drawing/2014/main" xmlns="" id="{86422CE0-48F4-49E8-995A-65BD5EE4755E}"/>
+                <a16:creationId xmlns="" xmlns:a16="http://schemas.microsoft.com/office/drawing/2014/main" id="{86422CE0-48F4-49E8-995A-65BD5EE4755E}"/>
               </a:ext>
             </a:extLst>
           </p:cNvPr>
@@ -1925,7 +2265,7 @@
           <a:p>
             <a:fld id="{BE1ABA91-C1B6-466C-BA10-D0EAD2010A28}" type="datetimeFigureOut">
               <a:rPr lang="en-IN" smtClean="0"/>
-              <a:t>05-07-2020</a:t>
+              <a:t>01-08-2020</a:t>
             </a:fld>
             <a:endParaRPr lang="en-IN"/>
           </a:p>
@@ -1936,7 +2276,7 @@
           <p:cNvPr id="5" name="Footer Placeholder 4">
             <a:extLst>
               <a:ext uri="{FF2B5EF4-FFF2-40B4-BE49-F238E27FC236}">
-                <a16:creationId xmlns:a16="http://schemas.microsoft.com/office/drawing/2014/main" xmlns="" id="{967497CB-89D1-4767-A15F-A619716A5101}"/>
+                <a16:creationId xmlns="" xmlns:a16="http://schemas.microsoft.com/office/drawing/2014/main" id="{967497CB-89D1-4767-A15F-A619716A5101}"/>
               </a:ext>
             </a:extLst>
           </p:cNvPr>
@@ -1961,7 +2301,7 @@
           <p:cNvPr id="6" name="Slide Number Placeholder 5">
             <a:extLst>
               <a:ext uri="{FF2B5EF4-FFF2-40B4-BE49-F238E27FC236}">
-                <a16:creationId xmlns:a16="http://schemas.microsoft.com/office/drawing/2014/main" xmlns="" id="{45FDE11A-4118-455D-8833-907E9BF81811}"/>
+                <a16:creationId xmlns="" xmlns:a16="http://schemas.microsoft.com/office/drawing/2014/main" id="{45FDE11A-4118-455D-8833-907E9BF81811}"/>
               </a:ext>
             </a:extLst>
           </p:cNvPr>
@@ -2020,7 +2360,7 @@
           <p:cNvPr id="2" name="Title 1">
             <a:extLst>
               <a:ext uri="{FF2B5EF4-FFF2-40B4-BE49-F238E27FC236}">
-                <a16:creationId xmlns:a16="http://schemas.microsoft.com/office/drawing/2014/main" xmlns="" id="{D27D1376-6D29-4162-8C8B-D9E80B145226}"/>
+                <a16:creationId xmlns="" xmlns:a16="http://schemas.microsoft.com/office/drawing/2014/main" id="{D27D1376-6D29-4162-8C8B-D9E80B145226}"/>
               </a:ext>
             </a:extLst>
           </p:cNvPr>
@@ -2049,7 +2389,7 @@
           <p:cNvPr id="3" name="Content Placeholder 2">
             <a:extLst>
               <a:ext uri="{FF2B5EF4-FFF2-40B4-BE49-F238E27FC236}">
-                <a16:creationId xmlns:a16="http://schemas.microsoft.com/office/drawing/2014/main" xmlns="" id="{BCC98D77-23DF-4656-A12E-760E2CB70AB6}"/>
+                <a16:creationId xmlns="" xmlns:a16="http://schemas.microsoft.com/office/drawing/2014/main" id="{BCC98D77-23DF-4656-A12E-760E2CB70AB6}"/>
               </a:ext>
             </a:extLst>
           </p:cNvPr>
@@ -2112,7 +2452,7 @@
           <p:cNvPr id="4" name="Content Placeholder 3">
             <a:extLst>
               <a:ext uri="{FF2B5EF4-FFF2-40B4-BE49-F238E27FC236}">
-                <a16:creationId xmlns:a16="http://schemas.microsoft.com/office/drawing/2014/main" xmlns="" id="{36E49C56-0DBE-4A83-9185-110C0D54C1EA}"/>
+                <a16:creationId xmlns="" xmlns:a16="http://schemas.microsoft.com/office/drawing/2014/main" id="{36E49C56-0DBE-4A83-9185-110C0D54C1EA}"/>
               </a:ext>
             </a:extLst>
           </p:cNvPr>
@@ -2175,7 +2515,7 @@
           <p:cNvPr id="5" name="Date Placeholder 4">
             <a:extLst>
               <a:ext uri="{FF2B5EF4-FFF2-40B4-BE49-F238E27FC236}">
-                <a16:creationId xmlns:a16="http://schemas.microsoft.com/office/drawing/2014/main" xmlns="" id="{021E59C0-09D1-4F0B-9C32-31B300505B2E}"/>
+                <a16:creationId xmlns="" xmlns:a16="http://schemas.microsoft.com/office/drawing/2014/main" id="{021E59C0-09D1-4F0B-9C32-31B300505B2E}"/>
               </a:ext>
             </a:extLst>
           </p:cNvPr>
@@ -2193,7 +2533,7 @@
           <a:p>
             <a:fld id="{BE1ABA91-C1B6-466C-BA10-D0EAD2010A28}" type="datetimeFigureOut">
               <a:rPr lang="en-IN" smtClean="0"/>
-              <a:t>05-07-2020</a:t>
+              <a:t>01-08-2020</a:t>
             </a:fld>
             <a:endParaRPr lang="en-IN"/>
           </a:p>
@@ -2204,7 +2544,7 @@
           <p:cNvPr id="6" name="Footer Placeholder 5">
             <a:extLst>
               <a:ext uri="{FF2B5EF4-FFF2-40B4-BE49-F238E27FC236}">
-                <a16:creationId xmlns:a16="http://schemas.microsoft.com/office/drawing/2014/main" xmlns="" id="{5AF86EE2-DB13-4D11-B215-14BA4EF4E3B3}"/>
+                <a16:creationId xmlns="" xmlns:a16="http://schemas.microsoft.com/office/drawing/2014/main" id="{5AF86EE2-DB13-4D11-B215-14BA4EF4E3B3}"/>
               </a:ext>
             </a:extLst>
           </p:cNvPr>
@@ -2229,7 +2569,7 @@
           <p:cNvPr id="7" name="Slide Number Placeholder 6">
             <a:extLst>
               <a:ext uri="{FF2B5EF4-FFF2-40B4-BE49-F238E27FC236}">
-                <a16:creationId xmlns:a16="http://schemas.microsoft.com/office/drawing/2014/main" xmlns="" id="{C03D5933-FD67-4711-AB13-DF9D52E71EA0}"/>
+                <a16:creationId xmlns="" xmlns:a16="http://schemas.microsoft.com/office/drawing/2014/main" id="{C03D5933-FD67-4711-AB13-DF9D52E71EA0}"/>
               </a:ext>
             </a:extLst>
           </p:cNvPr>
@@ -2288,7 +2628,7 @@
           <p:cNvPr id="2" name="Title 1">
             <a:extLst>
               <a:ext uri="{FF2B5EF4-FFF2-40B4-BE49-F238E27FC236}">
-                <a16:creationId xmlns:a16="http://schemas.microsoft.com/office/drawing/2014/main" xmlns="" id="{5BE5CF35-22D1-4984-9E8F-E9B4F1C99A28}"/>
+                <a16:creationId xmlns="" xmlns:a16="http://schemas.microsoft.com/office/drawing/2014/main" id="{5BE5CF35-22D1-4984-9E8F-E9B4F1C99A28}"/>
               </a:ext>
             </a:extLst>
           </p:cNvPr>
@@ -2322,7 +2662,7 @@
           <p:cNvPr id="3" name="Text Placeholder 2">
             <a:extLst>
               <a:ext uri="{FF2B5EF4-FFF2-40B4-BE49-F238E27FC236}">
-                <a16:creationId xmlns:a16="http://schemas.microsoft.com/office/drawing/2014/main" xmlns="" id="{AFD2A48D-1C4B-4117-B5B6-268D2A4306AF}"/>
+                <a16:creationId xmlns="" xmlns:a16="http://schemas.microsoft.com/office/drawing/2014/main" id="{AFD2A48D-1C4B-4117-B5B6-268D2A4306AF}"/>
               </a:ext>
             </a:extLst>
           </p:cNvPr>
@@ -2393,7 +2733,7 @@
           <p:cNvPr id="4" name="Content Placeholder 3">
             <a:extLst>
               <a:ext uri="{FF2B5EF4-FFF2-40B4-BE49-F238E27FC236}">
-                <a16:creationId xmlns:a16="http://schemas.microsoft.com/office/drawing/2014/main" xmlns="" id="{54D3AB57-1EA3-45AA-8A07-9356DB49C3BC}"/>
+                <a16:creationId xmlns="" xmlns:a16="http://schemas.microsoft.com/office/drawing/2014/main" id="{54D3AB57-1EA3-45AA-8A07-9356DB49C3BC}"/>
               </a:ext>
             </a:extLst>
           </p:cNvPr>
@@ -2456,7 +2796,7 @@
           <p:cNvPr id="5" name="Text Placeholder 4">
             <a:extLst>
               <a:ext uri="{FF2B5EF4-FFF2-40B4-BE49-F238E27FC236}">
-                <a16:creationId xmlns:a16="http://schemas.microsoft.com/office/drawing/2014/main" xmlns="" id="{4557C29A-49EB-4DBF-949F-B275E7BA9810}"/>
+                <a16:creationId xmlns="" xmlns:a16="http://schemas.microsoft.com/office/drawing/2014/main" id="{4557C29A-49EB-4DBF-949F-B275E7BA9810}"/>
               </a:ext>
             </a:extLst>
           </p:cNvPr>
@@ -2527,7 +2867,7 @@
           <p:cNvPr id="6" name="Content Placeholder 5">
             <a:extLst>
               <a:ext uri="{FF2B5EF4-FFF2-40B4-BE49-F238E27FC236}">
-                <a16:creationId xmlns:a16="http://schemas.microsoft.com/office/drawing/2014/main" xmlns="" id="{1A9DE468-B004-43A1-85EC-7FE8EB9D3253}"/>
+                <a16:creationId xmlns="" xmlns:a16="http://schemas.microsoft.com/office/drawing/2014/main" id="{1A9DE468-B004-43A1-85EC-7FE8EB9D3253}"/>
               </a:ext>
             </a:extLst>
           </p:cNvPr>
@@ -2590,7 +2930,7 @@
           <p:cNvPr id="7" name="Date Placeholder 6">
             <a:extLst>
               <a:ext uri="{FF2B5EF4-FFF2-40B4-BE49-F238E27FC236}">
-                <a16:creationId xmlns:a16="http://schemas.microsoft.com/office/drawing/2014/main" xmlns="" id="{01883B35-AD67-42D7-B112-A3033C999975}"/>
+                <a16:creationId xmlns="" xmlns:a16="http://schemas.microsoft.com/office/drawing/2014/main" id="{01883B35-AD67-42D7-B112-A3033C999975}"/>
               </a:ext>
             </a:extLst>
           </p:cNvPr>
@@ -2608,7 +2948,7 @@
           <a:p>
             <a:fld id="{BE1ABA91-C1B6-466C-BA10-D0EAD2010A28}" type="datetimeFigureOut">
               <a:rPr lang="en-IN" smtClean="0"/>
-              <a:t>05-07-2020</a:t>
+              <a:t>01-08-2020</a:t>
             </a:fld>
             <a:endParaRPr lang="en-IN"/>
           </a:p>
@@ -2619,7 +2959,7 @@
           <p:cNvPr id="8" name="Footer Placeholder 7">
             <a:extLst>
               <a:ext uri="{FF2B5EF4-FFF2-40B4-BE49-F238E27FC236}">
-                <a16:creationId xmlns:a16="http://schemas.microsoft.com/office/drawing/2014/main" xmlns="" id="{307BBD8A-3401-44B9-81F9-64F4C2291253}"/>
+                <a16:creationId xmlns="" xmlns:a16="http://schemas.microsoft.com/office/drawing/2014/main" id="{307BBD8A-3401-44B9-81F9-64F4C2291253}"/>
               </a:ext>
             </a:extLst>
           </p:cNvPr>
@@ -2644,7 +2984,7 @@
           <p:cNvPr id="9" name="Slide Number Placeholder 8">
             <a:extLst>
               <a:ext uri="{FF2B5EF4-FFF2-40B4-BE49-F238E27FC236}">
-                <a16:creationId xmlns:a16="http://schemas.microsoft.com/office/drawing/2014/main" xmlns="" id="{CECB4B40-9D61-425A-9FAB-98737956052B}"/>
+                <a16:creationId xmlns="" xmlns:a16="http://schemas.microsoft.com/office/drawing/2014/main" id="{CECB4B40-9D61-425A-9FAB-98737956052B}"/>
               </a:ext>
             </a:extLst>
           </p:cNvPr>
@@ -2703,7 +3043,7 @@
           <p:cNvPr id="2" name="Title 1">
             <a:extLst>
               <a:ext uri="{FF2B5EF4-FFF2-40B4-BE49-F238E27FC236}">
-                <a16:creationId xmlns:a16="http://schemas.microsoft.com/office/drawing/2014/main" xmlns="" id="{8CB783A9-7F52-4B5E-B079-E141139782FA}"/>
+                <a16:creationId xmlns="" xmlns:a16="http://schemas.microsoft.com/office/drawing/2014/main" id="{8CB783A9-7F52-4B5E-B079-E141139782FA}"/>
               </a:ext>
             </a:extLst>
           </p:cNvPr>
@@ -2732,7 +3072,7 @@
           <p:cNvPr id="3" name="Date Placeholder 2">
             <a:extLst>
               <a:ext uri="{FF2B5EF4-FFF2-40B4-BE49-F238E27FC236}">
-                <a16:creationId xmlns:a16="http://schemas.microsoft.com/office/drawing/2014/main" xmlns="" id="{CC8EAB26-DEE9-4A9B-AFAA-28123A52D273}"/>
+                <a16:creationId xmlns="" xmlns:a16="http://schemas.microsoft.com/office/drawing/2014/main" id="{CC8EAB26-DEE9-4A9B-AFAA-28123A52D273}"/>
               </a:ext>
             </a:extLst>
           </p:cNvPr>
@@ -2750,7 +3090,7 @@
           <a:p>
             <a:fld id="{BE1ABA91-C1B6-466C-BA10-D0EAD2010A28}" type="datetimeFigureOut">
               <a:rPr lang="en-IN" smtClean="0"/>
-              <a:t>05-07-2020</a:t>
+              <a:t>01-08-2020</a:t>
             </a:fld>
             <a:endParaRPr lang="en-IN"/>
           </a:p>
@@ -2761,7 +3101,7 @@
           <p:cNvPr id="4" name="Footer Placeholder 3">
             <a:extLst>
               <a:ext uri="{FF2B5EF4-FFF2-40B4-BE49-F238E27FC236}">
-                <a16:creationId xmlns:a16="http://schemas.microsoft.com/office/drawing/2014/main" xmlns="" id="{2205D946-EA04-47E0-B363-0EE969051DBB}"/>
+                <a16:creationId xmlns="" xmlns:a16="http://schemas.microsoft.com/office/drawing/2014/main" id="{2205D946-EA04-47E0-B363-0EE969051DBB}"/>
               </a:ext>
             </a:extLst>
           </p:cNvPr>
@@ -2786,7 +3126,7 @@
           <p:cNvPr id="5" name="Slide Number Placeholder 4">
             <a:extLst>
               <a:ext uri="{FF2B5EF4-FFF2-40B4-BE49-F238E27FC236}">
-                <a16:creationId xmlns:a16="http://schemas.microsoft.com/office/drawing/2014/main" xmlns="" id="{BC58B128-83DA-4A60-B6D7-81E0162C7607}"/>
+                <a16:creationId xmlns="" xmlns:a16="http://schemas.microsoft.com/office/drawing/2014/main" id="{BC58B128-83DA-4A60-B6D7-81E0162C7607}"/>
               </a:ext>
             </a:extLst>
           </p:cNvPr>
@@ -2845,7 +3185,7 @@
           <p:cNvPr id="2" name="Date Placeholder 1">
             <a:extLst>
               <a:ext uri="{FF2B5EF4-FFF2-40B4-BE49-F238E27FC236}">
-                <a16:creationId xmlns:a16="http://schemas.microsoft.com/office/drawing/2014/main" xmlns="" id="{9335DF7A-236D-495A-ABBF-B7C9684C7C29}"/>
+                <a16:creationId xmlns="" xmlns:a16="http://schemas.microsoft.com/office/drawing/2014/main" id="{9335DF7A-236D-495A-ABBF-B7C9684C7C29}"/>
               </a:ext>
             </a:extLst>
           </p:cNvPr>
@@ -2863,7 +3203,7 @@
           <a:p>
             <a:fld id="{BE1ABA91-C1B6-466C-BA10-D0EAD2010A28}" type="datetimeFigureOut">
               <a:rPr lang="en-IN" smtClean="0"/>
-              <a:t>05-07-2020</a:t>
+              <a:t>01-08-2020</a:t>
             </a:fld>
             <a:endParaRPr lang="en-IN"/>
           </a:p>
@@ -2874,7 +3214,7 @@
           <p:cNvPr id="3" name="Footer Placeholder 2">
             <a:extLst>
               <a:ext uri="{FF2B5EF4-FFF2-40B4-BE49-F238E27FC236}">
-                <a16:creationId xmlns:a16="http://schemas.microsoft.com/office/drawing/2014/main" xmlns="" id="{A37EB263-0C1A-4DF6-AE1D-316E4D0C7692}"/>
+                <a16:creationId xmlns="" xmlns:a16="http://schemas.microsoft.com/office/drawing/2014/main" id="{A37EB263-0C1A-4DF6-AE1D-316E4D0C7692}"/>
               </a:ext>
             </a:extLst>
           </p:cNvPr>
@@ -2899,7 +3239,7 @@
           <p:cNvPr id="4" name="Slide Number Placeholder 3">
             <a:extLst>
               <a:ext uri="{FF2B5EF4-FFF2-40B4-BE49-F238E27FC236}">
-                <a16:creationId xmlns:a16="http://schemas.microsoft.com/office/drawing/2014/main" xmlns="" id="{FEB28810-2F57-4260-A422-AFC7E31BD1B8}"/>
+                <a16:creationId xmlns="" xmlns:a16="http://schemas.microsoft.com/office/drawing/2014/main" id="{FEB28810-2F57-4260-A422-AFC7E31BD1B8}"/>
               </a:ext>
             </a:extLst>
           </p:cNvPr>
@@ -2958,7 +3298,7 @@
           <p:cNvPr id="2" name="Title 1">
             <a:extLst>
               <a:ext uri="{FF2B5EF4-FFF2-40B4-BE49-F238E27FC236}">
-                <a16:creationId xmlns:a16="http://schemas.microsoft.com/office/drawing/2014/main" xmlns="" id="{1F5E543B-FEA1-48D0-988B-9D74FFCBFF9F}"/>
+                <a16:creationId xmlns="" xmlns:a16="http://schemas.microsoft.com/office/drawing/2014/main" id="{1F5E543B-FEA1-48D0-988B-9D74FFCBFF9F}"/>
               </a:ext>
             </a:extLst>
           </p:cNvPr>
@@ -2996,7 +3336,7 @@
           <p:cNvPr id="3" name="Content Placeholder 2">
             <a:extLst>
               <a:ext uri="{FF2B5EF4-FFF2-40B4-BE49-F238E27FC236}">
-                <a16:creationId xmlns:a16="http://schemas.microsoft.com/office/drawing/2014/main" xmlns="" id="{95F399D0-0783-4145-8455-92392F7118B9}"/>
+                <a16:creationId xmlns="" xmlns:a16="http://schemas.microsoft.com/office/drawing/2014/main" id="{95F399D0-0783-4145-8455-92392F7118B9}"/>
               </a:ext>
             </a:extLst>
           </p:cNvPr>
@@ -3087,7 +3427,7 @@
           <p:cNvPr id="4" name="Text Placeholder 3">
             <a:extLst>
               <a:ext uri="{FF2B5EF4-FFF2-40B4-BE49-F238E27FC236}">
-                <a16:creationId xmlns:a16="http://schemas.microsoft.com/office/drawing/2014/main" xmlns="" id="{24A34A1F-0BCE-4523-8913-D6D617C27CB9}"/>
+                <a16:creationId xmlns="" xmlns:a16="http://schemas.microsoft.com/office/drawing/2014/main" id="{24A34A1F-0BCE-4523-8913-D6D617C27CB9}"/>
               </a:ext>
             </a:extLst>
           </p:cNvPr>
@@ -3158,7 +3498,7 @@
           <p:cNvPr id="5" name="Date Placeholder 4">
             <a:extLst>
               <a:ext uri="{FF2B5EF4-FFF2-40B4-BE49-F238E27FC236}">
-                <a16:creationId xmlns:a16="http://schemas.microsoft.com/office/drawing/2014/main" xmlns="" id="{00A30515-46E2-4A82-AD10-FBC67CF379ED}"/>
+                <a16:creationId xmlns="" xmlns:a16="http://schemas.microsoft.com/office/drawing/2014/main" id="{00A30515-46E2-4A82-AD10-FBC67CF379ED}"/>
               </a:ext>
             </a:extLst>
           </p:cNvPr>
@@ -3176,7 +3516,7 @@
           <a:p>
             <a:fld id="{BE1ABA91-C1B6-466C-BA10-D0EAD2010A28}" type="datetimeFigureOut">
               <a:rPr lang="en-IN" smtClean="0"/>
-              <a:t>05-07-2020</a:t>
+              <a:t>01-08-2020</a:t>
             </a:fld>
             <a:endParaRPr lang="en-IN"/>
           </a:p>
@@ -3187,7 +3527,7 @@
           <p:cNvPr id="6" name="Footer Placeholder 5">
             <a:extLst>
               <a:ext uri="{FF2B5EF4-FFF2-40B4-BE49-F238E27FC236}">
-                <a16:creationId xmlns:a16="http://schemas.microsoft.com/office/drawing/2014/main" xmlns="" id="{24749419-B337-42DE-BD18-691EA7641255}"/>
+                <a16:creationId xmlns="" xmlns:a16="http://schemas.microsoft.com/office/drawing/2014/main" id="{24749419-B337-42DE-BD18-691EA7641255}"/>
               </a:ext>
             </a:extLst>
           </p:cNvPr>
@@ -3212,7 +3552,7 @@
           <p:cNvPr id="7" name="Slide Number Placeholder 6">
             <a:extLst>
               <a:ext uri="{FF2B5EF4-FFF2-40B4-BE49-F238E27FC236}">
-                <a16:creationId xmlns:a16="http://schemas.microsoft.com/office/drawing/2014/main" xmlns="" id="{029E94DB-A493-4698-8193-ADD9188A3F8E}"/>
+                <a16:creationId xmlns="" xmlns:a16="http://schemas.microsoft.com/office/drawing/2014/main" id="{029E94DB-A493-4698-8193-ADD9188A3F8E}"/>
               </a:ext>
             </a:extLst>
           </p:cNvPr>
@@ -3271,7 +3611,7 @@
           <p:cNvPr id="2" name="Title 1">
             <a:extLst>
               <a:ext uri="{FF2B5EF4-FFF2-40B4-BE49-F238E27FC236}">
-                <a16:creationId xmlns:a16="http://schemas.microsoft.com/office/drawing/2014/main" xmlns="" id="{2C106934-B4CC-44BE-B146-3CB3C711C63F}"/>
+                <a16:creationId xmlns="" xmlns:a16="http://schemas.microsoft.com/office/drawing/2014/main" id="{2C106934-B4CC-44BE-B146-3CB3C711C63F}"/>
               </a:ext>
             </a:extLst>
           </p:cNvPr>
@@ -3309,7 +3649,7 @@
           <p:cNvPr id="3" name="Picture Placeholder 2">
             <a:extLst>
               <a:ext uri="{FF2B5EF4-FFF2-40B4-BE49-F238E27FC236}">
-                <a16:creationId xmlns:a16="http://schemas.microsoft.com/office/drawing/2014/main" xmlns="" id="{925388D9-D88F-42FE-AA75-A6CA256348DC}"/>
+                <a16:creationId xmlns="" xmlns:a16="http://schemas.microsoft.com/office/drawing/2014/main" id="{925388D9-D88F-42FE-AA75-A6CA256348DC}"/>
               </a:ext>
             </a:extLst>
           </p:cNvPr>
@@ -3376,7 +3716,7 @@
           <p:cNvPr id="4" name="Text Placeholder 3">
             <a:extLst>
               <a:ext uri="{FF2B5EF4-FFF2-40B4-BE49-F238E27FC236}">
-                <a16:creationId xmlns:a16="http://schemas.microsoft.com/office/drawing/2014/main" xmlns="" id="{ED27AACC-55C1-4114-BA00-ED3D2CF9A845}"/>
+                <a16:creationId xmlns="" xmlns:a16="http://schemas.microsoft.com/office/drawing/2014/main" id="{ED27AACC-55C1-4114-BA00-ED3D2CF9A845}"/>
               </a:ext>
             </a:extLst>
           </p:cNvPr>
@@ -3447,7 +3787,7 @@
           <p:cNvPr id="5" name="Date Placeholder 4">
             <a:extLst>
               <a:ext uri="{FF2B5EF4-FFF2-40B4-BE49-F238E27FC236}">
-                <a16:creationId xmlns:a16="http://schemas.microsoft.com/office/drawing/2014/main" xmlns="" id="{50D9083A-AFC1-43C2-9494-07A68A64EA2F}"/>
+                <a16:creationId xmlns="" xmlns:a16="http://schemas.microsoft.com/office/drawing/2014/main" id="{50D9083A-AFC1-43C2-9494-07A68A64EA2F}"/>
               </a:ext>
             </a:extLst>
           </p:cNvPr>
@@ -3465,7 +3805,7 @@
           <a:p>
             <a:fld id="{BE1ABA91-C1B6-466C-BA10-D0EAD2010A28}" type="datetimeFigureOut">
               <a:rPr lang="en-IN" smtClean="0"/>
-              <a:t>05-07-2020</a:t>
+              <a:t>01-08-2020</a:t>
             </a:fld>
             <a:endParaRPr lang="en-IN"/>
           </a:p>
@@ -3476,7 +3816,7 @@
           <p:cNvPr id="6" name="Footer Placeholder 5">
             <a:extLst>
               <a:ext uri="{FF2B5EF4-FFF2-40B4-BE49-F238E27FC236}">
-                <a16:creationId xmlns:a16="http://schemas.microsoft.com/office/drawing/2014/main" xmlns="" id="{9D94B623-9A7B-4789-90CB-F4EEC6370390}"/>
+                <a16:creationId xmlns="" xmlns:a16="http://schemas.microsoft.com/office/drawing/2014/main" id="{9D94B623-9A7B-4789-90CB-F4EEC6370390}"/>
               </a:ext>
             </a:extLst>
           </p:cNvPr>
@@ -3501,7 +3841,7 @@
           <p:cNvPr id="7" name="Slide Number Placeholder 6">
             <a:extLst>
               <a:ext uri="{FF2B5EF4-FFF2-40B4-BE49-F238E27FC236}">
-                <a16:creationId xmlns:a16="http://schemas.microsoft.com/office/drawing/2014/main" xmlns="" id="{0506DE6E-798B-41ED-8C6E-DAF82C87E5F4}"/>
+                <a16:creationId xmlns="" xmlns:a16="http://schemas.microsoft.com/office/drawing/2014/main" id="{0506DE6E-798B-41ED-8C6E-DAF82C87E5F4}"/>
               </a:ext>
             </a:extLst>
           </p:cNvPr>
@@ -3565,7 +3905,7 @@
           <p:cNvPr id="2" name="Title Placeholder 1">
             <a:extLst>
               <a:ext uri="{FF2B5EF4-FFF2-40B4-BE49-F238E27FC236}">
-                <a16:creationId xmlns:a16="http://schemas.microsoft.com/office/drawing/2014/main" xmlns="" id="{138B7F82-D5F1-4AFA-BB11-192C794E0B4D}"/>
+                <a16:creationId xmlns="" xmlns:a16="http://schemas.microsoft.com/office/drawing/2014/main" id="{138B7F82-D5F1-4AFA-BB11-192C794E0B4D}"/>
               </a:ext>
             </a:extLst>
           </p:cNvPr>
@@ -3604,7 +3944,7 @@
           <p:cNvPr id="3" name="Text Placeholder 2">
             <a:extLst>
               <a:ext uri="{FF2B5EF4-FFF2-40B4-BE49-F238E27FC236}">
-                <a16:creationId xmlns:a16="http://schemas.microsoft.com/office/drawing/2014/main" xmlns="" id="{2F3EED24-1E78-4E9B-93A5-3D3AA109CAB8}"/>
+                <a16:creationId xmlns="" xmlns:a16="http://schemas.microsoft.com/office/drawing/2014/main" id="{2F3EED24-1E78-4E9B-93A5-3D3AA109CAB8}"/>
               </a:ext>
             </a:extLst>
           </p:cNvPr>
@@ -3672,7 +4012,7 @@
           <p:cNvPr id="4" name="Date Placeholder 3">
             <a:extLst>
               <a:ext uri="{FF2B5EF4-FFF2-40B4-BE49-F238E27FC236}">
-                <a16:creationId xmlns:a16="http://schemas.microsoft.com/office/drawing/2014/main" xmlns="" id="{E9E844B0-AE51-45E7-ABB1-86778FC41438}"/>
+                <a16:creationId xmlns="" xmlns:a16="http://schemas.microsoft.com/office/drawing/2014/main" id="{E9E844B0-AE51-45E7-ABB1-86778FC41438}"/>
               </a:ext>
             </a:extLst>
           </p:cNvPr>
@@ -3708,7 +4048,7 @@
           <a:p>
             <a:fld id="{BE1ABA91-C1B6-466C-BA10-D0EAD2010A28}" type="datetimeFigureOut">
               <a:rPr lang="en-IN" smtClean="0"/>
-              <a:t>05-07-2020</a:t>
+              <a:t>01-08-2020</a:t>
             </a:fld>
             <a:endParaRPr lang="en-IN"/>
           </a:p>
@@ -3719,7 +4059,7 @@
           <p:cNvPr id="5" name="Footer Placeholder 4">
             <a:extLst>
               <a:ext uri="{FF2B5EF4-FFF2-40B4-BE49-F238E27FC236}">
-                <a16:creationId xmlns:a16="http://schemas.microsoft.com/office/drawing/2014/main" xmlns="" id="{F01E435F-59CB-4071-B34D-A5E01093EBEB}"/>
+                <a16:creationId xmlns="" xmlns:a16="http://schemas.microsoft.com/office/drawing/2014/main" id="{F01E435F-59CB-4071-B34D-A5E01093EBEB}"/>
               </a:ext>
             </a:extLst>
           </p:cNvPr>
@@ -3762,7 +4102,7 @@
           <p:cNvPr id="6" name="Slide Number Placeholder 5">
             <a:extLst>
               <a:ext uri="{FF2B5EF4-FFF2-40B4-BE49-F238E27FC236}">
-                <a16:creationId xmlns:a16="http://schemas.microsoft.com/office/drawing/2014/main" xmlns="" id="{D5EDBEB0-F6C5-46FE-8C90-63A5E5B80F7F}"/>
+                <a16:creationId xmlns="" xmlns:a16="http://schemas.microsoft.com/office/drawing/2014/main" id="{D5EDBEB0-F6C5-46FE-8C90-63A5E5B80F7F}"/>
               </a:ext>
             </a:extLst>
           </p:cNvPr>
@@ -4130,7 +4470,7 @@
           <p:cNvPr id="4" name="Rectangle: Rounded Corners 3">
             <a:extLst>
               <a:ext uri="{FF2B5EF4-FFF2-40B4-BE49-F238E27FC236}">
-                <a16:creationId xmlns="" xmlns:a16="http://schemas.microsoft.com/office/drawing/2014/main" id="{EF32E8AF-9380-4664-B1A8-8FDD16384245}"/>
+                <a16:creationId xmlns:a16="http://schemas.microsoft.com/office/drawing/2014/main" xmlns="" id="{EF32E8AF-9380-4664-B1A8-8FDD16384245}"/>
               </a:ext>
             </a:extLst>
           </p:cNvPr>
@@ -4181,16 +4521,7 @@
                 </a:solidFill>
                 <a:latin typeface="Bell MT" pitchFamily="18" charset="0"/>
               </a:rPr>
-              <a:t>Event-Driven Automation </a:t>
-            </a:r>
-            <a:r>
-              <a:rPr lang="en-US" sz="4800" b="1" dirty="0" smtClean="0">
-                <a:solidFill>
-                  <a:schemeClr val="tx1"/>
-                </a:solidFill>
-                <a:latin typeface="Bell MT" pitchFamily="18" charset="0"/>
-              </a:rPr>
-              <a:t>with </a:t>
+              <a:t>Event-Driven Automation with </a:t>
             </a:r>
             <a:r>
               <a:rPr lang="en-US" sz="4800" b="1" dirty="0" smtClean="0">
@@ -4242,7 +4573,7 @@
           <p:cNvPr id="13" name="TextBox 12">
             <a:extLst>
               <a:ext uri="{FF2B5EF4-FFF2-40B4-BE49-F238E27FC236}">
-                <a16:creationId xmlns:a16="http://schemas.microsoft.com/office/drawing/2014/main" xmlns="" id="{D11C6DEC-D04E-4D85-B7B2-A4296C78BC94}"/>
+                <a16:creationId xmlns="" xmlns:a16="http://schemas.microsoft.com/office/drawing/2014/main" id="{D11C6DEC-D04E-4D85-B7B2-A4296C78BC94}"/>
               </a:ext>
             </a:extLst>
           </p:cNvPr>
@@ -4473,6 +4804,109 @@
 </p:sld>
 </file>
 
+<file path=ppt/slides/slide10.xml><?xml version="1.0" encoding="utf-8"?>
+<p:sld xmlns:a="http://schemas.openxmlformats.org/drawingml/2006/main" xmlns:r="http://schemas.openxmlformats.org/officeDocument/2006/relationships" xmlns:p="http://schemas.openxmlformats.org/presentationml/2006/main">
+  <p:cSld>
+    <p:spTree>
+      <p:nvGrpSpPr>
+        <p:cNvPr id="1" name=""/>
+        <p:cNvGrpSpPr/>
+        <p:nvPr/>
+      </p:nvGrpSpPr>
+      <p:grpSpPr>
+        <a:xfrm>
+          <a:off x="0" y="0"/>
+          <a:ext cx="0" cy="0"/>
+          <a:chOff x="0" y="0"/>
+          <a:chExt cx="0" cy="0"/>
+        </a:xfrm>
+      </p:grpSpPr>
+      <p:sp>
+        <p:nvSpPr>
+          <p:cNvPr id="2" name="TextBox 1">
+            <a:extLst>
+              <a:ext uri="{FF2B5EF4-FFF2-40B4-BE49-F238E27FC236}">
+                <a16:creationId xmlns="" xmlns:a16="http://schemas.microsoft.com/office/drawing/2014/main" id="{D11C6DEC-D04E-4D85-B7B2-A4296C78BC94}"/>
+              </a:ext>
+            </a:extLst>
+          </p:cNvPr>
+          <p:cNvSpPr txBox="1"/>
+          <p:nvPr/>
+        </p:nvSpPr>
+        <p:spPr>
+          <a:xfrm>
+            <a:off x="0" y="2945421"/>
+            <a:ext cx="12192000" cy="769441"/>
+          </a:xfrm>
+          <a:prstGeom prst="rect">
+            <a:avLst/>
+          </a:prstGeom>
+        </p:spPr>
+        <p:style>
+          <a:lnRef idx="1">
+            <a:schemeClr val="accent3"/>
+          </a:lnRef>
+          <a:fillRef idx="2">
+            <a:schemeClr val="accent3"/>
+          </a:fillRef>
+          <a:effectRef idx="1">
+            <a:schemeClr val="accent3"/>
+          </a:effectRef>
+          <a:fontRef idx="minor">
+            <a:schemeClr val="dk1"/>
+          </a:fontRef>
+        </p:style>
+        <p:txBody>
+          <a:bodyPr wrap="square" rtlCol="0">
+            <a:spAutoFit/>
+          </a:bodyPr>
+          <a:lstStyle/>
+          <a:p>
+            <a:pPr algn="ctr"/>
+            <a:r>
+              <a:rPr lang="en-US" sz="4400" b="1" dirty="0">
+                <a:latin typeface="Bell MT" pitchFamily="18" charset="0"/>
+              </a:rPr>
+              <a:t>Thank</a:t>
+            </a:r>
+            <a:r>
+              <a:rPr lang="en-US" sz="4000" b="1" dirty="0"/>
+              <a:t> </a:t>
+            </a:r>
+            <a:r>
+              <a:rPr lang="en-US" sz="4400" b="1" dirty="0">
+                <a:latin typeface="Bell MT" pitchFamily="18" charset="0"/>
+              </a:rPr>
+              <a:t>you</a:t>
+            </a:r>
+            <a:r>
+              <a:rPr lang="en-US" sz="4000" b="1" dirty="0"/>
+              <a:t> </a:t>
+            </a:r>
+            <a:endParaRPr lang="en-IN" sz="4000" b="1" dirty="0"/>
+          </a:p>
+        </p:txBody>
+      </p:sp>
+    </p:spTree>
+    <p:extLst>
+      <p:ext uri="{BB962C8B-B14F-4D97-AF65-F5344CB8AC3E}">
+        <p14:creationId xmlns:p14="http://schemas.microsoft.com/office/powerpoint/2010/main" val="2011205578"/>
+      </p:ext>
+    </p:extLst>
+  </p:cSld>
+  <p:clrMapOvr>
+    <a:masterClrMapping/>
+  </p:clrMapOvr>
+  <p:timing>
+    <p:tnLst>
+      <p:par>
+        <p:cTn id="1" dur="indefinite" restart="never" nodeType="tmRoot"/>
+      </p:par>
+    </p:tnLst>
+  </p:timing>
+</p:sld>
+</file>
+
 <file path=ppt/slides/slide2.xml><?xml version="1.0" encoding="utf-8"?>
 <p:sld xmlns:a="http://schemas.openxmlformats.org/drawingml/2006/main" xmlns:r="http://schemas.openxmlformats.org/officeDocument/2006/relationships" xmlns:p="http://schemas.openxmlformats.org/presentationml/2006/main">
   <p:cSld>
@@ -4495,7 +4929,7 @@
           <p:cNvPr id="4" name="Rectangle: Rounded Corners 3">
             <a:extLst>
               <a:ext uri="{FF2B5EF4-FFF2-40B4-BE49-F238E27FC236}">
-                <a16:creationId xmlns:a16="http://schemas.microsoft.com/office/drawing/2014/main" xmlns="" id="{EF32E8AF-9380-4664-B1A8-8FDD16384245}"/>
+                <a16:creationId xmlns="" xmlns:a16="http://schemas.microsoft.com/office/drawing/2014/main" id="{EF32E8AF-9380-4664-B1A8-8FDD16384245}"/>
               </a:ext>
             </a:extLst>
           </p:cNvPr>
@@ -4620,16 +5054,7 @@
                 </a:solidFill>
                 <a:latin typeface="Bell MT" pitchFamily="18" charset="0"/>
               </a:rPr>
-              <a:t>for integration and automation across services and tools</a:t>
-            </a:r>
-            <a:r>
-              <a:rPr lang="en-US" sz="2300" b="1" dirty="0">
-                <a:solidFill>
-                  <a:schemeClr val="dk1"/>
-                </a:solidFill>
-                <a:latin typeface="Bell MT" pitchFamily="18" charset="0"/>
-              </a:rPr>
-              <a:t>.</a:t>
+              <a:t>for integration and automation across services and tools.</a:t>
             </a:r>
           </a:p>
           <a:p>
@@ -4731,25 +5156,7 @@
                 </a:solidFill>
                 <a:latin typeface="Bell MT" pitchFamily="18" charset="0"/>
               </a:rPr>
-              <a:t>We can easily integrate and </a:t>
-            </a:r>
-            <a:r>
-              <a:rPr lang="en-US" sz="2300" b="1" dirty="0" err="1" smtClean="0">
-                <a:solidFill>
-                  <a:schemeClr val="dk1"/>
-                </a:solidFill>
-                <a:latin typeface="Bell MT" pitchFamily="18" charset="0"/>
-              </a:rPr>
-              <a:t>auomate</a:t>
-            </a:r>
-            <a:r>
-              <a:rPr lang="en-US" sz="2300" b="1" dirty="0" smtClean="0">
-                <a:solidFill>
-                  <a:schemeClr val="dk1"/>
-                </a:solidFill>
-                <a:latin typeface="Bell MT" pitchFamily="18" charset="0"/>
-              </a:rPr>
-              <a:t> all these tools using StackStorm </a:t>
+              <a:t>We can easily integrate and automate all these tools using StackStorm </a:t>
             </a:r>
             <a:r>
               <a:rPr lang="en-US" sz="2300" b="1" dirty="0">
@@ -4827,16 +5234,7 @@
                 </a:solidFill>
                 <a:latin typeface="Bell MT" pitchFamily="18" charset="0"/>
               </a:rPr>
-              <a:t>StackStorm is primarily designed to focus </a:t>
-            </a:r>
-            <a:r>
-              <a:rPr lang="en-US" sz="2300" b="1" dirty="0">
-                <a:solidFill>
-                  <a:schemeClr val="dk1"/>
-                </a:solidFill>
-                <a:latin typeface="Bell MT" pitchFamily="18" charset="0"/>
-              </a:rPr>
-              <a:t>on taking actions in response to events</a:t>
+              <a:t>StackStorm is primarily designed to focus on taking actions in response to events</a:t>
             </a:r>
             <a:r>
               <a:rPr lang="en-US" sz="2400" dirty="0" smtClean="0"/>
@@ -4850,7 +5248,7 @@
           <p:cNvPr id="7" name="TextBox 6">
             <a:extLst>
               <a:ext uri="{FF2B5EF4-FFF2-40B4-BE49-F238E27FC236}">
-                <a16:creationId xmlns:a16="http://schemas.microsoft.com/office/drawing/2014/main" xmlns="" id="{D11C6DEC-D04E-4D85-B7B2-A4296C78BC94}"/>
+                <a16:creationId xmlns="" xmlns:a16="http://schemas.microsoft.com/office/drawing/2014/main" id="{D11C6DEC-D04E-4D85-B7B2-A4296C78BC94}"/>
               </a:ext>
             </a:extLst>
           </p:cNvPr>
@@ -5007,7 +5405,7 @@
         </p:blipFill>
         <p:spPr bwMode="auto">
           <a:xfrm>
-            <a:off x="7261413" y="4145573"/>
+            <a:off x="7717657" y="3691140"/>
             <a:ext cx="609600" cy="438150"/>
           </a:xfrm>
           <a:prstGeom prst="rect">
@@ -5399,7 +5797,7 @@
           <p:cNvPr id="4" name="Rectangle: Rounded Corners 3">
             <a:extLst>
               <a:ext uri="{FF2B5EF4-FFF2-40B4-BE49-F238E27FC236}">
-                <a16:creationId xmlns:a16="http://schemas.microsoft.com/office/drawing/2014/main" xmlns="" id="{EF32E8AF-9380-4664-B1A8-8FDD16384245}"/>
+                <a16:creationId xmlns="" xmlns:a16="http://schemas.microsoft.com/office/drawing/2014/main" id="{EF32E8AF-9380-4664-B1A8-8FDD16384245}"/>
               </a:ext>
             </a:extLst>
           </p:cNvPr>
@@ -5408,7 +5806,7 @@
         </p:nvSpPr>
         <p:spPr>
           <a:xfrm>
-            <a:off x="0" y="360218"/>
+            <a:off x="0" y="145065"/>
             <a:ext cx="12192000" cy="872836"/>
           </a:xfrm>
           <a:prstGeom prst="roundRect">
@@ -5438,7 +5836,7 @@
               <a:rPr lang="en-US" sz="3600" b="1" dirty="0" smtClean="0">
                 <a:latin typeface="Bell MT" pitchFamily="18" charset="0"/>
               </a:rPr>
-              <a:t>Simple Use Case</a:t>
+              <a:t>Event-Driven Automation with StackStorm </a:t>
             </a:r>
             <a:endParaRPr lang="en-IN" sz="4000" b="1" dirty="0">
               <a:solidFill>
@@ -5456,7 +5854,7 @@
           <p:cNvPr id="7" name="TextBox 6">
             <a:extLst>
               <a:ext uri="{FF2B5EF4-FFF2-40B4-BE49-F238E27FC236}">
-                <a16:creationId xmlns:a16="http://schemas.microsoft.com/office/drawing/2014/main" xmlns="" id="{D11C6DEC-D04E-4D85-B7B2-A4296C78BC94}"/>
+                <a16:creationId xmlns="" xmlns:a16="http://schemas.microsoft.com/office/drawing/2014/main" id="{D11C6DEC-D04E-4D85-B7B2-A4296C78BC94}"/>
               </a:ext>
             </a:extLst>
           </p:cNvPr>
@@ -5528,7 +5926,7 @@
       </p:sp>
       <p:pic>
         <p:nvPicPr>
-          <p:cNvPr id="2050" name="Picture 2"/>
+          <p:cNvPr id="2051" name="Picture 3"/>
           <p:cNvPicPr>
             <a:picLocks noChangeAspect="1" noChangeArrowheads="1"/>
           </p:cNvPicPr>
@@ -5549,8 +5947,8 @@
         </p:blipFill>
         <p:spPr bwMode="auto">
           <a:xfrm>
-            <a:off x="1971675" y="1381477"/>
-            <a:ext cx="8553450" cy="4686300"/>
+            <a:off x="2339059" y="2365492"/>
+            <a:ext cx="7513882" cy="1959530"/>
           </a:xfrm>
           <a:prstGeom prst="rect">
             <a:avLst/>
@@ -5590,50 +5988,186 @@
           </a:extLst>
         </p:spPr>
       </p:pic>
-      <p:sp>
-        <p:nvSpPr>
-          <p:cNvPr id="2" name="Rectangle 1"/>
-          <p:cNvSpPr/>
+      <p:pic>
+        <p:nvPicPr>
+          <p:cNvPr id="2052" name="Picture 4"/>
+          <p:cNvPicPr>
+            <a:picLocks noChangeAspect="1" noChangeArrowheads="1"/>
+          </p:cNvPicPr>
           <p:nvPr/>
-        </p:nvSpPr>
-        <p:spPr>
+        </p:nvPicPr>
+        <p:blipFill>
+          <a:blip r:embed="rId4">
+            <a:extLst>
+              <a:ext uri="{28A0092B-C50C-407E-A947-70E740481C1C}">
+                <a14:useLocalDpi xmlns:a14="http://schemas.microsoft.com/office/drawing/2010/main" val="0"/>
+              </a:ext>
+            </a:extLst>
+          </a:blip>
+          <a:srcRect/>
+          <a:stretch>
+            <a:fillRect/>
+          </a:stretch>
+        </p:blipFill>
+        <p:spPr bwMode="auto">
           <a:xfrm>
-            <a:off x="6096000" y="1370039"/>
-            <a:ext cx="5846618" cy="646331"/>
+            <a:off x="2073295" y="4365295"/>
+            <a:ext cx="8101111" cy="1709409"/>
           </a:xfrm>
           <a:prstGeom prst="rect">
             <a:avLst/>
           </a:prstGeom>
+          <a:noFill/>
+          <a:ln>
+            <a:noFill/>
+          </a:ln>
+          <a:effectLst/>
+          <a:extLst>
+            <a:ext uri="{909E8E84-426E-40DD-AFC4-6F175D3DCCD1}">
+              <a14:hiddenFill xmlns:a14="http://schemas.microsoft.com/office/drawing/2010/main">
+                <a:solidFill>
+                  <a:schemeClr val="accent1"/>
+                </a:solidFill>
+              </a14:hiddenFill>
+            </a:ext>
+            <a:ext uri="{91240B29-F687-4F45-9708-019B960494DF}">
+              <a14:hiddenLine xmlns:a14="http://schemas.microsoft.com/office/drawing/2010/main" w="9525">
+                <a:solidFill>
+                  <a:schemeClr val="tx1"/>
+                </a:solidFill>
+                <a:miter lim="800000"/>
+                <a:headEnd/>
+                <a:tailEnd/>
+              </a14:hiddenLine>
+            </a:ext>
+            <a:ext uri="{AF507438-7753-43E0-B8FC-AC1667EBCBE1}">
+              <a14:hiddenEffects xmlns:a14="http://schemas.microsoft.com/office/drawing/2010/main">
+                <a:effectLst>
+                  <a:outerShdw dist="35921" dir="2700000" algn="ctr" rotWithShape="0">
+                    <a:schemeClr val="bg2"/>
+                  </a:outerShdw>
+                </a:effectLst>
+              </a14:hiddenEffects>
+            </a:ext>
+          </a:extLst>
         </p:spPr>
-        <p:txBody>
-          <a:bodyPr wrap="square">
+      </p:pic>
+      <p:pic>
+        <p:nvPicPr>
+          <p:cNvPr id="1027" name="Picture 3"/>
+          <p:cNvPicPr>
+            <a:picLocks noChangeAspect="1" noChangeArrowheads="1"/>
+          </p:cNvPicPr>
+          <p:nvPr/>
+        </p:nvPicPr>
+        <p:blipFill>
+          <a:blip r:embed="rId5" cstate="print">
+            <a:extLst>
+              <a:ext uri="{28A0092B-C50C-407E-A947-70E740481C1C}">
+                <a14:useLocalDpi xmlns:a14="http://schemas.microsoft.com/office/drawing/2010/main" val="0"/>
+              </a:ext>
+            </a:extLst>
+          </a:blip>
+          <a:srcRect/>
+          <a:stretch>
+            <a:fillRect/>
+          </a:stretch>
+        </p:blipFill>
+        <p:spPr bwMode="auto">
+          <a:xfrm>
+            <a:off x="5661605" y="1269242"/>
+            <a:ext cx="868790" cy="868790"/>
+          </a:xfrm>
+          <a:prstGeom prst="rect">
+            <a:avLst/>
+          </a:prstGeom>
+          <a:noFill/>
+          <a:ln>
+            <a:noFill/>
+          </a:ln>
+          <a:effectLst/>
+          <a:extLst>
+            <a:ext uri="{909E8E84-426E-40DD-AFC4-6F175D3DCCD1}">
+              <a14:hiddenFill xmlns:a14="http://schemas.microsoft.com/office/drawing/2010/main">
+                <a:solidFill>
+                  <a:schemeClr val="accent1"/>
+                </a:solidFill>
+              </a14:hiddenFill>
+            </a:ext>
+            <a:ext uri="{91240B29-F687-4F45-9708-019B960494DF}">
+              <a14:hiddenLine xmlns:a14="http://schemas.microsoft.com/office/drawing/2010/main" w="9525">
+                <a:solidFill>
+                  <a:schemeClr val="tx1"/>
+                </a:solidFill>
+                <a:miter lim="800000"/>
+                <a:headEnd/>
+                <a:tailEnd/>
+              </a14:hiddenLine>
+            </a:ext>
+            <a:ext uri="{AF507438-7753-43E0-B8FC-AC1667EBCBE1}">
+              <a14:hiddenEffects xmlns:a14="http://schemas.microsoft.com/office/drawing/2010/main">
+                <a:effectLst>
+                  <a:outerShdw dist="35921" dir="2700000" algn="ctr" rotWithShape="0">
+                    <a:schemeClr val="bg2"/>
+                  </a:outerShdw>
+                </a:effectLst>
+              </a14:hiddenEffects>
+            </a:ext>
+          </a:extLst>
+        </p:spPr>
+      </p:pic>
+      <p:sp>
+        <p:nvSpPr>
+          <p:cNvPr id="8" name="TextBox 7"/>
+          <p:cNvSpPr txBox="1"/>
+          <p:nvPr/>
+        </p:nvSpPr>
+        <p:spPr>
+          <a:xfrm>
+            <a:off x="5403681" y="2029858"/>
+            <a:ext cx="1440337" cy="369332"/>
+          </a:xfrm>
+          <a:prstGeom prst="rect">
+            <a:avLst/>
+          </a:prstGeom>
+          <a:noFill/>
+        </p:spPr>
+        <p:txBody>
+          <a:bodyPr wrap="square" rtlCol="0">
             <a:spAutoFit/>
           </a:bodyPr>
           <a:lstStyle/>
           <a:p>
-            <a:pPr algn="r"/>
-            <a:r>
-              <a:rPr lang="en-IN" b="1" dirty="0">
-                <a:solidFill>
-                  <a:srgbClr val="C00000"/>
+            <a:r>
+              <a:rPr lang="en-US" b="1" dirty="0">
+                <a:solidFill>
+                  <a:schemeClr val="accent2">
+                    <a:lumMod val="75000"/>
+                  </a:schemeClr>
                 </a:solidFill>
                 <a:latin typeface="Bell MT" pitchFamily="18" charset="0"/>
               </a:rPr>
-              <a:t>So, StackStorm is like IFTTT (If-This-Than-That) tool for DevOps and Infrastructure.</a:t>
-            </a:r>
-            <a:endParaRPr lang="en-US" b="1" dirty="0">
-              <a:solidFill>
-                <a:srgbClr val="C00000"/>
-              </a:solidFill>
-              <a:latin typeface="Bell MT" pitchFamily="18" charset="0"/>
-            </a:endParaRPr>
+              <a:t>Stack</a:t>
+            </a:r>
+            <a:r>
+              <a:rPr lang="en-US" b="1" dirty="0">
+                <a:solidFill>
+                  <a:schemeClr val="tx2">
+                    <a:lumMod val="75000"/>
+                  </a:schemeClr>
+                </a:solidFill>
+                <a:latin typeface="Bell MT" pitchFamily="18" charset="0"/>
+              </a:rPr>
+              <a:t>Storm</a:t>
+            </a:r>
+            <a:endParaRPr lang="en-IN" dirty="0"/>
           </a:p>
         </p:txBody>
       </p:sp>
     </p:spTree>
     <p:extLst>
       <p:ext uri="{BB962C8B-B14F-4D97-AF65-F5344CB8AC3E}">
-        <p14:creationId xmlns:p14="http://schemas.microsoft.com/office/powerpoint/2010/main" val="375180382"/>
+        <p14:creationId xmlns:p14="http://schemas.microsoft.com/office/powerpoint/2010/main" val="4293776815"/>
       </p:ext>
     </p:extLst>
   </p:cSld>
@@ -5674,7 +6208,4075 @@
                                           </p:stCondLst>
                                         </p:cTn>
                                         <p:tgtEl>
-                                          <p:spTgt spid="2050"/>
+                                          <p:spTgt spid="2052"/>
+                                        </p:tgtEl>
+                                        <p:attrNameLst>
+                                          <p:attrName>style.visibility</p:attrName>
+                                        </p:attrNameLst>
+                                      </p:cBhvr>
+                                      <p:to>
+                                        <p:strVal val="visible"/>
+                                      </p:to>
+                                    </p:set>
+                                  </p:childTnLst>
+                                </p:cTn>
+                              </p:par>
+                            </p:childTnLst>
+                          </p:cTn>
+                        </p:par>
+                      </p:childTnLst>
+                    </p:cTn>
+                  </p:par>
+                  <p:par>
+                    <p:cTn id="7" fill="hold">
+                      <p:stCondLst>
+                        <p:cond delay="indefinite"/>
+                      </p:stCondLst>
+                      <p:childTnLst>
+                        <p:par>
+                          <p:cTn id="8" fill="hold">
+                            <p:stCondLst>
+                              <p:cond delay="0"/>
+                            </p:stCondLst>
+                            <p:childTnLst>
+                              <p:par>
+                                <p:cTn id="9" presetID="1" presetClass="entr" presetSubtype="0" fill="hold" nodeType="clickEffect">
+                                  <p:stCondLst>
+                                    <p:cond delay="0"/>
+                                  </p:stCondLst>
+                                  <p:childTnLst>
+                                    <p:set>
+                                      <p:cBhvr>
+                                        <p:cTn id="10" dur="1" fill="hold">
+                                          <p:stCondLst>
+                                            <p:cond delay="0"/>
+                                          </p:stCondLst>
+                                        </p:cTn>
+                                        <p:tgtEl>
+                                          <p:spTgt spid="2051"/>
+                                        </p:tgtEl>
+                                        <p:attrNameLst>
+                                          <p:attrName>style.visibility</p:attrName>
+                                        </p:attrNameLst>
+                                      </p:cBhvr>
+                                      <p:to>
+                                        <p:strVal val="visible"/>
+                                      </p:to>
+                                    </p:set>
+                                  </p:childTnLst>
+                                </p:cTn>
+                              </p:par>
+                            </p:childTnLst>
+                          </p:cTn>
+                        </p:par>
+                      </p:childTnLst>
+                    </p:cTn>
+                  </p:par>
+                  <p:par>
+                    <p:cTn id="11" fill="hold">
+                      <p:stCondLst>
+                        <p:cond delay="indefinite"/>
+                      </p:stCondLst>
+                      <p:childTnLst>
+                        <p:par>
+                          <p:cTn id="12" fill="hold">
+                            <p:stCondLst>
+                              <p:cond delay="0"/>
+                            </p:stCondLst>
+                            <p:childTnLst>
+                              <p:par>
+                                <p:cTn id="13" presetID="1" presetClass="entr" presetSubtype="0" fill="hold" nodeType="clickEffect">
+                                  <p:stCondLst>
+                                    <p:cond delay="0"/>
+                                  </p:stCondLst>
+                                  <p:childTnLst>
+                                    <p:set>
+                                      <p:cBhvr>
+                                        <p:cTn id="14" dur="1" fill="hold">
+                                          <p:stCondLst>
+                                            <p:cond delay="0"/>
+                                          </p:stCondLst>
+                                        </p:cTn>
+                                        <p:tgtEl>
+                                          <p:spTgt spid="1027"/>
+                                        </p:tgtEl>
+                                        <p:attrNameLst>
+                                          <p:attrName>style.visibility</p:attrName>
+                                        </p:attrNameLst>
+                                      </p:cBhvr>
+                                      <p:to>
+                                        <p:strVal val="visible"/>
+                                      </p:to>
+                                    </p:set>
+                                  </p:childTnLst>
+                                </p:cTn>
+                              </p:par>
+                            </p:childTnLst>
+                          </p:cTn>
+                        </p:par>
+                      </p:childTnLst>
+                    </p:cTn>
+                  </p:par>
+                </p:childTnLst>
+              </p:cTn>
+              <p:prevCondLst>
+                <p:cond evt="onPrev" delay="0">
+                  <p:tgtEl>
+                    <p:sldTgt/>
+                  </p:tgtEl>
+                </p:cond>
+              </p:prevCondLst>
+              <p:nextCondLst>
+                <p:cond evt="onNext" delay="0">
+                  <p:tgtEl>
+                    <p:sldTgt/>
+                  </p:tgtEl>
+                </p:cond>
+              </p:nextCondLst>
+            </p:seq>
+          </p:childTnLst>
+        </p:cTn>
+      </p:par>
+    </p:tnLst>
+  </p:timing>
+</p:sld>
+</file>
+
+<file path=ppt/slides/slide4.xml><?xml version="1.0" encoding="utf-8"?>
+<p:sld xmlns:a="http://schemas.openxmlformats.org/drawingml/2006/main" xmlns:r="http://schemas.openxmlformats.org/officeDocument/2006/relationships" xmlns:p="http://schemas.openxmlformats.org/presentationml/2006/main">
+  <p:cSld>
+    <p:spTree>
+      <p:nvGrpSpPr>
+        <p:cNvPr id="1" name=""/>
+        <p:cNvGrpSpPr/>
+        <p:nvPr/>
+      </p:nvGrpSpPr>
+      <p:grpSpPr>
+        <a:xfrm>
+          <a:off x="0" y="0"/>
+          <a:ext cx="0" cy="0"/>
+          <a:chOff x="0" y="0"/>
+          <a:chExt cx="0" cy="0"/>
+        </a:xfrm>
+      </p:grpSpPr>
+      <p:sp>
+        <p:nvSpPr>
+          <p:cNvPr id="4" name="Rectangle: Rounded Corners 3">
+            <a:extLst>
+              <a:ext uri="{FF2B5EF4-FFF2-40B4-BE49-F238E27FC236}">
+                <a16:creationId xmlns="" xmlns:a16="http://schemas.microsoft.com/office/drawing/2014/main" id="{EF32E8AF-9380-4664-B1A8-8FDD16384245}"/>
+              </a:ext>
+            </a:extLst>
+          </p:cNvPr>
+          <p:cNvSpPr/>
+          <p:nvPr/>
+        </p:nvSpPr>
+        <p:spPr>
+          <a:xfrm>
+            <a:off x="0" y="145065"/>
+            <a:ext cx="12192000" cy="872836"/>
+          </a:xfrm>
+          <a:prstGeom prst="roundRect">
+            <a:avLst/>
+          </a:prstGeom>
+        </p:spPr>
+        <p:style>
+          <a:lnRef idx="1">
+            <a:schemeClr val="accent3"/>
+          </a:lnRef>
+          <a:fillRef idx="2">
+            <a:schemeClr val="accent3"/>
+          </a:fillRef>
+          <a:effectRef idx="1">
+            <a:schemeClr val="accent3"/>
+          </a:effectRef>
+          <a:fontRef idx="minor">
+            <a:schemeClr val="dk1"/>
+          </a:fontRef>
+        </p:style>
+        <p:txBody>
+          <a:bodyPr rtlCol="0" anchor="ctr"/>
+          <a:lstStyle/>
+          <a:p>
+            <a:pPr algn="ctr"/>
+            <a:r>
+              <a:rPr lang="en-US" sz="3600" b="1" dirty="0" smtClean="0">
+                <a:latin typeface="Bell MT" pitchFamily="18" charset="0"/>
+              </a:rPr>
+              <a:t>Event-Driven Automation with StackStorm </a:t>
+            </a:r>
+            <a:endParaRPr lang="en-IN" sz="4000" b="1" dirty="0">
+              <a:solidFill>
+                <a:schemeClr val="tx2">
+                  <a:lumMod val="75000"/>
+                </a:schemeClr>
+              </a:solidFill>
+              <a:latin typeface="Bell MT" pitchFamily="18" charset="0"/>
+            </a:endParaRPr>
+          </a:p>
+        </p:txBody>
+      </p:sp>
+      <p:sp>
+        <p:nvSpPr>
+          <p:cNvPr id="7" name="TextBox 6">
+            <a:extLst>
+              <a:ext uri="{FF2B5EF4-FFF2-40B4-BE49-F238E27FC236}">
+                <a16:creationId xmlns="" xmlns:a16="http://schemas.microsoft.com/office/drawing/2014/main" id="{D11C6DEC-D04E-4D85-B7B2-A4296C78BC94}"/>
+              </a:ext>
+            </a:extLst>
+          </p:cNvPr>
+          <p:cNvSpPr txBox="1"/>
+          <p:nvPr/>
+        </p:nvSpPr>
+        <p:spPr>
+          <a:xfrm>
+            <a:off x="0" y="6074704"/>
+            <a:ext cx="12192000" cy="523220"/>
+          </a:xfrm>
+          <a:prstGeom prst="rect">
+            <a:avLst/>
+          </a:prstGeom>
+        </p:spPr>
+        <p:style>
+          <a:lnRef idx="1">
+            <a:schemeClr val="accent3"/>
+          </a:lnRef>
+          <a:fillRef idx="2">
+            <a:schemeClr val="accent3"/>
+          </a:fillRef>
+          <a:effectRef idx="1">
+            <a:schemeClr val="accent3"/>
+          </a:effectRef>
+          <a:fontRef idx="minor">
+            <a:schemeClr val="dk1"/>
+          </a:fontRef>
+        </p:style>
+        <p:txBody>
+          <a:bodyPr wrap="square" rtlCol="0">
+            <a:spAutoFit/>
+          </a:bodyPr>
+          <a:lstStyle/>
+          <a:p>
+            <a:r>
+              <a:rPr lang="en-US" sz="2800" b="1" dirty="0">
+                <a:solidFill>
+                  <a:schemeClr val="accent2">
+                    <a:lumMod val="75000"/>
+                  </a:schemeClr>
+                </a:solidFill>
+                <a:latin typeface="Bell MT" pitchFamily="18" charset="0"/>
+              </a:rPr>
+              <a:t>Stack</a:t>
+            </a:r>
+            <a:r>
+              <a:rPr lang="en-US" sz="2800" b="1" dirty="0">
+                <a:solidFill>
+                  <a:schemeClr val="tx2">
+                    <a:lumMod val="75000"/>
+                  </a:schemeClr>
+                </a:solidFill>
+                <a:latin typeface="Bell MT" pitchFamily="18" charset="0"/>
+              </a:rPr>
+              <a:t>Storm</a:t>
+            </a:r>
+            <a:r>
+              <a:rPr lang="en-US" sz="2800" b="1" dirty="0">
+                <a:latin typeface="Bell MT" pitchFamily="18" charset="0"/>
+              </a:rPr>
+              <a:t>: Event-Driven Automation Tool for DevOps and Infrastructure</a:t>
+            </a:r>
+            <a:endParaRPr lang="en-IN" sz="2800" b="1" dirty="0">
+              <a:latin typeface="Bell MT" pitchFamily="18" charset="0"/>
+            </a:endParaRPr>
+          </a:p>
+        </p:txBody>
+      </p:sp>
+      <p:pic>
+        <p:nvPicPr>
+          <p:cNvPr id="2052" name="Picture 4"/>
+          <p:cNvPicPr>
+            <a:picLocks noChangeAspect="1" noChangeArrowheads="1"/>
+          </p:cNvPicPr>
+          <p:nvPr/>
+        </p:nvPicPr>
+        <p:blipFill>
+          <a:blip r:embed="rId3">
+            <a:extLst>
+              <a:ext uri="{28A0092B-C50C-407E-A947-70E740481C1C}">
+                <a14:useLocalDpi xmlns:a14="http://schemas.microsoft.com/office/drawing/2010/main" val="0"/>
+              </a:ext>
+            </a:extLst>
+          </a:blip>
+          <a:srcRect/>
+          <a:stretch>
+            <a:fillRect/>
+          </a:stretch>
+        </p:blipFill>
+        <p:spPr bwMode="auto">
+          <a:xfrm>
+            <a:off x="2073295" y="4365295"/>
+            <a:ext cx="8101111" cy="1709409"/>
+          </a:xfrm>
+          <a:prstGeom prst="rect">
+            <a:avLst/>
+          </a:prstGeom>
+          <a:noFill/>
+          <a:ln>
+            <a:noFill/>
+          </a:ln>
+          <a:effectLst/>
+          <a:extLst>
+            <a:ext uri="{909E8E84-426E-40DD-AFC4-6F175D3DCCD1}">
+              <a14:hiddenFill xmlns:a14="http://schemas.microsoft.com/office/drawing/2010/main">
+                <a:solidFill>
+                  <a:schemeClr val="accent1"/>
+                </a:solidFill>
+              </a14:hiddenFill>
+            </a:ext>
+            <a:ext uri="{91240B29-F687-4F45-9708-019B960494DF}">
+              <a14:hiddenLine xmlns:a14="http://schemas.microsoft.com/office/drawing/2010/main" w="9525">
+                <a:solidFill>
+                  <a:schemeClr val="tx1"/>
+                </a:solidFill>
+                <a:miter lim="800000"/>
+                <a:headEnd/>
+                <a:tailEnd/>
+              </a14:hiddenLine>
+            </a:ext>
+            <a:ext uri="{AF507438-7753-43E0-B8FC-AC1667EBCBE1}">
+              <a14:hiddenEffects xmlns:a14="http://schemas.microsoft.com/office/drawing/2010/main">
+                <a:effectLst>
+                  <a:outerShdw dist="35921" dir="2700000" algn="ctr" rotWithShape="0">
+                    <a:schemeClr val="bg2"/>
+                  </a:outerShdw>
+                </a:effectLst>
+              </a14:hiddenEffects>
+            </a:ext>
+          </a:extLst>
+        </p:spPr>
+      </p:pic>
+      <p:pic>
+        <p:nvPicPr>
+          <p:cNvPr id="1026" name="Picture 2"/>
+          <p:cNvPicPr>
+            <a:picLocks noChangeAspect="1" noChangeArrowheads="1"/>
+          </p:cNvPicPr>
+          <p:nvPr/>
+        </p:nvPicPr>
+        <p:blipFill>
+          <a:blip r:embed="rId4">
+            <a:extLst>
+              <a:ext uri="{28A0092B-C50C-407E-A947-70E740481C1C}">
+                <a14:useLocalDpi xmlns:a14="http://schemas.microsoft.com/office/drawing/2010/main" val="0"/>
+              </a:ext>
+            </a:extLst>
+          </a:blip>
+          <a:srcRect/>
+          <a:stretch>
+            <a:fillRect/>
+          </a:stretch>
+        </p:blipFill>
+        <p:spPr bwMode="auto">
+          <a:xfrm>
+            <a:off x="2306472" y="3354325"/>
+            <a:ext cx="1687560" cy="914632"/>
+          </a:xfrm>
+          <a:prstGeom prst="rect">
+            <a:avLst/>
+          </a:prstGeom>
+          <a:noFill/>
+          <a:ln>
+            <a:noFill/>
+          </a:ln>
+          <a:effectLst/>
+          <a:extLst>
+            <a:ext uri="{909E8E84-426E-40DD-AFC4-6F175D3DCCD1}">
+              <a14:hiddenFill xmlns:a14="http://schemas.microsoft.com/office/drawing/2010/main">
+                <a:solidFill>
+                  <a:schemeClr val="accent1"/>
+                </a:solidFill>
+              </a14:hiddenFill>
+            </a:ext>
+            <a:ext uri="{91240B29-F687-4F45-9708-019B960494DF}">
+              <a14:hiddenLine xmlns:a14="http://schemas.microsoft.com/office/drawing/2010/main" w="9525">
+                <a:solidFill>
+                  <a:schemeClr val="tx1"/>
+                </a:solidFill>
+                <a:miter lim="800000"/>
+                <a:headEnd/>
+                <a:tailEnd/>
+              </a14:hiddenLine>
+            </a:ext>
+            <a:ext uri="{AF507438-7753-43E0-B8FC-AC1667EBCBE1}">
+              <a14:hiddenEffects xmlns:a14="http://schemas.microsoft.com/office/drawing/2010/main">
+                <a:effectLst>
+                  <a:outerShdw dist="35921" dir="2700000" algn="ctr" rotWithShape="0">
+                    <a:schemeClr val="bg2"/>
+                  </a:outerShdw>
+                </a:effectLst>
+              </a14:hiddenEffects>
+            </a:ext>
+          </a:extLst>
+        </p:spPr>
+      </p:pic>
+      <p:pic>
+        <p:nvPicPr>
+          <p:cNvPr id="2" name="Picture 3"/>
+          <p:cNvPicPr>
+            <a:picLocks noChangeAspect="1" noChangeArrowheads="1"/>
+          </p:cNvPicPr>
+          <p:nvPr/>
+        </p:nvPicPr>
+        <p:blipFill>
+          <a:blip r:embed="rId5">
+            <a:extLst>
+              <a:ext uri="{28A0092B-C50C-407E-A947-70E740481C1C}">
+                <a14:useLocalDpi xmlns:a14="http://schemas.microsoft.com/office/drawing/2010/main" val="0"/>
+              </a:ext>
+            </a:extLst>
+          </a:blip>
+          <a:srcRect/>
+          <a:stretch>
+            <a:fillRect/>
+          </a:stretch>
+        </p:blipFill>
+        <p:spPr bwMode="auto">
+          <a:xfrm>
+            <a:off x="7530531" y="3647868"/>
+            <a:ext cx="1598478" cy="717427"/>
+          </a:xfrm>
+          <a:prstGeom prst="rect">
+            <a:avLst/>
+          </a:prstGeom>
+          <a:noFill/>
+          <a:ln>
+            <a:noFill/>
+          </a:ln>
+          <a:effectLst/>
+          <a:extLst>
+            <a:ext uri="{909E8E84-426E-40DD-AFC4-6F175D3DCCD1}">
+              <a14:hiddenFill xmlns:a14="http://schemas.microsoft.com/office/drawing/2010/main">
+                <a:solidFill>
+                  <a:schemeClr val="accent1"/>
+                </a:solidFill>
+              </a14:hiddenFill>
+            </a:ext>
+            <a:ext uri="{91240B29-F687-4F45-9708-019B960494DF}">
+              <a14:hiddenLine xmlns:a14="http://schemas.microsoft.com/office/drawing/2010/main" w="9525">
+                <a:solidFill>
+                  <a:schemeClr val="tx1"/>
+                </a:solidFill>
+                <a:miter lim="800000"/>
+                <a:headEnd/>
+                <a:tailEnd/>
+              </a14:hiddenLine>
+            </a:ext>
+            <a:ext uri="{AF507438-7753-43E0-B8FC-AC1667EBCBE1}">
+              <a14:hiddenEffects xmlns:a14="http://schemas.microsoft.com/office/drawing/2010/main">
+                <a:effectLst>
+                  <a:outerShdw dist="35921" dir="2700000" algn="ctr" rotWithShape="0">
+                    <a:schemeClr val="bg2"/>
+                  </a:outerShdw>
+                </a:effectLst>
+              </a14:hiddenEffects>
+            </a:ext>
+          </a:extLst>
+        </p:spPr>
+      </p:pic>
+      <p:pic>
+        <p:nvPicPr>
+          <p:cNvPr id="1028" name="Picture 4"/>
+          <p:cNvPicPr>
+            <a:picLocks noChangeAspect="1" noChangeArrowheads="1"/>
+          </p:cNvPicPr>
+          <p:nvPr/>
+        </p:nvPicPr>
+        <p:blipFill>
+          <a:blip r:embed="rId6">
+            <a:extLst>
+              <a:ext uri="{28A0092B-C50C-407E-A947-70E740481C1C}">
+                <a14:useLocalDpi xmlns:a14="http://schemas.microsoft.com/office/drawing/2010/main" val="0"/>
+              </a:ext>
+            </a:extLst>
+          </a:blip>
+          <a:srcRect/>
+          <a:stretch>
+            <a:fillRect/>
+          </a:stretch>
+        </p:blipFill>
+        <p:spPr bwMode="auto">
+          <a:xfrm>
+            <a:off x="5609500" y="2280527"/>
+            <a:ext cx="1028700" cy="904875"/>
+          </a:xfrm>
+          <a:prstGeom prst="rect">
+            <a:avLst/>
+          </a:prstGeom>
+          <a:noFill/>
+          <a:ln>
+            <a:noFill/>
+          </a:ln>
+          <a:effectLst/>
+          <a:extLst>
+            <a:ext uri="{909E8E84-426E-40DD-AFC4-6F175D3DCCD1}">
+              <a14:hiddenFill xmlns:a14="http://schemas.microsoft.com/office/drawing/2010/main">
+                <a:solidFill>
+                  <a:schemeClr val="accent1"/>
+                </a:solidFill>
+              </a14:hiddenFill>
+            </a:ext>
+            <a:ext uri="{91240B29-F687-4F45-9708-019B960494DF}">
+              <a14:hiddenLine xmlns:a14="http://schemas.microsoft.com/office/drawing/2010/main" w="9525">
+                <a:solidFill>
+                  <a:schemeClr val="tx1"/>
+                </a:solidFill>
+                <a:miter lim="800000"/>
+                <a:headEnd/>
+                <a:tailEnd/>
+              </a14:hiddenLine>
+            </a:ext>
+            <a:ext uri="{AF507438-7753-43E0-B8FC-AC1667EBCBE1}">
+              <a14:hiddenEffects xmlns:a14="http://schemas.microsoft.com/office/drawing/2010/main">
+                <a:effectLst>
+                  <a:outerShdw dist="35921" dir="2700000" algn="ctr" rotWithShape="0">
+                    <a:schemeClr val="bg2"/>
+                  </a:outerShdw>
+                </a:effectLst>
+              </a14:hiddenEffects>
+            </a:ext>
+          </a:extLst>
+        </p:spPr>
+      </p:pic>
+      <p:pic>
+        <p:nvPicPr>
+          <p:cNvPr id="1032" name="Picture 8"/>
+          <p:cNvPicPr>
+            <a:picLocks noChangeAspect="1" noChangeArrowheads="1"/>
+          </p:cNvPicPr>
+          <p:nvPr/>
+        </p:nvPicPr>
+        <p:blipFill>
+          <a:blip r:embed="rId7">
+            <a:extLst>
+              <a:ext uri="{28A0092B-C50C-407E-A947-70E740481C1C}">
+                <a14:useLocalDpi xmlns:a14="http://schemas.microsoft.com/office/drawing/2010/main" val="0"/>
+              </a:ext>
+            </a:extLst>
+          </a:blip>
+          <a:srcRect/>
+          <a:stretch>
+            <a:fillRect/>
+          </a:stretch>
+        </p:blipFill>
+        <p:spPr bwMode="auto">
+          <a:xfrm>
+            <a:off x="3988524" y="2738114"/>
+            <a:ext cx="1335988" cy="676275"/>
+          </a:xfrm>
+          <a:prstGeom prst="rect">
+            <a:avLst/>
+          </a:prstGeom>
+          <a:noFill/>
+          <a:ln>
+            <a:noFill/>
+          </a:ln>
+          <a:effectLst/>
+          <a:extLst>
+            <a:ext uri="{909E8E84-426E-40DD-AFC4-6F175D3DCCD1}">
+              <a14:hiddenFill xmlns:a14="http://schemas.microsoft.com/office/drawing/2010/main">
+                <a:solidFill>
+                  <a:schemeClr val="accent1"/>
+                </a:solidFill>
+              </a14:hiddenFill>
+            </a:ext>
+            <a:ext uri="{91240B29-F687-4F45-9708-019B960494DF}">
+              <a14:hiddenLine xmlns:a14="http://schemas.microsoft.com/office/drawing/2010/main" w="9525">
+                <a:solidFill>
+                  <a:schemeClr val="tx1"/>
+                </a:solidFill>
+                <a:miter lim="800000"/>
+                <a:headEnd/>
+                <a:tailEnd/>
+              </a14:hiddenLine>
+            </a:ext>
+            <a:ext uri="{AF507438-7753-43E0-B8FC-AC1667EBCBE1}">
+              <a14:hiddenEffects xmlns:a14="http://schemas.microsoft.com/office/drawing/2010/main">
+                <a:effectLst>
+                  <a:outerShdw dist="35921" dir="2700000" algn="ctr" rotWithShape="0">
+                    <a:schemeClr val="bg2"/>
+                  </a:outerShdw>
+                </a:effectLst>
+              </a14:hiddenEffects>
+            </a:ext>
+          </a:extLst>
+        </p:spPr>
+      </p:pic>
+      <p:pic>
+        <p:nvPicPr>
+          <p:cNvPr id="1033" name="Picture 9"/>
+          <p:cNvPicPr>
+            <a:picLocks noChangeAspect="1" noChangeArrowheads="1"/>
+          </p:cNvPicPr>
+          <p:nvPr/>
+        </p:nvPicPr>
+        <p:blipFill>
+          <a:blip r:embed="rId7">
+            <a:extLst>
+              <a:ext uri="{28A0092B-C50C-407E-A947-70E740481C1C}">
+                <a14:useLocalDpi xmlns:a14="http://schemas.microsoft.com/office/drawing/2010/main" val="0"/>
+              </a:ext>
+            </a:extLst>
+          </a:blip>
+          <a:srcRect/>
+          <a:stretch>
+            <a:fillRect/>
+          </a:stretch>
+        </p:blipFill>
+        <p:spPr bwMode="auto">
+          <a:xfrm rot="3548050">
+            <a:off x="6650144" y="2847264"/>
+            <a:ext cx="1143000" cy="676275"/>
+          </a:xfrm>
+          <a:prstGeom prst="rect">
+            <a:avLst/>
+          </a:prstGeom>
+          <a:noFill/>
+          <a:ln>
+            <a:noFill/>
+          </a:ln>
+          <a:effectLst/>
+          <a:extLst>
+            <a:ext uri="{909E8E84-426E-40DD-AFC4-6F175D3DCCD1}">
+              <a14:hiddenFill xmlns:a14="http://schemas.microsoft.com/office/drawing/2010/main">
+                <a:solidFill>
+                  <a:schemeClr val="accent1"/>
+                </a:solidFill>
+              </a14:hiddenFill>
+            </a:ext>
+            <a:ext uri="{91240B29-F687-4F45-9708-019B960494DF}">
+              <a14:hiddenLine xmlns:a14="http://schemas.microsoft.com/office/drawing/2010/main" w="9525">
+                <a:solidFill>
+                  <a:schemeClr val="tx1"/>
+                </a:solidFill>
+                <a:miter lim="800000"/>
+                <a:headEnd/>
+                <a:tailEnd/>
+              </a14:hiddenLine>
+            </a:ext>
+            <a:ext uri="{AF507438-7753-43E0-B8FC-AC1667EBCBE1}">
+              <a14:hiddenEffects xmlns:a14="http://schemas.microsoft.com/office/drawing/2010/main">
+                <a:effectLst>
+                  <a:outerShdw dist="35921" dir="2700000" algn="ctr" rotWithShape="0">
+                    <a:schemeClr val="bg2"/>
+                  </a:outerShdw>
+                </a:effectLst>
+              </a14:hiddenEffects>
+            </a:ext>
+          </a:extLst>
+        </p:spPr>
+      </p:pic>
+      <p:sp>
+        <p:nvSpPr>
+          <p:cNvPr id="19" name="TextBox 18"/>
+          <p:cNvSpPr txBox="1"/>
+          <p:nvPr/>
+        </p:nvSpPr>
+        <p:spPr>
+          <a:xfrm>
+            <a:off x="177421" y="4735773"/>
+            <a:ext cx="1895874" cy="369332"/>
+          </a:xfrm>
+          <a:prstGeom prst="rect">
+            <a:avLst/>
+          </a:prstGeom>
+          <a:noFill/>
+        </p:spPr>
+        <p:txBody>
+          <a:bodyPr wrap="square" rtlCol="0">
+            <a:spAutoFit/>
+          </a:bodyPr>
+          <a:lstStyle/>
+          <a:p>
+            <a:r>
+              <a:rPr lang="en-US" b="1" dirty="0" smtClean="0">
+                <a:solidFill>
+                  <a:srgbClr val="FF0000"/>
+                </a:solidFill>
+              </a:rPr>
+              <a:t>Docker    Httpd</a:t>
+            </a:r>
+            <a:endParaRPr lang="en-IN" b="1" dirty="0">
+              <a:solidFill>
+                <a:srgbClr val="FF0000"/>
+              </a:solidFill>
+            </a:endParaRPr>
+          </a:p>
+        </p:txBody>
+      </p:sp>
+      <p:sp>
+        <p:nvSpPr>
+          <p:cNvPr id="20" name="Up Arrow 19"/>
+          <p:cNvSpPr/>
+          <p:nvPr/>
+        </p:nvSpPr>
+        <p:spPr>
+          <a:xfrm>
+            <a:off x="436729" y="3446729"/>
+            <a:ext cx="191068" cy="1289044"/>
+          </a:xfrm>
+          <a:prstGeom prst="upArrow">
+            <a:avLst/>
+          </a:prstGeom>
+        </p:spPr>
+        <p:style>
+          <a:lnRef idx="2">
+            <a:schemeClr val="accent6"/>
+          </a:lnRef>
+          <a:fillRef idx="1">
+            <a:schemeClr val="lt1"/>
+          </a:fillRef>
+          <a:effectRef idx="0">
+            <a:schemeClr val="accent6"/>
+          </a:effectRef>
+          <a:fontRef idx="minor">
+            <a:schemeClr val="dk1"/>
+          </a:fontRef>
+        </p:style>
+        <p:txBody>
+          <a:bodyPr rtlCol="0" anchor="ctr"/>
+          <a:lstStyle/>
+          <a:p>
+            <a:pPr algn="ctr"/>
+            <a:endParaRPr lang="en-IN"/>
+          </a:p>
+        </p:txBody>
+      </p:sp>
+      <p:sp>
+        <p:nvSpPr>
+          <p:cNvPr id="31" name="Up Arrow 30"/>
+          <p:cNvSpPr/>
+          <p:nvPr/>
+        </p:nvSpPr>
+        <p:spPr>
+          <a:xfrm>
+            <a:off x="1312460" y="3459574"/>
+            <a:ext cx="191068" cy="1289044"/>
+          </a:xfrm>
+          <a:prstGeom prst="upArrow">
+            <a:avLst/>
+          </a:prstGeom>
+        </p:spPr>
+        <p:style>
+          <a:lnRef idx="2">
+            <a:schemeClr val="accent6"/>
+          </a:lnRef>
+          <a:fillRef idx="1">
+            <a:schemeClr val="lt1"/>
+          </a:fillRef>
+          <a:effectRef idx="0">
+            <a:schemeClr val="accent6"/>
+          </a:effectRef>
+          <a:fontRef idx="minor">
+            <a:schemeClr val="dk1"/>
+          </a:fontRef>
+        </p:style>
+        <p:txBody>
+          <a:bodyPr rtlCol="0" anchor="ctr"/>
+          <a:lstStyle/>
+          <a:p>
+            <a:pPr algn="ctr"/>
+            <a:endParaRPr lang="en-IN"/>
+          </a:p>
+        </p:txBody>
+      </p:sp>
+      <p:sp>
+        <p:nvSpPr>
+          <p:cNvPr id="24" name="Right Brace 23"/>
+          <p:cNvSpPr/>
+          <p:nvPr/>
+        </p:nvSpPr>
+        <p:spPr>
+          <a:xfrm rot="16200000">
+            <a:off x="689474" y="1619879"/>
+            <a:ext cx="871767" cy="2049191"/>
+          </a:xfrm>
+          <a:prstGeom prst="rightBrace">
+            <a:avLst/>
+          </a:prstGeom>
+        </p:spPr>
+        <p:style>
+          <a:lnRef idx="1">
+            <a:schemeClr val="accent6"/>
+          </a:lnRef>
+          <a:fillRef idx="0">
+            <a:schemeClr val="accent6"/>
+          </a:fillRef>
+          <a:effectRef idx="0">
+            <a:schemeClr val="accent6"/>
+          </a:effectRef>
+          <a:fontRef idx="minor">
+            <a:schemeClr val="tx1"/>
+          </a:fontRef>
+        </p:style>
+        <p:txBody>
+          <a:bodyPr rtlCol="0" anchor="ctr"/>
+          <a:lstStyle/>
+          <a:p>
+            <a:pPr algn="ctr"/>
+            <a:endParaRPr lang="en-IN"/>
+          </a:p>
+        </p:txBody>
+      </p:sp>
+      <p:sp>
+        <p:nvSpPr>
+          <p:cNvPr id="25" name="Right Arrow 24"/>
+          <p:cNvSpPr/>
+          <p:nvPr/>
+        </p:nvSpPr>
+        <p:spPr>
+          <a:xfrm>
+            <a:off x="1407994" y="2192442"/>
+            <a:ext cx="3827244" cy="143870"/>
+          </a:xfrm>
+          <a:prstGeom prst="rightArrow">
+            <a:avLst/>
+          </a:prstGeom>
+        </p:spPr>
+        <p:style>
+          <a:lnRef idx="2">
+            <a:schemeClr val="dk1"/>
+          </a:lnRef>
+          <a:fillRef idx="1">
+            <a:schemeClr val="lt1"/>
+          </a:fillRef>
+          <a:effectRef idx="0">
+            <a:schemeClr val="dk1"/>
+          </a:effectRef>
+          <a:fontRef idx="minor">
+            <a:schemeClr val="dk1"/>
+          </a:fontRef>
+        </p:style>
+        <p:txBody>
+          <a:bodyPr rtlCol="0" anchor="ctr"/>
+          <a:lstStyle/>
+          <a:p>
+            <a:pPr algn="ctr"/>
+            <a:endParaRPr lang="en-IN"/>
+          </a:p>
+        </p:txBody>
+      </p:sp>
+      <p:sp>
+        <p:nvSpPr>
+          <p:cNvPr id="26" name="TextBox 25"/>
+          <p:cNvSpPr txBox="1"/>
+          <p:nvPr/>
+        </p:nvSpPr>
+        <p:spPr>
+          <a:xfrm>
+            <a:off x="5324512" y="1222007"/>
+            <a:ext cx="6867488" cy="1200329"/>
+          </a:xfrm>
+          <a:prstGeom prst="rect">
+            <a:avLst/>
+          </a:prstGeom>
+          <a:noFill/>
+        </p:spPr>
+        <p:txBody>
+          <a:bodyPr wrap="square" rtlCol="0">
+            <a:spAutoFit/>
+          </a:bodyPr>
+          <a:lstStyle/>
+          <a:p>
+            <a:r>
+              <a:rPr lang="en-US" b="1" u="sng" dirty="0" smtClean="0">
+                <a:solidFill>
+                  <a:srgbClr val="C00000"/>
+                </a:solidFill>
+              </a:rPr>
+              <a:t>Pre-Defined Rules:</a:t>
+            </a:r>
+          </a:p>
+          <a:p>
+            <a:r>
+              <a:rPr lang="en-US" b="1" dirty="0">
+                <a:solidFill>
+                  <a:srgbClr val="C00000"/>
+                </a:solidFill>
+              </a:rPr>
+              <a:t> </a:t>
+            </a:r>
+            <a:r>
+              <a:rPr lang="en-US" b="1" dirty="0" smtClean="0">
+                <a:solidFill>
+                  <a:srgbClr val="C00000"/>
+                </a:solidFill>
+              </a:rPr>
+              <a:t>     Event-1 (DDown)   then  Execute Start Docker </a:t>
+            </a:r>
+            <a:r>
+              <a:rPr lang="en-US" b="1" dirty="0" err="1" smtClean="0">
+                <a:solidFill>
+                  <a:srgbClr val="C00000"/>
+                </a:solidFill>
+              </a:rPr>
+              <a:t>Cmd</a:t>
+            </a:r>
+            <a:endParaRPr lang="en-US" b="1" dirty="0" smtClean="0">
+              <a:solidFill>
+                <a:srgbClr val="C00000"/>
+              </a:solidFill>
+            </a:endParaRPr>
+          </a:p>
+          <a:p>
+            <a:r>
+              <a:rPr lang="en-US" b="1" dirty="0" smtClean="0">
+                <a:solidFill>
+                  <a:srgbClr val="C00000"/>
+                </a:solidFill>
+              </a:rPr>
+              <a:t>      Event-2 (</a:t>
+            </a:r>
+            <a:r>
+              <a:rPr lang="en-US" b="1" dirty="0" err="1" smtClean="0">
+                <a:solidFill>
+                  <a:srgbClr val="C00000"/>
+                </a:solidFill>
+              </a:rPr>
+              <a:t>Hdown</a:t>
+            </a:r>
+            <a:r>
+              <a:rPr lang="en-US" b="1" dirty="0" smtClean="0">
+                <a:solidFill>
+                  <a:srgbClr val="C00000"/>
+                </a:solidFill>
+              </a:rPr>
+              <a:t>)  then  Execute Start Httpd  </a:t>
+            </a:r>
+            <a:r>
+              <a:rPr lang="en-US" b="1" dirty="0" err="1" smtClean="0">
+                <a:solidFill>
+                  <a:srgbClr val="C00000"/>
+                </a:solidFill>
+              </a:rPr>
+              <a:t>Cmd</a:t>
+            </a:r>
+            <a:endParaRPr lang="en-US" b="1" dirty="0" smtClean="0">
+              <a:solidFill>
+                <a:srgbClr val="C00000"/>
+              </a:solidFill>
+            </a:endParaRPr>
+          </a:p>
+          <a:p>
+            <a:r>
+              <a:rPr lang="en-US" b="1" dirty="0" smtClean="0">
+                <a:solidFill>
+                  <a:srgbClr val="FF0000"/>
+                </a:solidFill>
+              </a:rPr>
+              <a:t>      Unknown Event then Raise an Incident</a:t>
+            </a:r>
+            <a:endParaRPr lang="en-IN" b="1" dirty="0">
+              <a:solidFill>
+                <a:srgbClr val="FF0000"/>
+              </a:solidFill>
+            </a:endParaRPr>
+          </a:p>
+        </p:txBody>
+      </p:sp>
+      <p:sp>
+        <p:nvSpPr>
+          <p:cNvPr id="42" name="Rectangle 41"/>
+          <p:cNvSpPr/>
+          <p:nvPr/>
+        </p:nvSpPr>
+        <p:spPr>
+          <a:xfrm>
+            <a:off x="-1" y="1017904"/>
+            <a:ext cx="11930063" cy="369332"/>
+          </a:xfrm>
+          <a:prstGeom prst="rect">
+            <a:avLst/>
+          </a:prstGeom>
+        </p:spPr>
+        <p:txBody>
+          <a:bodyPr wrap="square">
+            <a:spAutoFit/>
+          </a:bodyPr>
+          <a:lstStyle/>
+          <a:p>
+            <a:r>
+              <a:rPr lang="en-IN" b="1" dirty="0" smtClean="0">
+                <a:solidFill>
+                  <a:srgbClr val="002060"/>
+                </a:solidFill>
+                <a:latin typeface="Bell MT" pitchFamily="18" charset="0"/>
+              </a:rPr>
+              <a:t>It like </a:t>
+            </a:r>
+            <a:r>
+              <a:rPr lang="en-IN" b="1" dirty="0">
+                <a:solidFill>
+                  <a:srgbClr val="002060"/>
+                </a:solidFill>
+                <a:latin typeface="Bell MT" pitchFamily="18" charset="0"/>
+              </a:rPr>
+              <a:t>IFTTT (If-This-Than-That) tool for DevOps and Infrastructure.</a:t>
+            </a:r>
+            <a:endParaRPr lang="en-US" b="1" dirty="0">
+              <a:solidFill>
+                <a:srgbClr val="002060"/>
+              </a:solidFill>
+              <a:latin typeface="Bell MT" pitchFamily="18" charset="0"/>
+            </a:endParaRPr>
+          </a:p>
+        </p:txBody>
+      </p:sp>
+      <p:pic>
+        <p:nvPicPr>
+          <p:cNvPr id="1038" name="Picture 14"/>
+          <p:cNvPicPr>
+            <a:picLocks noChangeAspect="1" noChangeArrowheads="1"/>
+          </p:cNvPicPr>
+          <p:nvPr/>
+        </p:nvPicPr>
+        <p:blipFill>
+          <a:blip r:embed="rId8">
+            <a:extLst>
+              <a:ext uri="{28A0092B-C50C-407E-A947-70E740481C1C}">
+                <a14:useLocalDpi xmlns:a14="http://schemas.microsoft.com/office/drawing/2010/main" val="0"/>
+              </a:ext>
+            </a:extLst>
+          </a:blip>
+          <a:srcRect/>
+          <a:stretch>
+            <a:fillRect/>
+          </a:stretch>
+        </p:blipFill>
+        <p:spPr bwMode="auto">
+          <a:xfrm>
+            <a:off x="5810250" y="3268411"/>
+            <a:ext cx="571500" cy="581025"/>
+          </a:xfrm>
+          <a:prstGeom prst="rect">
+            <a:avLst/>
+          </a:prstGeom>
+          <a:noFill/>
+          <a:ln>
+            <a:noFill/>
+          </a:ln>
+          <a:effectLst/>
+          <a:extLst>
+            <a:ext uri="{909E8E84-426E-40DD-AFC4-6F175D3DCCD1}">
+              <a14:hiddenFill xmlns:a14="http://schemas.microsoft.com/office/drawing/2010/main">
+                <a:solidFill>
+                  <a:schemeClr val="accent1"/>
+                </a:solidFill>
+              </a14:hiddenFill>
+            </a:ext>
+            <a:ext uri="{91240B29-F687-4F45-9708-019B960494DF}">
+              <a14:hiddenLine xmlns:a14="http://schemas.microsoft.com/office/drawing/2010/main" w="9525">
+                <a:solidFill>
+                  <a:schemeClr val="tx1"/>
+                </a:solidFill>
+                <a:miter lim="800000"/>
+                <a:headEnd/>
+                <a:tailEnd/>
+              </a14:hiddenLine>
+            </a:ext>
+            <a:ext uri="{AF507438-7753-43E0-B8FC-AC1667EBCBE1}">
+              <a14:hiddenEffects xmlns:a14="http://schemas.microsoft.com/office/drawing/2010/main">
+                <a:effectLst>
+                  <a:outerShdw dist="35921" dir="2700000" algn="ctr" rotWithShape="0">
+                    <a:schemeClr val="bg2"/>
+                  </a:outerShdw>
+                </a:effectLst>
+              </a14:hiddenEffects>
+            </a:ext>
+          </a:extLst>
+        </p:spPr>
+      </p:pic>
+      <p:pic>
+        <p:nvPicPr>
+          <p:cNvPr id="1039" name="Picture 15"/>
+          <p:cNvPicPr>
+            <a:picLocks noChangeAspect="1" noChangeArrowheads="1"/>
+          </p:cNvPicPr>
+          <p:nvPr/>
+        </p:nvPicPr>
+        <p:blipFill>
+          <a:blip r:embed="rId9">
+            <a:extLst>
+              <a:ext uri="{28A0092B-C50C-407E-A947-70E740481C1C}">
+                <a14:useLocalDpi xmlns:a14="http://schemas.microsoft.com/office/drawing/2010/main" val="0"/>
+              </a:ext>
+            </a:extLst>
+          </a:blip>
+          <a:srcRect/>
+          <a:stretch>
+            <a:fillRect/>
+          </a:stretch>
+        </p:blipFill>
+        <p:spPr bwMode="auto">
+          <a:xfrm>
+            <a:off x="8132502" y="2422336"/>
+            <a:ext cx="1581150" cy="485775"/>
+          </a:xfrm>
+          <a:prstGeom prst="rect">
+            <a:avLst/>
+          </a:prstGeom>
+          <a:noFill/>
+          <a:ln>
+            <a:noFill/>
+          </a:ln>
+          <a:effectLst/>
+          <a:extLst>
+            <a:ext uri="{909E8E84-426E-40DD-AFC4-6F175D3DCCD1}">
+              <a14:hiddenFill xmlns:a14="http://schemas.microsoft.com/office/drawing/2010/main">
+                <a:solidFill>
+                  <a:schemeClr val="accent1"/>
+                </a:solidFill>
+              </a14:hiddenFill>
+            </a:ext>
+            <a:ext uri="{91240B29-F687-4F45-9708-019B960494DF}">
+              <a14:hiddenLine xmlns:a14="http://schemas.microsoft.com/office/drawing/2010/main" w="9525">
+                <a:solidFill>
+                  <a:schemeClr val="tx1"/>
+                </a:solidFill>
+                <a:miter lim="800000"/>
+                <a:headEnd/>
+                <a:tailEnd/>
+              </a14:hiddenLine>
+            </a:ext>
+            <a:ext uri="{AF507438-7753-43E0-B8FC-AC1667EBCBE1}">
+              <a14:hiddenEffects xmlns:a14="http://schemas.microsoft.com/office/drawing/2010/main">
+                <a:effectLst>
+                  <a:outerShdw dist="35921" dir="2700000" algn="ctr" rotWithShape="0">
+                    <a:schemeClr val="bg2"/>
+                  </a:outerShdw>
+                </a:effectLst>
+              </a14:hiddenEffects>
+            </a:ext>
+          </a:extLst>
+        </p:spPr>
+      </p:pic>
+      <p:pic>
+        <p:nvPicPr>
+          <p:cNvPr id="45" name="Picture 8"/>
+          <p:cNvPicPr>
+            <a:picLocks noChangeAspect="1" noChangeArrowheads="1"/>
+          </p:cNvPicPr>
+          <p:nvPr/>
+        </p:nvPicPr>
+        <p:blipFill>
+          <a:blip r:embed="rId10">
+            <a:extLst>
+              <a:ext uri="{28A0092B-C50C-407E-A947-70E740481C1C}">
+                <a14:useLocalDpi xmlns:a14="http://schemas.microsoft.com/office/drawing/2010/main" val="0"/>
+              </a:ext>
+            </a:extLst>
+          </a:blip>
+          <a:srcRect/>
+          <a:stretch>
+            <a:fillRect/>
+          </a:stretch>
+        </p:blipFill>
+        <p:spPr bwMode="auto">
+          <a:xfrm>
+            <a:off x="11125038" y="2264377"/>
+            <a:ext cx="438150" cy="714375"/>
+          </a:xfrm>
+          <a:prstGeom prst="rect">
+            <a:avLst/>
+          </a:prstGeom>
+          <a:noFill/>
+          <a:ln>
+            <a:noFill/>
+          </a:ln>
+          <a:effectLst/>
+          <a:extLst>
+            <a:ext uri="{909E8E84-426E-40DD-AFC4-6F175D3DCCD1}">
+              <a14:hiddenFill xmlns:a14="http://schemas.microsoft.com/office/drawing/2010/main">
+                <a:solidFill>
+                  <a:schemeClr val="accent1"/>
+                </a:solidFill>
+              </a14:hiddenFill>
+            </a:ext>
+            <a:ext uri="{91240B29-F687-4F45-9708-019B960494DF}">
+              <a14:hiddenLine xmlns:a14="http://schemas.microsoft.com/office/drawing/2010/main" w="9525">
+                <a:solidFill>
+                  <a:schemeClr val="tx1"/>
+                </a:solidFill>
+                <a:miter lim="800000"/>
+                <a:headEnd/>
+                <a:tailEnd/>
+              </a14:hiddenLine>
+            </a:ext>
+            <a:ext uri="{AF507438-7753-43E0-B8FC-AC1667EBCBE1}">
+              <a14:hiddenEffects xmlns:a14="http://schemas.microsoft.com/office/drawing/2010/main">
+                <a:effectLst>
+                  <a:outerShdw dist="35921" dir="2700000" algn="ctr" rotWithShape="0">
+                    <a:schemeClr val="bg2"/>
+                  </a:outerShdw>
+                </a:effectLst>
+              </a14:hiddenEffects>
+            </a:ext>
+          </a:extLst>
+        </p:spPr>
+      </p:pic>
+      <p:sp>
+        <p:nvSpPr>
+          <p:cNvPr id="46" name="Right Arrow 45"/>
+          <p:cNvSpPr/>
+          <p:nvPr/>
+        </p:nvSpPr>
+        <p:spPr>
+          <a:xfrm>
+            <a:off x="6880701" y="2523714"/>
+            <a:ext cx="1221472" cy="238634"/>
+          </a:xfrm>
+          <a:prstGeom prst="rightArrow">
+            <a:avLst/>
+          </a:prstGeom>
+        </p:spPr>
+        <p:style>
+          <a:lnRef idx="0">
+            <a:schemeClr val="accent2"/>
+          </a:lnRef>
+          <a:fillRef idx="3">
+            <a:schemeClr val="accent2"/>
+          </a:fillRef>
+          <a:effectRef idx="3">
+            <a:schemeClr val="accent2"/>
+          </a:effectRef>
+          <a:fontRef idx="minor">
+            <a:schemeClr val="lt1"/>
+          </a:fontRef>
+        </p:style>
+        <p:txBody>
+          <a:bodyPr rtlCol="0" anchor="ctr"/>
+          <a:lstStyle/>
+          <a:p>
+            <a:pPr algn="ctr"/>
+            <a:endParaRPr lang="en-IN"/>
+          </a:p>
+        </p:txBody>
+      </p:sp>
+      <p:sp>
+        <p:nvSpPr>
+          <p:cNvPr id="47" name="Right Arrow 46"/>
+          <p:cNvSpPr/>
+          <p:nvPr/>
+        </p:nvSpPr>
+        <p:spPr>
+          <a:xfrm>
+            <a:off x="9563670" y="2467189"/>
+            <a:ext cx="1221472" cy="238634"/>
+          </a:xfrm>
+          <a:prstGeom prst="rightArrow">
+            <a:avLst/>
+          </a:prstGeom>
+        </p:spPr>
+        <p:style>
+          <a:lnRef idx="0">
+            <a:schemeClr val="accent3"/>
+          </a:lnRef>
+          <a:fillRef idx="3">
+            <a:schemeClr val="accent3"/>
+          </a:fillRef>
+          <a:effectRef idx="3">
+            <a:schemeClr val="accent3"/>
+          </a:effectRef>
+          <a:fontRef idx="minor">
+            <a:schemeClr val="lt1"/>
+          </a:fontRef>
+        </p:style>
+        <p:txBody>
+          <a:bodyPr rtlCol="0" anchor="ctr"/>
+          <a:lstStyle/>
+          <a:p>
+            <a:pPr algn="ctr"/>
+            <a:endParaRPr lang="en-IN"/>
+          </a:p>
+        </p:txBody>
+      </p:sp>
+      <p:pic>
+        <p:nvPicPr>
+          <p:cNvPr id="1040" name="Picture 16"/>
+          <p:cNvPicPr>
+            <a:picLocks noChangeAspect="1" noChangeArrowheads="1"/>
+          </p:cNvPicPr>
+          <p:nvPr/>
+        </p:nvPicPr>
+        <p:blipFill>
+          <a:blip r:embed="rId11">
+            <a:extLst>
+              <a:ext uri="{28A0092B-C50C-407E-A947-70E740481C1C}">
+                <a14:useLocalDpi xmlns:a14="http://schemas.microsoft.com/office/drawing/2010/main" val="0"/>
+              </a:ext>
+            </a:extLst>
+          </a:blip>
+          <a:srcRect/>
+          <a:stretch>
+            <a:fillRect/>
+          </a:stretch>
+        </p:blipFill>
+        <p:spPr bwMode="auto">
+          <a:xfrm>
+            <a:off x="11069275" y="3043631"/>
+            <a:ext cx="647700" cy="190500"/>
+          </a:xfrm>
+          <a:prstGeom prst="rect">
+            <a:avLst/>
+          </a:prstGeom>
+          <a:noFill/>
+          <a:ln>
+            <a:noFill/>
+          </a:ln>
+          <a:effectLst/>
+          <a:extLst>
+            <a:ext uri="{909E8E84-426E-40DD-AFC4-6F175D3DCCD1}">
+              <a14:hiddenFill xmlns:a14="http://schemas.microsoft.com/office/drawing/2010/main">
+                <a:solidFill>
+                  <a:schemeClr val="accent1"/>
+                </a:solidFill>
+              </a14:hiddenFill>
+            </a:ext>
+            <a:ext uri="{91240B29-F687-4F45-9708-019B960494DF}">
+              <a14:hiddenLine xmlns:a14="http://schemas.microsoft.com/office/drawing/2010/main" w="9525">
+                <a:solidFill>
+                  <a:schemeClr val="tx1"/>
+                </a:solidFill>
+                <a:miter lim="800000"/>
+                <a:headEnd/>
+                <a:tailEnd/>
+              </a14:hiddenLine>
+            </a:ext>
+            <a:ext uri="{AF507438-7753-43E0-B8FC-AC1667EBCBE1}">
+              <a14:hiddenEffects xmlns:a14="http://schemas.microsoft.com/office/drawing/2010/main">
+                <a:effectLst>
+                  <a:outerShdw dist="35921" dir="2700000" algn="ctr" rotWithShape="0">
+                    <a:schemeClr val="bg2"/>
+                  </a:outerShdw>
+                </a:effectLst>
+              </a14:hiddenEffects>
+            </a:ext>
+          </a:extLst>
+        </p:spPr>
+      </p:pic>
+      <p:sp>
+        <p:nvSpPr>
+          <p:cNvPr id="27" name="TextBox 26"/>
+          <p:cNvSpPr txBox="1"/>
+          <p:nvPr/>
+        </p:nvSpPr>
+        <p:spPr>
+          <a:xfrm>
+            <a:off x="0" y="3092282"/>
+            <a:ext cx="1125358" cy="369332"/>
+          </a:xfrm>
+          <a:prstGeom prst="rect">
+            <a:avLst/>
+          </a:prstGeom>
+          <a:noFill/>
+        </p:spPr>
+        <p:txBody>
+          <a:bodyPr wrap="square" rtlCol="0">
+            <a:spAutoFit/>
+          </a:bodyPr>
+          <a:lstStyle/>
+          <a:p>
+            <a:r>
+              <a:rPr lang="en-US" b="1" dirty="0" smtClean="0">
+                <a:solidFill>
+                  <a:srgbClr val="002060"/>
+                </a:solidFill>
+              </a:rPr>
+              <a:t>DDown</a:t>
+            </a:r>
+            <a:endParaRPr lang="en-IN" b="1" dirty="0">
+              <a:solidFill>
+                <a:srgbClr val="002060"/>
+              </a:solidFill>
+            </a:endParaRPr>
+          </a:p>
+        </p:txBody>
+      </p:sp>
+      <p:sp>
+        <p:nvSpPr>
+          <p:cNvPr id="50" name="TextBox 49"/>
+          <p:cNvSpPr txBox="1"/>
+          <p:nvPr/>
+        </p:nvSpPr>
+        <p:spPr>
+          <a:xfrm>
+            <a:off x="1048699" y="3123883"/>
+            <a:ext cx="1257773" cy="369332"/>
+          </a:xfrm>
+          <a:prstGeom prst="rect">
+            <a:avLst/>
+          </a:prstGeom>
+          <a:noFill/>
+        </p:spPr>
+        <p:txBody>
+          <a:bodyPr wrap="square" rtlCol="0">
+            <a:spAutoFit/>
+          </a:bodyPr>
+          <a:lstStyle/>
+          <a:p>
+            <a:r>
+              <a:rPr lang="en-US" b="1" dirty="0" smtClean="0">
+                <a:solidFill>
+                  <a:srgbClr val="002060"/>
+                </a:solidFill>
+              </a:rPr>
+              <a:t>HDown</a:t>
+            </a:r>
+            <a:endParaRPr lang="en-IN" b="1" dirty="0">
+              <a:solidFill>
+                <a:srgbClr val="002060"/>
+              </a:solidFill>
+            </a:endParaRPr>
+          </a:p>
+        </p:txBody>
+      </p:sp>
+    </p:spTree>
+    <p:extLst>
+      <p:ext uri="{BB962C8B-B14F-4D97-AF65-F5344CB8AC3E}">
+        <p14:creationId xmlns:p14="http://schemas.microsoft.com/office/powerpoint/2010/main" val="471975904"/>
+      </p:ext>
+    </p:extLst>
+  </p:cSld>
+  <p:clrMapOvr>
+    <a:masterClrMapping/>
+  </p:clrMapOvr>
+  <p:timing>
+    <p:tnLst>
+      <p:par>
+        <p:cTn id="1" dur="indefinite" restart="never" nodeType="tmRoot">
+          <p:childTnLst>
+            <p:seq concurrent="1" nextAc="seek">
+              <p:cTn id="2" dur="indefinite" nodeType="mainSeq">
+                <p:childTnLst>
+                  <p:par>
+                    <p:cTn id="3" fill="hold">
+                      <p:stCondLst>
+                        <p:cond delay="indefinite"/>
+                      </p:stCondLst>
+                      <p:childTnLst>
+                        <p:par>
+                          <p:cTn id="4" fill="hold">
+                            <p:stCondLst>
+                              <p:cond delay="0"/>
+                            </p:stCondLst>
+                            <p:childTnLst>
+                              <p:par>
+                                <p:cTn id="5" presetID="1" presetClass="entr" presetSubtype="0" fill="hold" nodeType="clickEffect">
+                                  <p:stCondLst>
+                                    <p:cond delay="0"/>
+                                  </p:stCondLst>
+                                  <p:childTnLst>
+                                    <p:set>
+                                      <p:cBhvr>
+                                        <p:cTn id="6" dur="1" fill="hold">
+                                          <p:stCondLst>
+                                            <p:cond delay="0"/>
+                                          </p:stCondLst>
+                                        </p:cTn>
+                                        <p:tgtEl>
+                                          <p:spTgt spid="2052"/>
+                                        </p:tgtEl>
+                                        <p:attrNameLst>
+                                          <p:attrName>style.visibility</p:attrName>
+                                        </p:attrNameLst>
+                                      </p:cBhvr>
+                                      <p:to>
+                                        <p:strVal val="visible"/>
+                                      </p:to>
+                                    </p:set>
+                                  </p:childTnLst>
+                                </p:cTn>
+                              </p:par>
+                            </p:childTnLst>
+                          </p:cTn>
+                        </p:par>
+                      </p:childTnLst>
+                    </p:cTn>
+                  </p:par>
+                  <p:par>
+                    <p:cTn id="7" fill="hold">
+                      <p:stCondLst>
+                        <p:cond delay="indefinite"/>
+                      </p:stCondLst>
+                      <p:childTnLst>
+                        <p:par>
+                          <p:cTn id="8" fill="hold">
+                            <p:stCondLst>
+                              <p:cond delay="0"/>
+                            </p:stCondLst>
+                            <p:childTnLst>
+                              <p:par>
+                                <p:cTn id="9" presetID="1" presetClass="entr" presetSubtype="0" fill="hold" nodeType="clickEffect">
+                                  <p:stCondLst>
+                                    <p:cond delay="0"/>
+                                  </p:stCondLst>
+                                  <p:childTnLst>
+                                    <p:set>
+                                      <p:cBhvr>
+                                        <p:cTn id="10" dur="1" fill="hold">
+                                          <p:stCondLst>
+                                            <p:cond delay="0"/>
+                                          </p:stCondLst>
+                                        </p:cTn>
+                                        <p:tgtEl>
+                                          <p:spTgt spid="1028"/>
+                                        </p:tgtEl>
+                                        <p:attrNameLst>
+                                          <p:attrName>style.visibility</p:attrName>
+                                        </p:attrNameLst>
+                                      </p:cBhvr>
+                                      <p:to>
+                                        <p:strVal val="visible"/>
+                                      </p:to>
+                                    </p:set>
+                                  </p:childTnLst>
+                                </p:cTn>
+                              </p:par>
+                            </p:childTnLst>
+                          </p:cTn>
+                        </p:par>
+                      </p:childTnLst>
+                    </p:cTn>
+                  </p:par>
+                  <p:par>
+                    <p:cTn id="11" fill="hold">
+                      <p:stCondLst>
+                        <p:cond delay="indefinite"/>
+                      </p:stCondLst>
+                      <p:childTnLst>
+                        <p:par>
+                          <p:cTn id="12" fill="hold">
+                            <p:stCondLst>
+                              <p:cond delay="0"/>
+                            </p:stCondLst>
+                            <p:childTnLst>
+                              <p:par>
+                                <p:cTn id="13" presetID="22" presetClass="entr" presetSubtype="4" fill="hold" nodeType="clickEffect">
+                                  <p:stCondLst>
+                                    <p:cond delay="0"/>
+                                  </p:stCondLst>
+                                  <p:childTnLst>
+                                    <p:set>
+                                      <p:cBhvr>
+                                        <p:cTn id="14" dur="1" fill="hold">
+                                          <p:stCondLst>
+                                            <p:cond delay="0"/>
+                                          </p:stCondLst>
+                                        </p:cTn>
+                                        <p:tgtEl>
+                                          <p:spTgt spid="1026"/>
+                                        </p:tgtEl>
+                                        <p:attrNameLst>
+                                          <p:attrName>style.visibility</p:attrName>
+                                        </p:attrNameLst>
+                                      </p:cBhvr>
+                                      <p:to>
+                                        <p:strVal val="visible"/>
+                                      </p:to>
+                                    </p:set>
+                                    <p:animEffect transition="in" filter="wipe(down)">
+                                      <p:cBhvr>
+                                        <p:cTn id="15" dur="500"/>
+                                        <p:tgtEl>
+                                          <p:spTgt spid="1026"/>
+                                        </p:tgtEl>
+                                      </p:cBhvr>
+                                    </p:animEffect>
+                                  </p:childTnLst>
+                                </p:cTn>
+                              </p:par>
+                              <p:par>
+                                <p:cTn id="16" presetID="22" presetClass="entr" presetSubtype="4" fill="hold" nodeType="withEffect">
+                                  <p:stCondLst>
+                                    <p:cond delay="0"/>
+                                  </p:stCondLst>
+                                  <p:childTnLst>
+                                    <p:set>
+                                      <p:cBhvr>
+                                        <p:cTn id="17" dur="1" fill="hold">
+                                          <p:stCondLst>
+                                            <p:cond delay="0"/>
+                                          </p:stCondLst>
+                                        </p:cTn>
+                                        <p:tgtEl>
+                                          <p:spTgt spid="1032"/>
+                                        </p:tgtEl>
+                                        <p:attrNameLst>
+                                          <p:attrName>style.visibility</p:attrName>
+                                        </p:attrNameLst>
+                                      </p:cBhvr>
+                                      <p:to>
+                                        <p:strVal val="visible"/>
+                                      </p:to>
+                                    </p:set>
+                                    <p:animEffect transition="in" filter="wipe(down)">
+                                      <p:cBhvr>
+                                        <p:cTn id="18" dur="500"/>
+                                        <p:tgtEl>
+                                          <p:spTgt spid="1032"/>
+                                        </p:tgtEl>
+                                      </p:cBhvr>
+                                    </p:animEffect>
+                                  </p:childTnLst>
+                                </p:cTn>
+                              </p:par>
+                            </p:childTnLst>
+                          </p:cTn>
+                        </p:par>
+                      </p:childTnLst>
+                    </p:cTn>
+                  </p:par>
+                  <p:par>
+                    <p:cTn id="19" fill="hold">
+                      <p:stCondLst>
+                        <p:cond delay="indefinite"/>
+                      </p:stCondLst>
+                      <p:childTnLst>
+                        <p:par>
+                          <p:cTn id="20" fill="hold">
+                            <p:stCondLst>
+                              <p:cond delay="0"/>
+                            </p:stCondLst>
+                            <p:childTnLst>
+                              <p:par>
+                                <p:cTn id="21" presetID="1" presetClass="entr" presetSubtype="0" fill="hold" grpId="0" nodeType="clickEffect">
+                                  <p:stCondLst>
+                                    <p:cond delay="0"/>
+                                  </p:stCondLst>
+                                  <p:childTnLst>
+                                    <p:set>
+                                      <p:cBhvr>
+                                        <p:cTn id="22" dur="1" fill="hold">
+                                          <p:stCondLst>
+                                            <p:cond delay="0"/>
+                                          </p:stCondLst>
+                                        </p:cTn>
+                                        <p:tgtEl>
+                                          <p:spTgt spid="19"/>
+                                        </p:tgtEl>
+                                        <p:attrNameLst>
+                                          <p:attrName>style.visibility</p:attrName>
+                                        </p:attrNameLst>
+                                      </p:cBhvr>
+                                      <p:to>
+                                        <p:strVal val="visible"/>
+                                      </p:to>
+                                    </p:set>
+                                  </p:childTnLst>
+                                </p:cTn>
+                              </p:par>
+                            </p:childTnLst>
+                          </p:cTn>
+                        </p:par>
+                      </p:childTnLst>
+                    </p:cTn>
+                  </p:par>
+                  <p:par>
+                    <p:cTn id="23" fill="hold">
+                      <p:stCondLst>
+                        <p:cond delay="indefinite"/>
+                      </p:stCondLst>
+                      <p:childTnLst>
+                        <p:par>
+                          <p:cTn id="24" fill="hold">
+                            <p:stCondLst>
+                              <p:cond delay="0"/>
+                            </p:stCondLst>
+                            <p:childTnLst>
+                              <p:par>
+                                <p:cTn id="25" presetID="22" presetClass="entr" presetSubtype="4" fill="hold" grpId="0" nodeType="clickEffect">
+                                  <p:stCondLst>
+                                    <p:cond delay="0"/>
+                                  </p:stCondLst>
+                                  <p:childTnLst>
+                                    <p:set>
+                                      <p:cBhvr>
+                                        <p:cTn id="26" dur="1" fill="hold">
+                                          <p:stCondLst>
+                                            <p:cond delay="0"/>
+                                          </p:stCondLst>
+                                        </p:cTn>
+                                        <p:tgtEl>
+                                          <p:spTgt spid="20"/>
+                                        </p:tgtEl>
+                                        <p:attrNameLst>
+                                          <p:attrName>style.visibility</p:attrName>
+                                        </p:attrNameLst>
+                                      </p:cBhvr>
+                                      <p:to>
+                                        <p:strVal val="visible"/>
+                                      </p:to>
+                                    </p:set>
+                                    <p:animEffect transition="in" filter="wipe(down)">
+                                      <p:cBhvr>
+                                        <p:cTn id="27" dur="500"/>
+                                        <p:tgtEl>
+                                          <p:spTgt spid="20"/>
+                                        </p:tgtEl>
+                                      </p:cBhvr>
+                                    </p:animEffect>
+                                  </p:childTnLst>
+                                </p:cTn>
+                              </p:par>
+                            </p:childTnLst>
+                          </p:cTn>
+                        </p:par>
+                      </p:childTnLst>
+                    </p:cTn>
+                  </p:par>
+                  <p:par>
+                    <p:cTn id="28" fill="hold">
+                      <p:stCondLst>
+                        <p:cond delay="indefinite"/>
+                      </p:stCondLst>
+                      <p:childTnLst>
+                        <p:par>
+                          <p:cTn id="29" fill="hold">
+                            <p:stCondLst>
+                              <p:cond delay="0"/>
+                            </p:stCondLst>
+                            <p:childTnLst>
+                              <p:par>
+                                <p:cTn id="30" presetID="1" presetClass="entr" presetSubtype="0" fill="hold" grpId="0" nodeType="clickEffect">
+                                  <p:stCondLst>
+                                    <p:cond delay="0"/>
+                                  </p:stCondLst>
+                                  <p:childTnLst>
+                                    <p:set>
+                                      <p:cBhvr>
+                                        <p:cTn id="31" dur="1" fill="hold">
+                                          <p:stCondLst>
+                                            <p:cond delay="0"/>
+                                          </p:stCondLst>
+                                        </p:cTn>
+                                        <p:tgtEl>
+                                          <p:spTgt spid="27"/>
+                                        </p:tgtEl>
+                                        <p:attrNameLst>
+                                          <p:attrName>style.visibility</p:attrName>
+                                        </p:attrNameLst>
+                                      </p:cBhvr>
+                                      <p:to>
+                                        <p:strVal val="visible"/>
+                                      </p:to>
+                                    </p:set>
+                                  </p:childTnLst>
+                                </p:cTn>
+                              </p:par>
+                            </p:childTnLst>
+                          </p:cTn>
+                        </p:par>
+                      </p:childTnLst>
+                    </p:cTn>
+                  </p:par>
+                  <p:par>
+                    <p:cTn id="32" fill="hold">
+                      <p:stCondLst>
+                        <p:cond delay="indefinite"/>
+                      </p:stCondLst>
+                      <p:childTnLst>
+                        <p:par>
+                          <p:cTn id="33" fill="hold">
+                            <p:stCondLst>
+                              <p:cond delay="0"/>
+                            </p:stCondLst>
+                            <p:childTnLst>
+                              <p:par>
+                                <p:cTn id="34" presetID="22" presetClass="entr" presetSubtype="4" fill="hold" grpId="0" nodeType="clickEffect">
+                                  <p:stCondLst>
+                                    <p:cond delay="0"/>
+                                  </p:stCondLst>
+                                  <p:childTnLst>
+                                    <p:set>
+                                      <p:cBhvr>
+                                        <p:cTn id="35" dur="1" fill="hold">
+                                          <p:stCondLst>
+                                            <p:cond delay="0"/>
+                                          </p:stCondLst>
+                                        </p:cTn>
+                                        <p:tgtEl>
+                                          <p:spTgt spid="31"/>
+                                        </p:tgtEl>
+                                        <p:attrNameLst>
+                                          <p:attrName>style.visibility</p:attrName>
+                                        </p:attrNameLst>
+                                      </p:cBhvr>
+                                      <p:to>
+                                        <p:strVal val="visible"/>
+                                      </p:to>
+                                    </p:set>
+                                    <p:animEffect transition="in" filter="wipe(down)">
+                                      <p:cBhvr>
+                                        <p:cTn id="36" dur="500"/>
+                                        <p:tgtEl>
+                                          <p:spTgt spid="31"/>
+                                        </p:tgtEl>
+                                      </p:cBhvr>
+                                    </p:animEffect>
+                                  </p:childTnLst>
+                                </p:cTn>
+                              </p:par>
+                            </p:childTnLst>
+                          </p:cTn>
+                        </p:par>
+                      </p:childTnLst>
+                    </p:cTn>
+                  </p:par>
+                  <p:par>
+                    <p:cTn id="37" fill="hold">
+                      <p:stCondLst>
+                        <p:cond delay="indefinite"/>
+                      </p:stCondLst>
+                      <p:childTnLst>
+                        <p:par>
+                          <p:cTn id="38" fill="hold">
+                            <p:stCondLst>
+                              <p:cond delay="0"/>
+                            </p:stCondLst>
+                            <p:childTnLst>
+                              <p:par>
+                                <p:cTn id="39" presetID="1" presetClass="entr" presetSubtype="0" fill="hold" grpId="0" nodeType="clickEffect">
+                                  <p:stCondLst>
+                                    <p:cond delay="0"/>
+                                  </p:stCondLst>
+                                  <p:childTnLst>
+                                    <p:set>
+                                      <p:cBhvr>
+                                        <p:cTn id="40" dur="1" fill="hold">
+                                          <p:stCondLst>
+                                            <p:cond delay="0"/>
+                                          </p:stCondLst>
+                                        </p:cTn>
+                                        <p:tgtEl>
+                                          <p:spTgt spid="50"/>
+                                        </p:tgtEl>
+                                        <p:attrNameLst>
+                                          <p:attrName>style.visibility</p:attrName>
+                                        </p:attrNameLst>
+                                      </p:cBhvr>
+                                      <p:to>
+                                        <p:strVal val="visible"/>
+                                      </p:to>
+                                    </p:set>
+                                  </p:childTnLst>
+                                </p:cTn>
+                              </p:par>
+                            </p:childTnLst>
+                          </p:cTn>
+                        </p:par>
+                      </p:childTnLst>
+                    </p:cTn>
+                  </p:par>
+                  <p:par>
+                    <p:cTn id="41" fill="hold">
+                      <p:stCondLst>
+                        <p:cond delay="indefinite"/>
+                      </p:stCondLst>
+                      <p:childTnLst>
+                        <p:par>
+                          <p:cTn id="42" fill="hold">
+                            <p:stCondLst>
+                              <p:cond delay="0"/>
+                            </p:stCondLst>
+                            <p:childTnLst>
+                              <p:par>
+                                <p:cTn id="43" presetID="1" presetClass="entr" presetSubtype="0" fill="hold" grpId="0" nodeType="clickEffect">
+                                  <p:stCondLst>
+                                    <p:cond delay="0"/>
+                                  </p:stCondLst>
+                                  <p:childTnLst>
+                                    <p:set>
+                                      <p:cBhvr>
+                                        <p:cTn id="44" dur="1" fill="hold">
+                                          <p:stCondLst>
+                                            <p:cond delay="0"/>
+                                          </p:stCondLst>
+                                        </p:cTn>
+                                        <p:tgtEl>
+                                          <p:spTgt spid="24"/>
+                                        </p:tgtEl>
+                                        <p:attrNameLst>
+                                          <p:attrName>style.visibility</p:attrName>
+                                        </p:attrNameLst>
+                                      </p:cBhvr>
+                                      <p:to>
+                                        <p:strVal val="visible"/>
+                                      </p:to>
+                                    </p:set>
+                                  </p:childTnLst>
+                                </p:cTn>
+                              </p:par>
+                              <p:par>
+                                <p:cTn id="45" presetID="1" presetClass="entr" presetSubtype="0" fill="hold" grpId="0" nodeType="withEffect">
+                                  <p:stCondLst>
+                                    <p:cond delay="0"/>
+                                  </p:stCondLst>
+                                  <p:childTnLst>
+                                    <p:set>
+                                      <p:cBhvr>
+                                        <p:cTn id="46" dur="1" fill="hold">
+                                          <p:stCondLst>
+                                            <p:cond delay="0"/>
+                                          </p:stCondLst>
+                                        </p:cTn>
+                                        <p:tgtEl>
+                                          <p:spTgt spid="25"/>
+                                        </p:tgtEl>
+                                        <p:attrNameLst>
+                                          <p:attrName>style.visibility</p:attrName>
+                                        </p:attrNameLst>
+                                      </p:cBhvr>
+                                      <p:to>
+                                        <p:strVal val="visible"/>
+                                      </p:to>
+                                    </p:set>
+                                  </p:childTnLst>
+                                </p:cTn>
+                              </p:par>
+                            </p:childTnLst>
+                          </p:cTn>
+                        </p:par>
+                      </p:childTnLst>
+                    </p:cTn>
+                  </p:par>
+                  <p:par>
+                    <p:cTn id="47" fill="hold">
+                      <p:stCondLst>
+                        <p:cond delay="indefinite"/>
+                      </p:stCondLst>
+                      <p:childTnLst>
+                        <p:par>
+                          <p:cTn id="48" fill="hold">
+                            <p:stCondLst>
+                              <p:cond delay="0"/>
+                            </p:stCondLst>
+                            <p:childTnLst>
+                              <p:par>
+                                <p:cTn id="49" presetID="1" presetClass="entr" presetSubtype="0" fill="hold" nodeType="clickEffect">
+                                  <p:stCondLst>
+                                    <p:cond delay="0"/>
+                                  </p:stCondLst>
+                                  <p:childTnLst>
+                                    <p:set>
+                                      <p:cBhvr>
+                                        <p:cTn id="50" dur="1" fill="hold">
+                                          <p:stCondLst>
+                                            <p:cond delay="0"/>
+                                          </p:stCondLst>
+                                        </p:cTn>
+                                        <p:tgtEl>
+                                          <p:spTgt spid="1038"/>
+                                        </p:tgtEl>
+                                        <p:attrNameLst>
+                                          <p:attrName>style.visibility</p:attrName>
+                                        </p:attrNameLst>
+                                      </p:cBhvr>
+                                      <p:to>
+                                        <p:strVal val="visible"/>
+                                      </p:to>
+                                    </p:set>
+                                  </p:childTnLst>
+                                </p:cTn>
+                              </p:par>
+                            </p:childTnLst>
+                          </p:cTn>
+                        </p:par>
+                      </p:childTnLst>
+                    </p:cTn>
+                  </p:par>
+                  <p:par>
+                    <p:cTn id="51" fill="hold">
+                      <p:stCondLst>
+                        <p:cond delay="indefinite"/>
+                      </p:stCondLst>
+                      <p:childTnLst>
+                        <p:par>
+                          <p:cTn id="52" fill="hold">
+                            <p:stCondLst>
+                              <p:cond delay="0"/>
+                            </p:stCondLst>
+                            <p:childTnLst>
+                              <p:par>
+                                <p:cTn id="53" presetID="1" presetClass="entr" presetSubtype="0" fill="hold" nodeType="clickEffect">
+                                  <p:stCondLst>
+                                    <p:cond delay="0"/>
+                                  </p:stCondLst>
+                                  <p:childTnLst>
+                                    <p:set>
+                                      <p:cBhvr>
+                                        <p:cTn id="54" dur="1" fill="hold">
+                                          <p:stCondLst>
+                                            <p:cond delay="0"/>
+                                          </p:stCondLst>
+                                        </p:cTn>
+                                        <p:tgtEl>
+                                          <p:spTgt spid="26">
+                                            <p:txEl>
+                                              <p:pRg st="0" end="0"/>
+                                            </p:txEl>
+                                          </p:spTgt>
+                                        </p:tgtEl>
+                                        <p:attrNameLst>
+                                          <p:attrName>style.visibility</p:attrName>
+                                        </p:attrNameLst>
+                                      </p:cBhvr>
+                                      <p:to>
+                                        <p:strVal val="visible"/>
+                                      </p:to>
+                                    </p:set>
+                                  </p:childTnLst>
+                                </p:cTn>
+                              </p:par>
+                            </p:childTnLst>
+                          </p:cTn>
+                        </p:par>
+                      </p:childTnLst>
+                    </p:cTn>
+                  </p:par>
+                  <p:par>
+                    <p:cTn id="55" fill="hold">
+                      <p:stCondLst>
+                        <p:cond delay="indefinite"/>
+                      </p:stCondLst>
+                      <p:childTnLst>
+                        <p:par>
+                          <p:cTn id="56" fill="hold">
+                            <p:stCondLst>
+                              <p:cond delay="0"/>
+                            </p:stCondLst>
+                            <p:childTnLst>
+                              <p:par>
+                                <p:cTn id="57" presetID="1" presetClass="entr" presetSubtype="0" fill="hold" nodeType="clickEffect">
+                                  <p:stCondLst>
+                                    <p:cond delay="0"/>
+                                  </p:stCondLst>
+                                  <p:childTnLst>
+                                    <p:set>
+                                      <p:cBhvr>
+                                        <p:cTn id="58" dur="1" fill="hold">
+                                          <p:stCondLst>
+                                            <p:cond delay="0"/>
+                                          </p:stCondLst>
+                                        </p:cTn>
+                                        <p:tgtEl>
+                                          <p:spTgt spid="26">
+                                            <p:txEl>
+                                              <p:pRg st="1" end="1"/>
+                                            </p:txEl>
+                                          </p:spTgt>
+                                        </p:tgtEl>
+                                        <p:attrNameLst>
+                                          <p:attrName>style.visibility</p:attrName>
+                                        </p:attrNameLst>
+                                      </p:cBhvr>
+                                      <p:to>
+                                        <p:strVal val="visible"/>
+                                      </p:to>
+                                    </p:set>
+                                  </p:childTnLst>
+                                </p:cTn>
+                              </p:par>
+                            </p:childTnLst>
+                          </p:cTn>
+                        </p:par>
+                      </p:childTnLst>
+                    </p:cTn>
+                  </p:par>
+                  <p:par>
+                    <p:cTn id="59" fill="hold">
+                      <p:stCondLst>
+                        <p:cond delay="indefinite"/>
+                      </p:stCondLst>
+                      <p:childTnLst>
+                        <p:par>
+                          <p:cTn id="60" fill="hold">
+                            <p:stCondLst>
+                              <p:cond delay="0"/>
+                            </p:stCondLst>
+                            <p:childTnLst>
+                              <p:par>
+                                <p:cTn id="61" presetID="1" presetClass="entr" presetSubtype="0" fill="hold" nodeType="clickEffect">
+                                  <p:stCondLst>
+                                    <p:cond delay="0"/>
+                                  </p:stCondLst>
+                                  <p:childTnLst>
+                                    <p:set>
+                                      <p:cBhvr>
+                                        <p:cTn id="62" dur="1" fill="hold">
+                                          <p:stCondLst>
+                                            <p:cond delay="0"/>
+                                          </p:stCondLst>
+                                        </p:cTn>
+                                        <p:tgtEl>
+                                          <p:spTgt spid="26">
+                                            <p:txEl>
+                                              <p:pRg st="2" end="2"/>
+                                            </p:txEl>
+                                          </p:spTgt>
+                                        </p:tgtEl>
+                                        <p:attrNameLst>
+                                          <p:attrName>style.visibility</p:attrName>
+                                        </p:attrNameLst>
+                                      </p:cBhvr>
+                                      <p:to>
+                                        <p:strVal val="visible"/>
+                                      </p:to>
+                                    </p:set>
+                                  </p:childTnLst>
+                                </p:cTn>
+                              </p:par>
+                            </p:childTnLst>
+                          </p:cTn>
+                        </p:par>
+                      </p:childTnLst>
+                    </p:cTn>
+                  </p:par>
+                  <p:par>
+                    <p:cTn id="63" fill="hold">
+                      <p:stCondLst>
+                        <p:cond delay="indefinite"/>
+                      </p:stCondLst>
+                      <p:childTnLst>
+                        <p:par>
+                          <p:cTn id="64" fill="hold">
+                            <p:stCondLst>
+                              <p:cond delay="0"/>
+                            </p:stCondLst>
+                            <p:childTnLst>
+                              <p:par>
+                                <p:cTn id="65" presetID="16" presetClass="entr" presetSubtype="21" fill="hold" nodeType="clickEffect">
+                                  <p:stCondLst>
+                                    <p:cond delay="0"/>
+                                  </p:stCondLst>
+                                  <p:childTnLst>
+                                    <p:set>
+                                      <p:cBhvr>
+                                        <p:cTn id="66" dur="1" fill="hold">
+                                          <p:stCondLst>
+                                            <p:cond delay="0"/>
+                                          </p:stCondLst>
+                                        </p:cTn>
+                                        <p:tgtEl>
+                                          <p:spTgt spid="1033"/>
+                                        </p:tgtEl>
+                                        <p:attrNameLst>
+                                          <p:attrName>style.visibility</p:attrName>
+                                        </p:attrNameLst>
+                                      </p:cBhvr>
+                                      <p:to>
+                                        <p:strVal val="visible"/>
+                                      </p:to>
+                                    </p:set>
+                                    <p:animEffect transition="in" filter="barn(inVertical)">
+                                      <p:cBhvr>
+                                        <p:cTn id="67" dur="500"/>
+                                        <p:tgtEl>
+                                          <p:spTgt spid="1033"/>
+                                        </p:tgtEl>
+                                      </p:cBhvr>
+                                    </p:animEffect>
+                                  </p:childTnLst>
+                                </p:cTn>
+                              </p:par>
+                            </p:childTnLst>
+                          </p:cTn>
+                        </p:par>
+                      </p:childTnLst>
+                    </p:cTn>
+                  </p:par>
+                  <p:par>
+                    <p:cTn id="68" fill="hold">
+                      <p:stCondLst>
+                        <p:cond delay="indefinite"/>
+                      </p:stCondLst>
+                      <p:childTnLst>
+                        <p:par>
+                          <p:cTn id="69" fill="hold">
+                            <p:stCondLst>
+                              <p:cond delay="0"/>
+                            </p:stCondLst>
+                            <p:childTnLst>
+                              <p:par>
+                                <p:cTn id="70" presetID="1" presetClass="entr" presetSubtype="0" fill="hold" nodeType="clickEffect">
+                                  <p:stCondLst>
+                                    <p:cond delay="0"/>
+                                  </p:stCondLst>
+                                  <p:childTnLst>
+                                    <p:set>
+                                      <p:cBhvr>
+                                        <p:cTn id="71" dur="1" fill="hold">
+                                          <p:stCondLst>
+                                            <p:cond delay="0"/>
+                                          </p:stCondLst>
+                                        </p:cTn>
+                                        <p:tgtEl>
+                                          <p:spTgt spid="2"/>
+                                        </p:tgtEl>
+                                        <p:attrNameLst>
+                                          <p:attrName>style.visibility</p:attrName>
+                                        </p:attrNameLst>
+                                      </p:cBhvr>
+                                      <p:to>
+                                        <p:strVal val="visible"/>
+                                      </p:to>
+                                    </p:set>
+                                  </p:childTnLst>
+                                </p:cTn>
+                              </p:par>
+                            </p:childTnLst>
+                          </p:cTn>
+                        </p:par>
+                      </p:childTnLst>
+                    </p:cTn>
+                  </p:par>
+                  <p:par>
+                    <p:cTn id="72" fill="hold">
+                      <p:stCondLst>
+                        <p:cond delay="indefinite"/>
+                      </p:stCondLst>
+                      <p:childTnLst>
+                        <p:par>
+                          <p:cTn id="73" fill="hold">
+                            <p:stCondLst>
+                              <p:cond delay="0"/>
+                            </p:stCondLst>
+                            <p:childTnLst>
+                              <p:par>
+                                <p:cTn id="74" presetID="1" presetClass="entr" presetSubtype="0" fill="hold" nodeType="clickEffect">
+                                  <p:stCondLst>
+                                    <p:cond delay="0"/>
+                                  </p:stCondLst>
+                                  <p:childTnLst>
+                                    <p:set>
+                                      <p:cBhvr>
+                                        <p:cTn id="75" dur="1" fill="hold">
+                                          <p:stCondLst>
+                                            <p:cond delay="0"/>
+                                          </p:stCondLst>
+                                        </p:cTn>
+                                        <p:tgtEl>
+                                          <p:spTgt spid="26">
+                                            <p:txEl>
+                                              <p:pRg st="3" end="3"/>
+                                            </p:txEl>
+                                          </p:spTgt>
+                                        </p:tgtEl>
+                                        <p:attrNameLst>
+                                          <p:attrName>style.visibility</p:attrName>
+                                        </p:attrNameLst>
+                                      </p:cBhvr>
+                                      <p:to>
+                                        <p:strVal val="visible"/>
+                                      </p:to>
+                                    </p:set>
+                                  </p:childTnLst>
+                                </p:cTn>
+                              </p:par>
+                            </p:childTnLst>
+                          </p:cTn>
+                        </p:par>
+                      </p:childTnLst>
+                    </p:cTn>
+                  </p:par>
+                  <p:par>
+                    <p:cTn id="76" fill="hold">
+                      <p:stCondLst>
+                        <p:cond delay="indefinite"/>
+                      </p:stCondLst>
+                      <p:childTnLst>
+                        <p:par>
+                          <p:cTn id="77" fill="hold">
+                            <p:stCondLst>
+                              <p:cond delay="0"/>
+                            </p:stCondLst>
+                            <p:childTnLst>
+                              <p:par>
+                                <p:cTn id="78" presetID="1" presetClass="entr" presetSubtype="0" fill="hold" grpId="0" nodeType="clickEffect">
+                                  <p:stCondLst>
+                                    <p:cond delay="0"/>
+                                  </p:stCondLst>
+                                  <p:childTnLst>
+                                    <p:set>
+                                      <p:cBhvr>
+                                        <p:cTn id="79" dur="1" fill="hold">
+                                          <p:stCondLst>
+                                            <p:cond delay="0"/>
+                                          </p:stCondLst>
+                                        </p:cTn>
+                                        <p:tgtEl>
+                                          <p:spTgt spid="46"/>
+                                        </p:tgtEl>
+                                        <p:attrNameLst>
+                                          <p:attrName>style.visibility</p:attrName>
+                                        </p:attrNameLst>
+                                      </p:cBhvr>
+                                      <p:to>
+                                        <p:strVal val="visible"/>
+                                      </p:to>
+                                    </p:set>
+                                  </p:childTnLst>
+                                </p:cTn>
+                              </p:par>
+                            </p:childTnLst>
+                          </p:cTn>
+                        </p:par>
+                      </p:childTnLst>
+                    </p:cTn>
+                  </p:par>
+                  <p:par>
+                    <p:cTn id="80" fill="hold">
+                      <p:stCondLst>
+                        <p:cond delay="indefinite"/>
+                      </p:stCondLst>
+                      <p:childTnLst>
+                        <p:par>
+                          <p:cTn id="81" fill="hold">
+                            <p:stCondLst>
+                              <p:cond delay="0"/>
+                            </p:stCondLst>
+                            <p:childTnLst>
+                              <p:par>
+                                <p:cTn id="82" presetID="1" presetClass="entr" presetSubtype="0" fill="hold" nodeType="clickEffect">
+                                  <p:stCondLst>
+                                    <p:cond delay="0"/>
+                                  </p:stCondLst>
+                                  <p:childTnLst>
+                                    <p:set>
+                                      <p:cBhvr>
+                                        <p:cTn id="83" dur="1" fill="hold">
+                                          <p:stCondLst>
+                                            <p:cond delay="0"/>
+                                          </p:stCondLst>
+                                        </p:cTn>
+                                        <p:tgtEl>
+                                          <p:spTgt spid="1039"/>
+                                        </p:tgtEl>
+                                        <p:attrNameLst>
+                                          <p:attrName>style.visibility</p:attrName>
+                                        </p:attrNameLst>
+                                      </p:cBhvr>
+                                      <p:to>
+                                        <p:strVal val="visible"/>
+                                      </p:to>
+                                    </p:set>
+                                  </p:childTnLst>
+                                </p:cTn>
+                              </p:par>
+                            </p:childTnLst>
+                          </p:cTn>
+                        </p:par>
+                      </p:childTnLst>
+                    </p:cTn>
+                  </p:par>
+                  <p:par>
+                    <p:cTn id="84" fill="hold">
+                      <p:stCondLst>
+                        <p:cond delay="indefinite"/>
+                      </p:stCondLst>
+                      <p:childTnLst>
+                        <p:par>
+                          <p:cTn id="85" fill="hold">
+                            <p:stCondLst>
+                              <p:cond delay="0"/>
+                            </p:stCondLst>
+                            <p:childTnLst>
+                              <p:par>
+                                <p:cTn id="86" presetID="1" presetClass="entr" presetSubtype="0" fill="hold" grpId="0" nodeType="clickEffect">
+                                  <p:stCondLst>
+                                    <p:cond delay="0"/>
+                                  </p:stCondLst>
+                                  <p:childTnLst>
+                                    <p:set>
+                                      <p:cBhvr>
+                                        <p:cTn id="87" dur="1" fill="hold">
+                                          <p:stCondLst>
+                                            <p:cond delay="0"/>
+                                          </p:stCondLst>
+                                        </p:cTn>
+                                        <p:tgtEl>
+                                          <p:spTgt spid="47"/>
+                                        </p:tgtEl>
+                                        <p:attrNameLst>
+                                          <p:attrName>style.visibility</p:attrName>
+                                        </p:attrNameLst>
+                                      </p:cBhvr>
+                                      <p:to>
+                                        <p:strVal val="visible"/>
+                                      </p:to>
+                                    </p:set>
+                                  </p:childTnLst>
+                                </p:cTn>
+                              </p:par>
+                            </p:childTnLst>
+                          </p:cTn>
+                        </p:par>
+                      </p:childTnLst>
+                    </p:cTn>
+                  </p:par>
+                  <p:par>
+                    <p:cTn id="88" fill="hold">
+                      <p:stCondLst>
+                        <p:cond delay="indefinite"/>
+                      </p:stCondLst>
+                      <p:childTnLst>
+                        <p:par>
+                          <p:cTn id="89" fill="hold">
+                            <p:stCondLst>
+                              <p:cond delay="0"/>
+                            </p:stCondLst>
+                            <p:childTnLst>
+                              <p:par>
+                                <p:cTn id="90" presetID="1" presetClass="entr" presetSubtype="0" fill="hold" nodeType="clickEffect">
+                                  <p:stCondLst>
+                                    <p:cond delay="0"/>
+                                  </p:stCondLst>
+                                  <p:childTnLst>
+                                    <p:set>
+                                      <p:cBhvr>
+                                        <p:cTn id="91" dur="1" fill="hold">
+                                          <p:stCondLst>
+                                            <p:cond delay="0"/>
+                                          </p:stCondLst>
+                                        </p:cTn>
+                                        <p:tgtEl>
+                                          <p:spTgt spid="45"/>
+                                        </p:tgtEl>
+                                        <p:attrNameLst>
+                                          <p:attrName>style.visibility</p:attrName>
+                                        </p:attrNameLst>
+                                      </p:cBhvr>
+                                      <p:to>
+                                        <p:strVal val="visible"/>
+                                      </p:to>
+                                    </p:set>
+                                  </p:childTnLst>
+                                </p:cTn>
+                              </p:par>
+                              <p:par>
+                                <p:cTn id="92" presetID="1" presetClass="entr" presetSubtype="0" fill="hold" nodeType="withEffect">
+                                  <p:stCondLst>
+                                    <p:cond delay="0"/>
+                                  </p:stCondLst>
+                                  <p:childTnLst>
+                                    <p:set>
+                                      <p:cBhvr>
+                                        <p:cTn id="93" dur="1" fill="hold">
+                                          <p:stCondLst>
+                                            <p:cond delay="0"/>
+                                          </p:stCondLst>
+                                        </p:cTn>
+                                        <p:tgtEl>
+                                          <p:spTgt spid="1040"/>
+                                        </p:tgtEl>
+                                        <p:attrNameLst>
+                                          <p:attrName>style.visibility</p:attrName>
+                                        </p:attrNameLst>
+                                      </p:cBhvr>
+                                      <p:to>
+                                        <p:strVal val="visible"/>
+                                      </p:to>
+                                    </p:set>
+                                  </p:childTnLst>
+                                </p:cTn>
+                              </p:par>
+                            </p:childTnLst>
+                          </p:cTn>
+                        </p:par>
+                      </p:childTnLst>
+                    </p:cTn>
+                  </p:par>
+                  <p:par>
+                    <p:cTn id="94" fill="hold">
+                      <p:stCondLst>
+                        <p:cond delay="indefinite"/>
+                      </p:stCondLst>
+                      <p:childTnLst>
+                        <p:par>
+                          <p:cTn id="95" fill="hold">
+                            <p:stCondLst>
+                              <p:cond delay="0"/>
+                            </p:stCondLst>
+                            <p:childTnLst>
+                              <p:par>
+                                <p:cTn id="96" presetID="1" presetClass="entr" presetSubtype="0" fill="hold" grpId="0" nodeType="clickEffect">
+                                  <p:stCondLst>
+                                    <p:cond delay="0"/>
+                                  </p:stCondLst>
+                                  <p:childTnLst>
+                                    <p:set>
+                                      <p:cBhvr>
+                                        <p:cTn id="97" dur="1" fill="hold">
+                                          <p:stCondLst>
+                                            <p:cond delay="0"/>
+                                          </p:stCondLst>
+                                        </p:cTn>
+                                        <p:tgtEl>
+                                          <p:spTgt spid="42"/>
+                                        </p:tgtEl>
+                                        <p:attrNameLst>
+                                          <p:attrName>style.visibility</p:attrName>
+                                        </p:attrNameLst>
+                                      </p:cBhvr>
+                                      <p:to>
+                                        <p:strVal val="visible"/>
+                                      </p:to>
+                                    </p:set>
+                                  </p:childTnLst>
+                                </p:cTn>
+                              </p:par>
+                            </p:childTnLst>
+                          </p:cTn>
+                        </p:par>
+                      </p:childTnLst>
+                    </p:cTn>
+                  </p:par>
+                </p:childTnLst>
+              </p:cTn>
+              <p:prevCondLst>
+                <p:cond evt="onPrev" delay="0">
+                  <p:tgtEl>
+                    <p:sldTgt/>
+                  </p:tgtEl>
+                </p:cond>
+              </p:prevCondLst>
+              <p:nextCondLst>
+                <p:cond evt="onNext" delay="0">
+                  <p:tgtEl>
+                    <p:sldTgt/>
+                  </p:tgtEl>
+                </p:cond>
+              </p:nextCondLst>
+            </p:seq>
+          </p:childTnLst>
+        </p:cTn>
+      </p:par>
+    </p:tnLst>
+    <p:bldLst>
+      <p:bldP spid="19" grpId="0"/>
+      <p:bldP spid="20" grpId="0" animBg="1"/>
+      <p:bldP spid="31" grpId="0" animBg="1"/>
+      <p:bldP spid="24" grpId="0" animBg="1"/>
+      <p:bldP spid="25" grpId="0" animBg="1"/>
+      <p:bldP spid="42" grpId="0"/>
+      <p:bldP spid="46" grpId="0" animBg="1"/>
+      <p:bldP spid="47" grpId="0" animBg="1"/>
+      <p:bldP spid="27" grpId="0"/>
+      <p:bldP spid="50" grpId="0"/>
+    </p:bldLst>
+  </p:timing>
+</p:sld>
+</file>
+
+<file path=ppt/slides/slide5.xml><?xml version="1.0" encoding="utf-8"?>
+<p:sld xmlns:a="http://schemas.openxmlformats.org/drawingml/2006/main" xmlns:r="http://schemas.openxmlformats.org/officeDocument/2006/relationships" xmlns:p="http://schemas.openxmlformats.org/presentationml/2006/main">
+  <p:cSld>
+    <p:spTree>
+      <p:nvGrpSpPr>
+        <p:cNvPr id="1" name=""/>
+        <p:cNvGrpSpPr/>
+        <p:nvPr/>
+      </p:nvGrpSpPr>
+      <p:grpSpPr>
+        <a:xfrm>
+          <a:off x="0" y="0"/>
+          <a:ext cx="0" cy="0"/>
+          <a:chOff x="0" y="0"/>
+          <a:chExt cx="0" cy="0"/>
+        </a:xfrm>
+      </p:grpSpPr>
+      <p:sp>
+        <p:nvSpPr>
+          <p:cNvPr id="4" name="Rectangle: Rounded Corners 3">
+            <a:extLst>
+              <a:ext uri="{FF2B5EF4-FFF2-40B4-BE49-F238E27FC236}">
+                <a16:creationId xmlns="" xmlns:a16="http://schemas.microsoft.com/office/drawing/2014/main" id="{EF32E8AF-9380-4664-B1A8-8FDD16384245}"/>
+              </a:ext>
+            </a:extLst>
+          </p:cNvPr>
+          <p:cNvSpPr/>
+          <p:nvPr/>
+        </p:nvSpPr>
+        <p:spPr>
+          <a:xfrm>
+            <a:off x="0" y="360218"/>
+            <a:ext cx="12192000" cy="872836"/>
+          </a:xfrm>
+          <a:prstGeom prst="roundRect">
+            <a:avLst/>
+          </a:prstGeom>
+        </p:spPr>
+        <p:style>
+          <a:lnRef idx="1">
+            <a:schemeClr val="accent3"/>
+          </a:lnRef>
+          <a:fillRef idx="2">
+            <a:schemeClr val="accent3"/>
+          </a:fillRef>
+          <a:effectRef idx="1">
+            <a:schemeClr val="accent3"/>
+          </a:effectRef>
+          <a:fontRef idx="minor">
+            <a:schemeClr val="dk1"/>
+          </a:fontRef>
+        </p:style>
+        <p:txBody>
+          <a:bodyPr rtlCol="0" anchor="ctr"/>
+          <a:lstStyle/>
+          <a:p>
+            <a:pPr algn="ctr"/>
+            <a:r>
+              <a:rPr lang="en-US" sz="3600" b="1" dirty="0" smtClean="0">
+                <a:latin typeface="Bell MT" pitchFamily="18" charset="0"/>
+              </a:rPr>
+              <a:t>Simple Use Case-1</a:t>
+            </a:r>
+            <a:endParaRPr lang="en-IN" sz="4000" b="1" dirty="0">
+              <a:solidFill>
+                <a:schemeClr val="tx2">
+                  <a:lumMod val="75000"/>
+                </a:schemeClr>
+              </a:solidFill>
+              <a:latin typeface="Bell MT" pitchFamily="18" charset="0"/>
+            </a:endParaRPr>
+          </a:p>
+        </p:txBody>
+      </p:sp>
+      <p:sp>
+        <p:nvSpPr>
+          <p:cNvPr id="7" name="TextBox 6">
+            <a:extLst>
+              <a:ext uri="{FF2B5EF4-FFF2-40B4-BE49-F238E27FC236}">
+                <a16:creationId xmlns="" xmlns:a16="http://schemas.microsoft.com/office/drawing/2014/main" id="{D11C6DEC-D04E-4D85-B7B2-A4296C78BC94}"/>
+              </a:ext>
+            </a:extLst>
+          </p:cNvPr>
+          <p:cNvSpPr txBox="1"/>
+          <p:nvPr/>
+        </p:nvSpPr>
+        <p:spPr>
+          <a:xfrm>
+            <a:off x="0" y="6074704"/>
+            <a:ext cx="12192000" cy="523220"/>
+          </a:xfrm>
+          <a:prstGeom prst="rect">
+            <a:avLst/>
+          </a:prstGeom>
+        </p:spPr>
+        <p:style>
+          <a:lnRef idx="1">
+            <a:schemeClr val="accent3"/>
+          </a:lnRef>
+          <a:fillRef idx="2">
+            <a:schemeClr val="accent3"/>
+          </a:fillRef>
+          <a:effectRef idx="1">
+            <a:schemeClr val="accent3"/>
+          </a:effectRef>
+          <a:fontRef idx="minor">
+            <a:schemeClr val="dk1"/>
+          </a:fontRef>
+        </p:style>
+        <p:txBody>
+          <a:bodyPr wrap="square" rtlCol="0">
+            <a:spAutoFit/>
+          </a:bodyPr>
+          <a:lstStyle/>
+          <a:p>
+            <a:r>
+              <a:rPr lang="en-US" sz="2800" b="1" dirty="0">
+                <a:solidFill>
+                  <a:schemeClr val="accent2">
+                    <a:lumMod val="75000"/>
+                  </a:schemeClr>
+                </a:solidFill>
+                <a:latin typeface="Bell MT" pitchFamily="18" charset="0"/>
+              </a:rPr>
+              <a:t>Stack</a:t>
+            </a:r>
+            <a:r>
+              <a:rPr lang="en-US" sz="2800" b="1" dirty="0">
+                <a:solidFill>
+                  <a:schemeClr val="tx2">
+                    <a:lumMod val="75000"/>
+                  </a:schemeClr>
+                </a:solidFill>
+                <a:latin typeface="Bell MT" pitchFamily="18" charset="0"/>
+              </a:rPr>
+              <a:t>Storm</a:t>
+            </a:r>
+            <a:r>
+              <a:rPr lang="en-US" sz="2800" b="1" dirty="0">
+                <a:latin typeface="Bell MT" pitchFamily="18" charset="0"/>
+              </a:rPr>
+              <a:t>: Event-Driven Automation Tool for DevOps and Infrastructure</a:t>
+            </a:r>
+            <a:endParaRPr lang="en-IN" sz="2800" b="1" dirty="0">
+              <a:latin typeface="Bell MT" pitchFamily="18" charset="0"/>
+            </a:endParaRPr>
+          </a:p>
+        </p:txBody>
+      </p:sp>
+      <p:pic>
+        <p:nvPicPr>
+          <p:cNvPr id="3" name="Picture 2"/>
+          <p:cNvPicPr>
+            <a:picLocks noChangeAspect="1" noChangeArrowheads="1"/>
+          </p:cNvPicPr>
+          <p:nvPr/>
+        </p:nvPicPr>
+        <p:blipFill>
+          <a:blip r:embed="rId3">
+            <a:extLst>
+              <a:ext uri="{28A0092B-C50C-407E-A947-70E740481C1C}">
+                <a14:useLocalDpi xmlns:a14="http://schemas.microsoft.com/office/drawing/2010/main" val="0"/>
+              </a:ext>
+            </a:extLst>
+          </a:blip>
+          <a:srcRect/>
+          <a:stretch>
+            <a:fillRect/>
+          </a:stretch>
+        </p:blipFill>
+        <p:spPr bwMode="auto">
+          <a:xfrm>
+            <a:off x="4901988" y="4695820"/>
+            <a:ext cx="1123131" cy="1123131"/>
+          </a:xfrm>
+          <a:prstGeom prst="rect">
+            <a:avLst/>
+          </a:prstGeom>
+          <a:noFill/>
+          <a:ln>
+            <a:noFill/>
+          </a:ln>
+          <a:effectLst/>
+          <a:extLst>
+            <a:ext uri="{909E8E84-426E-40DD-AFC4-6F175D3DCCD1}">
+              <a14:hiddenFill xmlns:a14="http://schemas.microsoft.com/office/drawing/2010/main">
+                <a:solidFill>
+                  <a:schemeClr val="accent1"/>
+                </a:solidFill>
+              </a14:hiddenFill>
+            </a:ext>
+            <a:ext uri="{91240B29-F687-4F45-9708-019B960494DF}">
+              <a14:hiddenLine xmlns:a14="http://schemas.microsoft.com/office/drawing/2010/main" w="9525">
+                <a:solidFill>
+                  <a:schemeClr val="tx1"/>
+                </a:solidFill>
+                <a:miter lim="800000"/>
+                <a:headEnd/>
+                <a:tailEnd/>
+              </a14:hiddenLine>
+            </a:ext>
+            <a:ext uri="{AF507438-7753-43E0-B8FC-AC1667EBCBE1}">
+              <a14:hiddenEffects xmlns:a14="http://schemas.microsoft.com/office/drawing/2010/main">
+                <a:effectLst>
+                  <a:outerShdw dist="35921" dir="2700000" algn="ctr" rotWithShape="0">
+                    <a:schemeClr val="bg2"/>
+                  </a:outerShdw>
+                </a:effectLst>
+              </a14:hiddenEffects>
+            </a:ext>
+          </a:extLst>
+        </p:spPr>
+      </p:pic>
+      <p:pic>
+        <p:nvPicPr>
+          <p:cNvPr id="2053" name="Picture 5"/>
+          <p:cNvPicPr>
+            <a:picLocks noChangeAspect="1" noChangeArrowheads="1"/>
+          </p:cNvPicPr>
+          <p:nvPr/>
+        </p:nvPicPr>
+        <p:blipFill>
+          <a:blip r:embed="rId4" cstate="print">
+            <a:extLst>
+              <a:ext uri="{28A0092B-C50C-407E-A947-70E740481C1C}">
+                <a14:useLocalDpi xmlns:a14="http://schemas.microsoft.com/office/drawing/2010/main" val="0"/>
+              </a:ext>
+            </a:extLst>
+          </a:blip>
+          <a:srcRect/>
+          <a:stretch>
+            <a:fillRect/>
+          </a:stretch>
+        </p:blipFill>
+        <p:spPr bwMode="auto">
+          <a:xfrm>
+            <a:off x="5114478" y="4170343"/>
+            <a:ext cx="698152" cy="529517"/>
+          </a:xfrm>
+          <a:prstGeom prst="rect">
+            <a:avLst/>
+          </a:prstGeom>
+          <a:noFill/>
+          <a:ln>
+            <a:noFill/>
+          </a:ln>
+          <a:effectLst/>
+          <a:extLst>
+            <a:ext uri="{909E8E84-426E-40DD-AFC4-6F175D3DCCD1}">
+              <a14:hiddenFill xmlns:a14="http://schemas.microsoft.com/office/drawing/2010/main">
+                <a:solidFill>
+                  <a:schemeClr val="accent1"/>
+                </a:solidFill>
+              </a14:hiddenFill>
+            </a:ext>
+            <a:ext uri="{91240B29-F687-4F45-9708-019B960494DF}">
+              <a14:hiddenLine xmlns:a14="http://schemas.microsoft.com/office/drawing/2010/main" w="9525">
+                <a:solidFill>
+                  <a:schemeClr val="tx1"/>
+                </a:solidFill>
+                <a:miter lim="800000"/>
+                <a:headEnd/>
+                <a:tailEnd/>
+              </a14:hiddenLine>
+            </a:ext>
+            <a:ext uri="{AF507438-7753-43E0-B8FC-AC1667EBCBE1}">
+              <a14:hiddenEffects xmlns:a14="http://schemas.microsoft.com/office/drawing/2010/main">
+                <a:effectLst>
+                  <a:outerShdw dist="35921" dir="2700000" algn="ctr" rotWithShape="0">
+                    <a:schemeClr val="bg2"/>
+                  </a:outerShdw>
+                </a:effectLst>
+              </a14:hiddenEffects>
+            </a:ext>
+          </a:extLst>
+        </p:spPr>
+      </p:pic>
+      <p:pic>
+        <p:nvPicPr>
+          <p:cNvPr id="10" name="Picture 3"/>
+          <p:cNvPicPr>
+            <a:picLocks noChangeAspect="1" noChangeArrowheads="1"/>
+          </p:cNvPicPr>
+          <p:nvPr/>
+        </p:nvPicPr>
+        <p:blipFill>
+          <a:blip r:embed="rId5" cstate="print">
+            <a:extLst>
+              <a:ext uri="{28A0092B-C50C-407E-A947-70E740481C1C}">
+                <a14:useLocalDpi xmlns:a14="http://schemas.microsoft.com/office/drawing/2010/main" val="0"/>
+              </a:ext>
+            </a:extLst>
+          </a:blip>
+          <a:srcRect/>
+          <a:stretch>
+            <a:fillRect/>
+          </a:stretch>
+        </p:blipFill>
+        <p:spPr bwMode="auto">
+          <a:xfrm>
+            <a:off x="5029159" y="2238233"/>
+            <a:ext cx="868790" cy="868790"/>
+          </a:xfrm>
+          <a:prstGeom prst="rect">
+            <a:avLst/>
+          </a:prstGeom>
+          <a:noFill/>
+          <a:ln>
+            <a:noFill/>
+          </a:ln>
+          <a:effectLst/>
+          <a:extLst>
+            <a:ext uri="{909E8E84-426E-40DD-AFC4-6F175D3DCCD1}">
+              <a14:hiddenFill xmlns:a14="http://schemas.microsoft.com/office/drawing/2010/main">
+                <a:solidFill>
+                  <a:schemeClr val="accent1"/>
+                </a:solidFill>
+              </a14:hiddenFill>
+            </a:ext>
+            <a:ext uri="{91240B29-F687-4F45-9708-019B960494DF}">
+              <a14:hiddenLine xmlns:a14="http://schemas.microsoft.com/office/drawing/2010/main" w="9525">
+                <a:solidFill>
+                  <a:schemeClr val="tx1"/>
+                </a:solidFill>
+                <a:miter lim="800000"/>
+                <a:headEnd/>
+                <a:tailEnd/>
+              </a14:hiddenLine>
+            </a:ext>
+            <a:ext uri="{AF507438-7753-43E0-B8FC-AC1667EBCBE1}">
+              <a14:hiddenEffects xmlns:a14="http://schemas.microsoft.com/office/drawing/2010/main">
+                <a:effectLst>
+                  <a:outerShdw dist="35921" dir="2700000" algn="ctr" rotWithShape="0">
+                    <a:schemeClr val="bg2"/>
+                  </a:outerShdw>
+                </a:effectLst>
+              </a14:hiddenEffects>
+            </a:ext>
+          </a:extLst>
+        </p:spPr>
+      </p:pic>
+      <p:sp>
+        <p:nvSpPr>
+          <p:cNvPr id="8" name="Curved Right Arrow 7"/>
+          <p:cNvSpPr/>
+          <p:nvPr/>
+        </p:nvSpPr>
+        <p:spPr>
+          <a:xfrm rot="10800000" flipH="1">
+            <a:off x="3636397" y="2579245"/>
+            <a:ext cx="962824" cy="2975394"/>
+          </a:xfrm>
+          <a:prstGeom prst="curvedRightArrow">
+            <a:avLst/>
+          </a:prstGeom>
+        </p:spPr>
+        <p:style>
+          <a:lnRef idx="1">
+            <a:schemeClr val="dk1"/>
+          </a:lnRef>
+          <a:fillRef idx="2">
+            <a:schemeClr val="dk1"/>
+          </a:fillRef>
+          <a:effectRef idx="1">
+            <a:schemeClr val="dk1"/>
+          </a:effectRef>
+          <a:fontRef idx="minor">
+            <a:schemeClr val="dk1"/>
+          </a:fontRef>
+        </p:style>
+        <p:txBody>
+          <a:bodyPr rtlCol="0" anchor="ctr"/>
+          <a:lstStyle/>
+          <a:p>
+            <a:pPr algn="ctr"/>
+            <a:endParaRPr lang="en-IN">
+              <a:solidFill>
+                <a:schemeClr val="tx1"/>
+              </a:solidFill>
+            </a:endParaRPr>
+          </a:p>
+        </p:txBody>
+      </p:sp>
+      <p:sp>
+        <p:nvSpPr>
+          <p:cNvPr id="9" name="Curved Left Arrow 8"/>
+          <p:cNvSpPr/>
+          <p:nvPr/>
+        </p:nvSpPr>
+        <p:spPr>
+          <a:xfrm>
+            <a:off x="6259774" y="2672628"/>
+            <a:ext cx="1039504" cy="3018488"/>
+          </a:xfrm>
+          <a:prstGeom prst="curvedLeftArrow">
+            <a:avLst/>
+          </a:prstGeom>
+        </p:spPr>
+        <p:style>
+          <a:lnRef idx="1">
+            <a:schemeClr val="accent6"/>
+          </a:lnRef>
+          <a:fillRef idx="3">
+            <a:schemeClr val="accent6"/>
+          </a:fillRef>
+          <a:effectRef idx="2">
+            <a:schemeClr val="accent6"/>
+          </a:effectRef>
+          <a:fontRef idx="minor">
+            <a:schemeClr val="lt1"/>
+          </a:fontRef>
+        </p:style>
+        <p:txBody>
+          <a:bodyPr rtlCol="0" anchor="ctr"/>
+          <a:lstStyle/>
+          <a:p>
+            <a:pPr algn="ctr"/>
+            <a:endParaRPr lang="en-IN">
+              <a:solidFill>
+                <a:schemeClr val="tx1"/>
+              </a:solidFill>
+            </a:endParaRPr>
+          </a:p>
+        </p:txBody>
+      </p:sp>
+      <p:sp>
+        <p:nvSpPr>
+          <p:cNvPr id="11" name="Right Arrow 10"/>
+          <p:cNvSpPr/>
+          <p:nvPr/>
+        </p:nvSpPr>
+        <p:spPr>
+          <a:xfrm>
+            <a:off x="6259774" y="2308623"/>
+            <a:ext cx="3366449" cy="270621"/>
+          </a:xfrm>
+          <a:prstGeom prst="rightArrow">
+            <a:avLst/>
+          </a:prstGeom>
+        </p:spPr>
+        <p:style>
+          <a:lnRef idx="0">
+            <a:schemeClr val="accent2"/>
+          </a:lnRef>
+          <a:fillRef idx="3">
+            <a:schemeClr val="accent2"/>
+          </a:fillRef>
+          <a:effectRef idx="3">
+            <a:schemeClr val="accent2"/>
+          </a:effectRef>
+          <a:fontRef idx="minor">
+            <a:schemeClr val="lt1"/>
+          </a:fontRef>
+        </p:style>
+        <p:txBody>
+          <a:bodyPr rtlCol="0" anchor="ctr"/>
+          <a:lstStyle/>
+          <a:p>
+            <a:pPr algn="ctr"/>
+            <a:endParaRPr lang="en-IN"/>
+          </a:p>
+        </p:txBody>
+      </p:sp>
+      <p:pic>
+        <p:nvPicPr>
+          <p:cNvPr id="2054" name="Picture 6"/>
+          <p:cNvPicPr>
+            <a:picLocks noChangeAspect="1" noChangeArrowheads="1"/>
+          </p:cNvPicPr>
+          <p:nvPr/>
+        </p:nvPicPr>
+        <p:blipFill>
+          <a:blip r:embed="rId6" cstate="print">
+            <a:extLst>
+              <a:ext uri="{28A0092B-C50C-407E-A947-70E740481C1C}">
+                <a14:useLocalDpi xmlns:a14="http://schemas.microsoft.com/office/drawing/2010/main" val="0"/>
+              </a:ext>
+            </a:extLst>
+          </a:blip>
+          <a:srcRect/>
+          <a:stretch>
+            <a:fillRect/>
+          </a:stretch>
+        </p:blipFill>
+        <p:spPr bwMode="auto">
+          <a:xfrm>
+            <a:off x="9626223" y="1828427"/>
+            <a:ext cx="1518229" cy="1367126"/>
+          </a:xfrm>
+          <a:prstGeom prst="rect">
+            <a:avLst/>
+          </a:prstGeom>
+          <a:noFill/>
+          <a:ln>
+            <a:noFill/>
+          </a:ln>
+          <a:effectLst/>
+          <a:extLst>
+            <a:ext uri="{909E8E84-426E-40DD-AFC4-6F175D3DCCD1}">
+              <a14:hiddenFill xmlns:a14="http://schemas.microsoft.com/office/drawing/2010/main">
+                <a:solidFill>
+                  <a:schemeClr val="accent1"/>
+                </a:solidFill>
+              </a14:hiddenFill>
+            </a:ext>
+            <a:ext uri="{91240B29-F687-4F45-9708-019B960494DF}">
+              <a14:hiddenLine xmlns:a14="http://schemas.microsoft.com/office/drawing/2010/main" w="9525">
+                <a:solidFill>
+                  <a:schemeClr val="tx1"/>
+                </a:solidFill>
+                <a:miter lim="800000"/>
+                <a:headEnd/>
+                <a:tailEnd/>
+              </a14:hiddenLine>
+            </a:ext>
+            <a:ext uri="{AF507438-7753-43E0-B8FC-AC1667EBCBE1}">
+              <a14:hiddenEffects xmlns:a14="http://schemas.microsoft.com/office/drawing/2010/main">
+                <a:effectLst>
+                  <a:outerShdw dist="35921" dir="2700000" algn="ctr" rotWithShape="0">
+                    <a:schemeClr val="bg2"/>
+                  </a:outerShdw>
+                </a:effectLst>
+              </a14:hiddenEffects>
+            </a:ext>
+          </a:extLst>
+        </p:spPr>
+      </p:pic>
+      <p:sp>
+        <p:nvSpPr>
+          <p:cNvPr id="12" name="TextBox 11"/>
+          <p:cNvSpPr txBox="1"/>
+          <p:nvPr/>
+        </p:nvSpPr>
+        <p:spPr>
+          <a:xfrm>
+            <a:off x="259307" y="3543062"/>
+            <a:ext cx="3377089" cy="646331"/>
+          </a:xfrm>
+          <a:prstGeom prst="rect">
+            <a:avLst/>
+          </a:prstGeom>
+          <a:noFill/>
+        </p:spPr>
+        <p:txBody>
+          <a:bodyPr wrap="square" rtlCol="0">
+            <a:spAutoFit/>
+          </a:bodyPr>
+          <a:lstStyle/>
+          <a:p>
+            <a:pPr algn="ctr"/>
+            <a:r>
+              <a:rPr lang="en-US" b="1" dirty="0" smtClean="0">
+                <a:solidFill>
+                  <a:srgbClr val="FF0000"/>
+                </a:solidFill>
+              </a:rPr>
+              <a:t>Sensors</a:t>
+            </a:r>
+          </a:p>
+          <a:p>
+            <a:pPr algn="ctr"/>
+            <a:r>
+              <a:rPr lang="en-US" b="1" dirty="0" smtClean="0">
+                <a:solidFill>
+                  <a:srgbClr val="002060"/>
+                </a:solidFill>
+              </a:rPr>
+              <a:t>(To Identify the status of Httpd)</a:t>
+            </a:r>
+          </a:p>
+        </p:txBody>
+      </p:sp>
+      <p:sp>
+        <p:nvSpPr>
+          <p:cNvPr id="13" name="TextBox 12"/>
+          <p:cNvSpPr txBox="1"/>
+          <p:nvPr/>
+        </p:nvSpPr>
+        <p:spPr>
+          <a:xfrm>
+            <a:off x="6269482" y="3715024"/>
+            <a:ext cx="2847222" cy="369332"/>
+          </a:xfrm>
+          <a:prstGeom prst="rect">
+            <a:avLst/>
+          </a:prstGeom>
+          <a:noFill/>
+        </p:spPr>
+        <p:txBody>
+          <a:bodyPr wrap="square" rtlCol="0">
+            <a:spAutoFit/>
+          </a:bodyPr>
+          <a:lstStyle/>
+          <a:p>
+            <a:pPr algn="ctr"/>
+            <a:r>
+              <a:rPr lang="en-US" b="1" dirty="0" smtClean="0">
+                <a:solidFill>
+                  <a:srgbClr val="002060"/>
+                </a:solidFill>
+              </a:rPr>
+              <a:t>Action</a:t>
+            </a:r>
+          </a:p>
+        </p:txBody>
+      </p:sp>
+      <p:sp>
+        <p:nvSpPr>
+          <p:cNvPr id="14" name="TextBox 13"/>
+          <p:cNvSpPr txBox="1"/>
+          <p:nvPr/>
+        </p:nvSpPr>
+        <p:spPr>
+          <a:xfrm>
+            <a:off x="4816343" y="3107023"/>
+            <a:ext cx="1346580" cy="369332"/>
+          </a:xfrm>
+          <a:prstGeom prst="rect">
+            <a:avLst/>
+          </a:prstGeom>
+          <a:noFill/>
+        </p:spPr>
+        <p:txBody>
+          <a:bodyPr wrap="square" rtlCol="0">
+            <a:spAutoFit/>
+          </a:bodyPr>
+          <a:lstStyle/>
+          <a:p>
+            <a:r>
+              <a:rPr lang="en-US" b="1" dirty="0" smtClean="0">
+                <a:solidFill>
+                  <a:srgbClr val="002060"/>
+                </a:solidFill>
+              </a:rPr>
+              <a:t>Automation </a:t>
+            </a:r>
+            <a:endParaRPr lang="en-IN" b="1" dirty="0">
+              <a:solidFill>
+                <a:srgbClr val="002060"/>
+              </a:solidFill>
+            </a:endParaRPr>
+          </a:p>
+        </p:txBody>
+      </p:sp>
+      <p:sp>
+        <p:nvSpPr>
+          <p:cNvPr id="23" name="TextBox 22"/>
+          <p:cNvSpPr txBox="1"/>
+          <p:nvPr/>
+        </p:nvSpPr>
+        <p:spPr>
+          <a:xfrm>
+            <a:off x="5897949" y="1269496"/>
+            <a:ext cx="5678784" cy="369332"/>
+          </a:xfrm>
+          <a:prstGeom prst="rect">
+            <a:avLst/>
+          </a:prstGeom>
+          <a:noFill/>
+        </p:spPr>
+        <p:txBody>
+          <a:bodyPr wrap="square" rtlCol="0">
+            <a:spAutoFit/>
+          </a:bodyPr>
+          <a:lstStyle/>
+          <a:p>
+            <a:r>
+              <a:rPr lang="en-US" b="1" dirty="0" smtClean="0">
+                <a:solidFill>
+                  <a:srgbClr val="C00000"/>
+                </a:solidFill>
+              </a:rPr>
+              <a:t>Send Notification on Auto-Remediation</a:t>
+            </a:r>
+            <a:endParaRPr lang="en-IN" b="1" dirty="0">
+              <a:solidFill>
+                <a:srgbClr val="C00000"/>
+              </a:solidFill>
+            </a:endParaRPr>
+          </a:p>
+        </p:txBody>
+      </p:sp>
+    </p:spTree>
+    <p:extLst>
+      <p:ext uri="{BB962C8B-B14F-4D97-AF65-F5344CB8AC3E}">
+        <p14:creationId xmlns:p14="http://schemas.microsoft.com/office/powerpoint/2010/main" val="4258722064"/>
+      </p:ext>
+    </p:extLst>
+  </p:cSld>
+  <p:clrMapOvr>
+    <a:masterClrMapping/>
+  </p:clrMapOvr>
+  <p:timing>
+    <p:tnLst>
+      <p:par>
+        <p:cTn id="1" dur="indefinite" restart="never" nodeType="tmRoot">
+          <p:childTnLst>
+            <p:seq concurrent="1" nextAc="seek">
+              <p:cTn id="2" dur="indefinite" nodeType="mainSeq">
+                <p:childTnLst>
+                  <p:par>
+                    <p:cTn id="3" fill="hold">
+                      <p:stCondLst>
+                        <p:cond delay="indefinite"/>
+                      </p:stCondLst>
+                      <p:childTnLst>
+                        <p:par>
+                          <p:cTn id="4" fill="hold">
+                            <p:stCondLst>
+                              <p:cond delay="0"/>
+                            </p:stCondLst>
+                            <p:childTnLst>
+                              <p:par>
+                                <p:cTn id="5" presetID="1" presetClass="entr" presetSubtype="0" fill="hold" nodeType="clickEffect">
+                                  <p:stCondLst>
+                                    <p:cond delay="0"/>
+                                  </p:stCondLst>
+                                  <p:childTnLst>
+                                    <p:set>
+                                      <p:cBhvr>
+                                        <p:cTn id="6" dur="1" fill="hold">
+                                          <p:stCondLst>
+                                            <p:cond delay="0"/>
+                                          </p:stCondLst>
+                                        </p:cTn>
+                                        <p:tgtEl>
+                                          <p:spTgt spid="10"/>
+                                        </p:tgtEl>
+                                        <p:attrNameLst>
+                                          <p:attrName>style.visibility</p:attrName>
+                                        </p:attrNameLst>
+                                      </p:cBhvr>
+                                      <p:to>
+                                        <p:strVal val="visible"/>
+                                      </p:to>
+                                    </p:set>
+                                  </p:childTnLst>
+                                </p:cTn>
+                              </p:par>
+                            </p:childTnLst>
+                          </p:cTn>
+                        </p:par>
+                      </p:childTnLst>
+                    </p:cTn>
+                  </p:par>
+                </p:childTnLst>
+              </p:cTn>
+              <p:prevCondLst>
+                <p:cond evt="onPrev" delay="0">
+                  <p:tgtEl>
+                    <p:sldTgt/>
+                  </p:tgtEl>
+                </p:cond>
+              </p:prevCondLst>
+              <p:nextCondLst>
+                <p:cond evt="onNext" delay="0">
+                  <p:tgtEl>
+                    <p:sldTgt/>
+                  </p:tgtEl>
+                </p:cond>
+              </p:nextCondLst>
+            </p:seq>
+          </p:childTnLst>
+        </p:cTn>
+      </p:par>
+    </p:tnLst>
+  </p:timing>
+</p:sld>
+</file>
+
+<file path=ppt/slides/slide6.xml><?xml version="1.0" encoding="utf-8"?>
+<p:sld xmlns:a="http://schemas.openxmlformats.org/drawingml/2006/main" xmlns:r="http://schemas.openxmlformats.org/officeDocument/2006/relationships" xmlns:p="http://schemas.openxmlformats.org/presentationml/2006/main">
+  <p:cSld>
+    <p:spTree>
+      <p:nvGrpSpPr>
+        <p:cNvPr id="1" name=""/>
+        <p:cNvGrpSpPr/>
+        <p:nvPr/>
+      </p:nvGrpSpPr>
+      <p:grpSpPr>
+        <a:xfrm>
+          <a:off x="0" y="0"/>
+          <a:ext cx="0" cy="0"/>
+          <a:chOff x="0" y="0"/>
+          <a:chExt cx="0" cy="0"/>
+        </a:xfrm>
+      </p:grpSpPr>
+      <p:sp>
+        <p:nvSpPr>
+          <p:cNvPr id="4" name="Rectangle: Rounded Corners 3">
+            <a:extLst>
+              <a:ext uri="{FF2B5EF4-FFF2-40B4-BE49-F238E27FC236}">
+                <a16:creationId xmlns="" xmlns:a16="http://schemas.microsoft.com/office/drawing/2014/main" id="{EF32E8AF-9380-4664-B1A8-8FDD16384245}"/>
+              </a:ext>
+            </a:extLst>
+          </p:cNvPr>
+          <p:cNvSpPr/>
+          <p:nvPr/>
+        </p:nvSpPr>
+        <p:spPr>
+          <a:xfrm>
+            <a:off x="0" y="360218"/>
+            <a:ext cx="12192000" cy="872836"/>
+          </a:xfrm>
+          <a:prstGeom prst="roundRect">
+            <a:avLst/>
+          </a:prstGeom>
+        </p:spPr>
+        <p:style>
+          <a:lnRef idx="1">
+            <a:schemeClr val="accent3"/>
+          </a:lnRef>
+          <a:fillRef idx="2">
+            <a:schemeClr val="accent3"/>
+          </a:fillRef>
+          <a:effectRef idx="1">
+            <a:schemeClr val="accent3"/>
+          </a:effectRef>
+          <a:fontRef idx="minor">
+            <a:schemeClr val="dk1"/>
+          </a:fontRef>
+        </p:style>
+        <p:txBody>
+          <a:bodyPr rtlCol="0" anchor="ctr"/>
+          <a:lstStyle/>
+          <a:p>
+            <a:pPr algn="ctr"/>
+            <a:r>
+              <a:rPr lang="en-US" sz="3600" b="1" dirty="0" smtClean="0">
+                <a:latin typeface="Bell MT" pitchFamily="18" charset="0"/>
+              </a:rPr>
+              <a:t>Simple Use Case-2</a:t>
+            </a:r>
+            <a:endParaRPr lang="en-IN" sz="4000" b="1" dirty="0">
+              <a:solidFill>
+                <a:schemeClr val="tx2">
+                  <a:lumMod val="75000"/>
+                </a:schemeClr>
+              </a:solidFill>
+              <a:latin typeface="Bell MT" pitchFamily="18" charset="0"/>
+            </a:endParaRPr>
+          </a:p>
+        </p:txBody>
+      </p:sp>
+      <p:sp>
+        <p:nvSpPr>
+          <p:cNvPr id="7" name="TextBox 6">
+            <a:extLst>
+              <a:ext uri="{FF2B5EF4-FFF2-40B4-BE49-F238E27FC236}">
+                <a16:creationId xmlns="" xmlns:a16="http://schemas.microsoft.com/office/drawing/2014/main" id="{D11C6DEC-D04E-4D85-B7B2-A4296C78BC94}"/>
+              </a:ext>
+            </a:extLst>
+          </p:cNvPr>
+          <p:cNvSpPr txBox="1"/>
+          <p:nvPr/>
+        </p:nvSpPr>
+        <p:spPr>
+          <a:xfrm>
+            <a:off x="0" y="6074704"/>
+            <a:ext cx="12192000" cy="523220"/>
+          </a:xfrm>
+          <a:prstGeom prst="rect">
+            <a:avLst/>
+          </a:prstGeom>
+        </p:spPr>
+        <p:style>
+          <a:lnRef idx="1">
+            <a:schemeClr val="accent3"/>
+          </a:lnRef>
+          <a:fillRef idx="2">
+            <a:schemeClr val="accent3"/>
+          </a:fillRef>
+          <a:effectRef idx="1">
+            <a:schemeClr val="accent3"/>
+          </a:effectRef>
+          <a:fontRef idx="minor">
+            <a:schemeClr val="dk1"/>
+          </a:fontRef>
+        </p:style>
+        <p:txBody>
+          <a:bodyPr wrap="square" rtlCol="0">
+            <a:spAutoFit/>
+          </a:bodyPr>
+          <a:lstStyle/>
+          <a:p>
+            <a:r>
+              <a:rPr lang="en-US" sz="2800" b="1" dirty="0">
+                <a:solidFill>
+                  <a:schemeClr val="accent2">
+                    <a:lumMod val="75000"/>
+                  </a:schemeClr>
+                </a:solidFill>
+                <a:latin typeface="Bell MT" pitchFamily="18" charset="0"/>
+              </a:rPr>
+              <a:t>Stack</a:t>
+            </a:r>
+            <a:r>
+              <a:rPr lang="en-US" sz="2800" b="1" dirty="0">
+                <a:solidFill>
+                  <a:schemeClr val="tx2">
+                    <a:lumMod val="75000"/>
+                  </a:schemeClr>
+                </a:solidFill>
+                <a:latin typeface="Bell MT" pitchFamily="18" charset="0"/>
+              </a:rPr>
+              <a:t>Storm</a:t>
+            </a:r>
+            <a:r>
+              <a:rPr lang="en-US" sz="2800" b="1" dirty="0">
+                <a:latin typeface="Bell MT" pitchFamily="18" charset="0"/>
+              </a:rPr>
+              <a:t>: Event-Driven Automation Tool for DevOps and Infrastructure</a:t>
+            </a:r>
+            <a:endParaRPr lang="en-IN" sz="2800" b="1" dirty="0">
+              <a:latin typeface="Bell MT" pitchFamily="18" charset="0"/>
+            </a:endParaRPr>
+          </a:p>
+        </p:txBody>
+      </p:sp>
+      <p:pic>
+        <p:nvPicPr>
+          <p:cNvPr id="10" name="Picture 3"/>
+          <p:cNvPicPr>
+            <a:picLocks noChangeAspect="1" noChangeArrowheads="1"/>
+          </p:cNvPicPr>
+          <p:nvPr/>
+        </p:nvPicPr>
+        <p:blipFill>
+          <a:blip r:embed="rId3" cstate="print">
+            <a:extLst>
+              <a:ext uri="{28A0092B-C50C-407E-A947-70E740481C1C}">
+                <a14:useLocalDpi xmlns:a14="http://schemas.microsoft.com/office/drawing/2010/main" val="0"/>
+              </a:ext>
+            </a:extLst>
+          </a:blip>
+          <a:srcRect/>
+          <a:stretch>
+            <a:fillRect/>
+          </a:stretch>
+        </p:blipFill>
+        <p:spPr bwMode="auto">
+          <a:xfrm>
+            <a:off x="5029159" y="2238233"/>
+            <a:ext cx="868790" cy="868790"/>
+          </a:xfrm>
+          <a:prstGeom prst="rect">
+            <a:avLst/>
+          </a:prstGeom>
+          <a:noFill/>
+          <a:ln>
+            <a:noFill/>
+          </a:ln>
+          <a:effectLst/>
+          <a:extLst>
+            <a:ext uri="{909E8E84-426E-40DD-AFC4-6F175D3DCCD1}">
+              <a14:hiddenFill xmlns:a14="http://schemas.microsoft.com/office/drawing/2010/main">
+                <a:solidFill>
+                  <a:schemeClr val="accent1"/>
+                </a:solidFill>
+              </a14:hiddenFill>
+            </a:ext>
+            <a:ext uri="{91240B29-F687-4F45-9708-019B960494DF}">
+              <a14:hiddenLine xmlns:a14="http://schemas.microsoft.com/office/drawing/2010/main" w="9525">
+                <a:solidFill>
+                  <a:schemeClr val="tx1"/>
+                </a:solidFill>
+                <a:miter lim="800000"/>
+                <a:headEnd/>
+                <a:tailEnd/>
+              </a14:hiddenLine>
+            </a:ext>
+            <a:ext uri="{AF507438-7753-43E0-B8FC-AC1667EBCBE1}">
+              <a14:hiddenEffects xmlns:a14="http://schemas.microsoft.com/office/drawing/2010/main">
+                <a:effectLst>
+                  <a:outerShdw dist="35921" dir="2700000" algn="ctr" rotWithShape="0">
+                    <a:schemeClr val="bg2"/>
+                  </a:outerShdw>
+                </a:effectLst>
+              </a14:hiddenEffects>
+            </a:ext>
+          </a:extLst>
+        </p:spPr>
+      </p:pic>
+      <p:sp>
+        <p:nvSpPr>
+          <p:cNvPr id="8" name="Curved Right Arrow 7"/>
+          <p:cNvSpPr/>
+          <p:nvPr/>
+        </p:nvSpPr>
+        <p:spPr>
+          <a:xfrm rot="10800000" flipH="1">
+            <a:off x="3636397" y="2511989"/>
+            <a:ext cx="962824" cy="3056477"/>
+          </a:xfrm>
+          <a:prstGeom prst="curvedRightArrow">
+            <a:avLst/>
+          </a:prstGeom>
+        </p:spPr>
+        <p:style>
+          <a:lnRef idx="1">
+            <a:schemeClr val="dk1"/>
+          </a:lnRef>
+          <a:fillRef idx="2">
+            <a:schemeClr val="dk1"/>
+          </a:fillRef>
+          <a:effectRef idx="1">
+            <a:schemeClr val="dk1"/>
+          </a:effectRef>
+          <a:fontRef idx="minor">
+            <a:schemeClr val="dk1"/>
+          </a:fontRef>
+        </p:style>
+        <p:txBody>
+          <a:bodyPr rtlCol="0" anchor="ctr"/>
+          <a:lstStyle/>
+          <a:p>
+            <a:pPr algn="ctr"/>
+            <a:endParaRPr lang="en-IN">
+              <a:solidFill>
+                <a:schemeClr val="tx1"/>
+              </a:solidFill>
+            </a:endParaRPr>
+          </a:p>
+        </p:txBody>
+      </p:sp>
+      <p:sp>
+        <p:nvSpPr>
+          <p:cNvPr id="9" name="Curved Left Arrow 8"/>
+          <p:cNvSpPr/>
+          <p:nvPr/>
+        </p:nvSpPr>
+        <p:spPr>
+          <a:xfrm>
+            <a:off x="6259774" y="2672628"/>
+            <a:ext cx="1039504" cy="3018488"/>
+          </a:xfrm>
+          <a:prstGeom prst="curvedLeftArrow">
+            <a:avLst/>
+          </a:prstGeom>
+        </p:spPr>
+        <p:style>
+          <a:lnRef idx="1">
+            <a:schemeClr val="accent6"/>
+          </a:lnRef>
+          <a:fillRef idx="3">
+            <a:schemeClr val="accent6"/>
+          </a:fillRef>
+          <a:effectRef idx="2">
+            <a:schemeClr val="accent6"/>
+          </a:effectRef>
+          <a:fontRef idx="minor">
+            <a:schemeClr val="lt1"/>
+          </a:fontRef>
+        </p:style>
+        <p:txBody>
+          <a:bodyPr rtlCol="0" anchor="ctr"/>
+          <a:lstStyle/>
+          <a:p>
+            <a:pPr algn="ctr"/>
+            <a:endParaRPr lang="en-IN">
+              <a:solidFill>
+                <a:schemeClr val="tx1"/>
+              </a:solidFill>
+            </a:endParaRPr>
+          </a:p>
+        </p:txBody>
+      </p:sp>
+      <p:sp>
+        <p:nvSpPr>
+          <p:cNvPr id="11" name="Right Arrow 10"/>
+          <p:cNvSpPr/>
+          <p:nvPr/>
+        </p:nvSpPr>
+        <p:spPr>
+          <a:xfrm>
+            <a:off x="6259774" y="2308623"/>
+            <a:ext cx="3366449" cy="270621"/>
+          </a:xfrm>
+          <a:prstGeom prst="rightArrow">
+            <a:avLst/>
+          </a:prstGeom>
+        </p:spPr>
+        <p:style>
+          <a:lnRef idx="0">
+            <a:schemeClr val="accent2"/>
+          </a:lnRef>
+          <a:fillRef idx="3">
+            <a:schemeClr val="accent2"/>
+          </a:fillRef>
+          <a:effectRef idx="3">
+            <a:schemeClr val="accent2"/>
+          </a:effectRef>
+          <a:fontRef idx="minor">
+            <a:schemeClr val="lt1"/>
+          </a:fontRef>
+        </p:style>
+        <p:txBody>
+          <a:bodyPr rtlCol="0" anchor="ctr"/>
+          <a:lstStyle/>
+          <a:p>
+            <a:pPr algn="ctr"/>
+            <a:endParaRPr lang="en-IN"/>
+          </a:p>
+        </p:txBody>
+      </p:sp>
+      <p:pic>
+        <p:nvPicPr>
+          <p:cNvPr id="2054" name="Picture 6"/>
+          <p:cNvPicPr>
+            <a:picLocks noChangeAspect="1" noChangeArrowheads="1"/>
+          </p:cNvPicPr>
+          <p:nvPr/>
+        </p:nvPicPr>
+        <p:blipFill>
+          <a:blip r:embed="rId4" cstate="print">
+            <a:extLst>
+              <a:ext uri="{28A0092B-C50C-407E-A947-70E740481C1C}">
+                <a14:useLocalDpi xmlns:a14="http://schemas.microsoft.com/office/drawing/2010/main" val="0"/>
+              </a:ext>
+            </a:extLst>
+          </a:blip>
+          <a:srcRect/>
+          <a:stretch>
+            <a:fillRect/>
+          </a:stretch>
+        </p:blipFill>
+        <p:spPr bwMode="auto">
+          <a:xfrm>
+            <a:off x="9626223" y="1922397"/>
+            <a:ext cx="1309513" cy="1179183"/>
+          </a:xfrm>
+          <a:prstGeom prst="rect">
+            <a:avLst/>
+          </a:prstGeom>
+          <a:noFill/>
+          <a:ln>
+            <a:noFill/>
+          </a:ln>
+          <a:effectLst/>
+          <a:extLst>
+            <a:ext uri="{909E8E84-426E-40DD-AFC4-6F175D3DCCD1}">
+              <a14:hiddenFill xmlns:a14="http://schemas.microsoft.com/office/drawing/2010/main">
+                <a:solidFill>
+                  <a:schemeClr val="accent1"/>
+                </a:solidFill>
+              </a14:hiddenFill>
+            </a:ext>
+            <a:ext uri="{91240B29-F687-4F45-9708-019B960494DF}">
+              <a14:hiddenLine xmlns:a14="http://schemas.microsoft.com/office/drawing/2010/main" w="9525">
+                <a:solidFill>
+                  <a:schemeClr val="tx1"/>
+                </a:solidFill>
+                <a:miter lim="800000"/>
+                <a:headEnd/>
+                <a:tailEnd/>
+              </a14:hiddenLine>
+            </a:ext>
+            <a:ext uri="{AF507438-7753-43E0-B8FC-AC1667EBCBE1}">
+              <a14:hiddenEffects xmlns:a14="http://schemas.microsoft.com/office/drawing/2010/main">
+                <a:effectLst>
+                  <a:outerShdw dist="35921" dir="2700000" algn="ctr" rotWithShape="0">
+                    <a:schemeClr val="bg2"/>
+                  </a:outerShdw>
+                </a:effectLst>
+              </a14:hiddenEffects>
+            </a:ext>
+          </a:extLst>
+        </p:spPr>
+      </p:pic>
+      <p:sp>
+        <p:nvSpPr>
+          <p:cNvPr id="12" name="TextBox 11"/>
+          <p:cNvSpPr txBox="1"/>
+          <p:nvPr/>
+        </p:nvSpPr>
+        <p:spPr>
+          <a:xfrm>
+            <a:off x="1228299" y="3543062"/>
+            <a:ext cx="2408097" cy="646331"/>
+          </a:xfrm>
+          <a:prstGeom prst="rect">
+            <a:avLst/>
+          </a:prstGeom>
+          <a:noFill/>
+        </p:spPr>
+        <p:txBody>
+          <a:bodyPr wrap="square" rtlCol="0">
+            <a:spAutoFit/>
+          </a:bodyPr>
+          <a:lstStyle/>
+          <a:p>
+            <a:pPr algn="ctr"/>
+            <a:r>
+              <a:rPr lang="en-US" b="1" dirty="0" smtClean="0">
+                <a:solidFill>
+                  <a:srgbClr val="FF0000"/>
+                </a:solidFill>
+              </a:rPr>
+              <a:t>Sensors</a:t>
+            </a:r>
+          </a:p>
+          <a:p>
+            <a:pPr algn="ctr"/>
+            <a:r>
+              <a:rPr lang="en-US" b="1" dirty="0" smtClean="0">
+                <a:solidFill>
+                  <a:srgbClr val="002060"/>
+                </a:solidFill>
+              </a:rPr>
+              <a:t>(To Monitor instances)</a:t>
+            </a:r>
+            <a:endParaRPr lang="en-IN" b="1" dirty="0">
+              <a:solidFill>
+                <a:srgbClr val="002060"/>
+              </a:solidFill>
+            </a:endParaRPr>
+          </a:p>
+        </p:txBody>
+      </p:sp>
+      <p:sp>
+        <p:nvSpPr>
+          <p:cNvPr id="13" name="TextBox 12"/>
+          <p:cNvSpPr txBox="1"/>
+          <p:nvPr/>
+        </p:nvSpPr>
+        <p:spPr>
+          <a:xfrm>
+            <a:off x="7424382" y="3502292"/>
+            <a:ext cx="4767618" cy="646331"/>
+          </a:xfrm>
+          <a:prstGeom prst="rect">
+            <a:avLst/>
+          </a:prstGeom>
+          <a:noFill/>
+        </p:spPr>
+        <p:txBody>
+          <a:bodyPr wrap="square" rtlCol="0">
+            <a:spAutoFit/>
+          </a:bodyPr>
+          <a:lstStyle/>
+          <a:p>
+            <a:pPr algn="ctr"/>
+            <a:r>
+              <a:rPr lang="en-US" b="1" dirty="0" smtClean="0">
+                <a:solidFill>
+                  <a:srgbClr val="002060"/>
+                </a:solidFill>
+              </a:rPr>
+              <a:t>Action</a:t>
+            </a:r>
+          </a:p>
+          <a:p>
+            <a:pPr algn="ctr"/>
+            <a:r>
+              <a:rPr lang="en-US" b="1" dirty="0" smtClean="0">
+                <a:solidFill>
+                  <a:schemeClr val="accent2">
+                    <a:lumMod val="50000"/>
+                  </a:schemeClr>
+                </a:solidFill>
+              </a:rPr>
+              <a:t>Terminate Instance if tags are not defined </a:t>
+            </a:r>
+            <a:endParaRPr lang="en-IN" b="1" dirty="0">
+              <a:solidFill>
+                <a:schemeClr val="accent2">
+                  <a:lumMod val="50000"/>
+                </a:schemeClr>
+              </a:solidFill>
+            </a:endParaRPr>
+          </a:p>
+        </p:txBody>
+      </p:sp>
+      <p:sp>
+        <p:nvSpPr>
+          <p:cNvPr id="14" name="TextBox 13"/>
+          <p:cNvSpPr txBox="1"/>
+          <p:nvPr/>
+        </p:nvSpPr>
+        <p:spPr>
+          <a:xfrm>
+            <a:off x="4760100" y="3183165"/>
+            <a:ext cx="1346580" cy="369332"/>
+          </a:xfrm>
+          <a:prstGeom prst="rect">
+            <a:avLst/>
+          </a:prstGeom>
+          <a:noFill/>
+        </p:spPr>
+        <p:txBody>
+          <a:bodyPr wrap="square" rtlCol="0">
+            <a:spAutoFit/>
+          </a:bodyPr>
+          <a:lstStyle/>
+          <a:p>
+            <a:r>
+              <a:rPr lang="en-US" b="1" dirty="0" smtClean="0">
+                <a:solidFill>
+                  <a:srgbClr val="002060"/>
+                </a:solidFill>
+              </a:rPr>
+              <a:t>Automation</a:t>
+            </a:r>
+            <a:endParaRPr lang="en-IN" b="1" dirty="0">
+              <a:solidFill>
+                <a:srgbClr val="002060"/>
+              </a:solidFill>
+            </a:endParaRPr>
+          </a:p>
+        </p:txBody>
+      </p:sp>
+      <p:pic>
+        <p:nvPicPr>
+          <p:cNvPr id="3074" name="Picture 2"/>
+          <p:cNvPicPr>
+            <a:picLocks noChangeAspect="1" noChangeArrowheads="1"/>
+          </p:cNvPicPr>
+          <p:nvPr/>
+        </p:nvPicPr>
+        <p:blipFill>
+          <a:blip r:embed="rId5" cstate="print">
+            <a:extLst>
+              <a:ext uri="{28A0092B-C50C-407E-A947-70E740481C1C}">
+                <a14:useLocalDpi xmlns:a14="http://schemas.microsoft.com/office/drawing/2010/main" val="0"/>
+              </a:ext>
+            </a:extLst>
+          </a:blip>
+          <a:srcRect/>
+          <a:stretch>
+            <a:fillRect/>
+          </a:stretch>
+        </p:blipFill>
+        <p:spPr bwMode="auto">
+          <a:xfrm>
+            <a:off x="4682689" y="4954137"/>
+            <a:ext cx="1597382" cy="870704"/>
+          </a:xfrm>
+          <a:prstGeom prst="rect">
+            <a:avLst/>
+          </a:prstGeom>
+          <a:noFill/>
+          <a:ln>
+            <a:noFill/>
+          </a:ln>
+          <a:effectLst/>
+          <a:extLst>
+            <a:ext uri="{909E8E84-426E-40DD-AFC4-6F175D3DCCD1}">
+              <a14:hiddenFill xmlns:a14="http://schemas.microsoft.com/office/drawing/2010/main">
+                <a:solidFill>
+                  <a:schemeClr val="accent1"/>
+                </a:solidFill>
+              </a14:hiddenFill>
+            </a:ext>
+            <a:ext uri="{91240B29-F687-4F45-9708-019B960494DF}">
+              <a14:hiddenLine xmlns:a14="http://schemas.microsoft.com/office/drawing/2010/main" w="9525">
+                <a:solidFill>
+                  <a:schemeClr val="tx1"/>
+                </a:solidFill>
+                <a:miter lim="800000"/>
+                <a:headEnd/>
+                <a:tailEnd/>
+              </a14:hiddenLine>
+            </a:ext>
+            <a:ext uri="{AF507438-7753-43E0-B8FC-AC1667EBCBE1}">
+              <a14:hiddenEffects xmlns:a14="http://schemas.microsoft.com/office/drawing/2010/main">
+                <a:effectLst>
+                  <a:outerShdw dist="35921" dir="2700000" algn="ctr" rotWithShape="0">
+                    <a:schemeClr val="bg2"/>
+                  </a:outerShdw>
+                </a:effectLst>
+              </a14:hiddenEffects>
+            </a:ext>
+          </a:extLst>
+        </p:spPr>
+      </p:pic>
+      <p:sp>
+        <p:nvSpPr>
+          <p:cNvPr id="16" name="TextBox 15"/>
+          <p:cNvSpPr txBox="1"/>
+          <p:nvPr/>
+        </p:nvSpPr>
+        <p:spPr>
+          <a:xfrm>
+            <a:off x="7014949" y="2016370"/>
+            <a:ext cx="1893211" cy="369332"/>
+          </a:xfrm>
+          <a:prstGeom prst="rect">
+            <a:avLst/>
+          </a:prstGeom>
+          <a:noFill/>
+        </p:spPr>
+        <p:txBody>
+          <a:bodyPr wrap="none" rtlCol="0">
+            <a:spAutoFit/>
+          </a:bodyPr>
+          <a:lstStyle/>
+          <a:p>
+            <a:r>
+              <a:rPr lang="en-US" b="1" dirty="0" smtClean="0">
+                <a:solidFill>
+                  <a:schemeClr val="tx2">
+                    <a:lumMod val="50000"/>
+                  </a:schemeClr>
+                </a:solidFill>
+              </a:rPr>
+              <a:t>Send Notification </a:t>
+            </a:r>
+            <a:endParaRPr lang="en-IN" b="1" dirty="0">
+              <a:solidFill>
+                <a:schemeClr val="tx2">
+                  <a:lumMod val="50000"/>
+                </a:schemeClr>
+              </a:solidFill>
+            </a:endParaRPr>
+          </a:p>
+        </p:txBody>
+      </p:sp>
+      <p:sp>
+        <p:nvSpPr>
+          <p:cNvPr id="17" name="Rectangle 16"/>
+          <p:cNvSpPr/>
+          <p:nvPr/>
+        </p:nvSpPr>
+        <p:spPr>
+          <a:xfrm>
+            <a:off x="495042" y="1388950"/>
+            <a:ext cx="8921914" cy="369332"/>
+          </a:xfrm>
+          <a:prstGeom prst="rect">
+            <a:avLst/>
+          </a:prstGeom>
+        </p:spPr>
+        <p:txBody>
+          <a:bodyPr wrap="square">
+            <a:spAutoFit/>
+          </a:bodyPr>
+          <a:lstStyle/>
+          <a:p>
+            <a:r>
+              <a:rPr lang="en-IN" b="1" dirty="0">
+                <a:solidFill>
+                  <a:srgbClr val="C00000"/>
+                </a:solidFill>
+                <a:latin typeface="Bell MT" pitchFamily="18" charset="0"/>
+              </a:rPr>
+              <a:t>So, StackStorm is like IFTTT (If-This-Than-That) tool for DevOps and Infrastructure.</a:t>
+            </a:r>
+            <a:endParaRPr lang="en-US" b="1" dirty="0">
+              <a:solidFill>
+                <a:srgbClr val="C00000"/>
+              </a:solidFill>
+              <a:latin typeface="Bell MT" pitchFamily="18" charset="0"/>
+            </a:endParaRPr>
+          </a:p>
+        </p:txBody>
+      </p:sp>
+    </p:spTree>
+    <p:extLst>
+      <p:ext uri="{BB962C8B-B14F-4D97-AF65-F5344CB8AC3E}">
+        <p14:creationId xmlns:p14="http://schemas.microsoft.com/office/powerpoint/2010/main" val="2364149666"/>
+      </p:ext>
+    </p:extLst>
+  </p:cSld>
+  <p:clrMapOvr>
+    <a:masterClrMapping/>
+  </p:clrMapOvr>
+  <p:timing>
+    <p:tnLst>
+      <p:par>
+        <p:cTn id="1" dur="indefinite" restart="never" nodeType="tmRoot">
+          <p:childTnLst>
+            <p:seq concurrent="1" nextAc="seek">
+              <p:cTn id="2" dur="indefinite" nodeType="mainSeq">
+                <p:childTnLst>
+                  <p:par>
+                    <p:cTn id="3" fill="hold">
+                      <p:stCondLst>
+                        <p:cond delay="indefinite"/>
+                      </p:stCondLst>
+                      <p:childTnLst>
+                        <p:par>
+                          <p:cTn id="4" fill="hold">
+                            <p:stCondLst>
+                              <p:cond delay="0"/>
+                            </p:stCondLst>
+                            <p:childTnLst>
+                              <p:par>
+                                <p:cTn id="5" presetID="1" presetClass="entr" presetSubtype="0" fill="hold" nodeType="clickEffect">
+                                  <p:stCondLst>
+                                    <p:cond delay="0"/>
+                                  </p:stCondLst>
+                                  <p:childTnLst>
+                                    <p:set>
+                                      <p:cBhvr>
+                                        <p:cTn id="6" dur="1" fill="hold">
+                                          <p:stCondLst>
+                                            <p:cond delay="0"/>
+                                          </p:stCondLst>
+                                        </p:cTn>
+                                        <p:tgtEl>
+                                          <p:spTgt spid="10"/>
                                         </p:tgtEl>
                                         <p:attrNameLst>
                                           <p:attrName>style.visibility</p:attrName>
@@ -5719,7 +10321,7 @@
                                           </p:stCondLst>
                                         </p:cTn>
                                         <p:tgtEl>
-                                          <p:spTgt spid="2"/>
+                                          <p:spTgt spid="17"/>
                                         </p:tgtEl>
                                         <p:attrNameLst>
                                           <p:attrName>style.visibility</p:attrName>
@@ -5760,13 +10362,13 @@
       </p:par>
     </p:tnLst>
     <p:bldLst>
-      <p:bldP spid="2" grpId="0"/>
+      <p:bldP spid="17" grpId="0"/>
     </p:bldLst>
   </p:timing>
 </p:sld>
 </file>
 
-<file path=ppt/slides/slide4.xml><?xml version="1.0" encoding="utf-8"?>
+<file path=ppt/slides/slide7.xml><?xml version="1.0" encoding="utf-8"?>
 <p:sld xmlns:a="http://schemas.openxmlformats.org/drawingml/2006/main" xmlns:r="http://schemas.openxmlformats.org/officeDocument/2006/relationships" xmlns:p="http://schemas.openxmlformats.org/presentationml/2006/main">
   <p:cSld>
     <p:spTree>
@@ -5788,7 +10390,7 @@
           <p:cNvPr id="4" name="Rectangle: Rounded Corners 3">
             <a:extLst>
               <a:ext uri="{FF2B5EF4-FFF2-40B4-BE49-F238E27FC236}">
-                <a16:creationId xmlns:a16="http://schemas.microsoft.com/office/drawing/2014/main" xmlns="" id="{EF32E8AF-9380-4664-B1A8-8FDD16384245}"/>
+                <a16:creationId xmlns="" xmlns:a16="http://schemas.microsoft.com/office/drawing/2014/main" id="{EF32E8AF-9380-4664-B1A8-8FDD16384245}"/>
               </a:ext>
             </a:extLst>
           </p:cNvPr>
@@ -5929,6 +10531,21 @@
             </a:r>
           </a:p>
           <a:p>
+            <a:pPr marL="1828800" lvl="3" indent="-457200">
+              <a:buFont typeface="Wingdings" panose="05000000000000000000" pitchFamily="2" charset="2"/>
+              <a:buChar char="Ø"/>
+            </a:pPr>
+            <a:r>
+              <a:rPr lang="en-US" sz="2300" b="1" dirty="0" smtClean="0">
+                <a:solidFill>
+                  <a:schemeClr val="dk1"/>
+                </a:solidFill>
+                <a:latin typeface="Bell MT" pitchFamily="18" charset="0"/>
+              </a:rPr>
+              <a:t>Workflows</a:t>
+            </a:r>
+          </a:p>
+          <a:p>
             <a:pPr marL="1371600" lvl="2" indent="-457200">
               <a:buFont typeface="Wingdings" panose="05000000000000000000" pitchFamily="2" charset="2"/>
               <a:buChar char="Ø"/>
@@ -5940,7 +10557,7 @@
                 </a:solidFill>
                 <a:latin typeface="Bell MT" pitchFamily="18" charset="0"/>
               </a:rPr>
-              <a:t>Workflows</a:t>
+              <a:t>Rules</a:t>
             </a:r>
           </a:p>
           <a:p>
@@ -5955,7 +10572,7 @@
                 </a:solidFill>
                 <a:latin typeface="Bell MT" pitchFamily="18" charset="0"/>
               </a:rPr>
-              <a:t>Rules</a:t>
+              <a:t>Triggers</a:t>
             </a:r>
           </a:p>
           <a:p>
@@ -5970,7 +10587,7 @@
                 </a:solidFill>
                 <a:latin typeface="Bell MT" pitchFamily="18" charset="0"/>
               </a:rPr>
-              <a:t>Triggers</a:t>
+              <a:t>Sensors</a:t>
             </a:r>
           </a:p>
           <a:p>
@@ -5985,7 +10602,7 @@
                 </a:solidFill>
                 <a:latin typeface="Bell MT" pitchFamily="18" charset="0"/>
               </a:rPr>
-              <a:t>Sensors</a:t>
+              <a:t>Webhooks</a:t>
             </a:r>
           </a:p>
           <a:p>
@@ -6000,35 +10617,8 @@
                 </a:solidFill>
                 <a:latin typeface="Bell MT" pitchFamily="18" charset="0"/>
               </a:rPr>
-              <a:t>Webhooks</a:t>
-            </a:r>
-            <a:endParaRPr lang="en-US" sz="2300" b="1" dirty="0" smtClean="0">
-              <a:solidFill>
-                <a:schemeClr val="dk1"/>
-              </a:solidFill>
-              <a:latin typeface="Bell MT" pitchFamily="18" charset="0"/>
-            </a:endParaRPr>
-          </a:p>
-          <a:p>
-            <a:pPr marL="1371600" lvl="2" indent="-457200">
-              <a:buFont typeface="Wingdings" panose="05000000000000000000" pitchFamily="2" charset="2"/>
-              <a:buChar char="Ø"/>
-            </a:pPr>
-            <a:r>
-              <a:rPr lang="en-US" sz="2300" b="1" dirty="0" smtClean="0">
-                <a:solidFill>
-                  <a:schemeClr val="dk1"/>
-                </a:solidFill>
-                <a:latin typeface="Bell MT" pitchFamily="18" charset="0"/>
-              </a:rPr>
               <a:t>ChatOps</a:t>
             </a:r>
-            <a:endParaRPr lang="en-US" sz="2300" b="1" dirty="0" smtClean="0">
-              <a:solidFill>
-                <a:schemeClr val="dk1"/>
-              </a:solidFill>
-              <a:latin typeface="Bell MT" pitchFamily="18" charset="0"/>
-            </a:endParaRPr>
           </a:p>
           <a:p>
             <a:pPr marL="457200" indent="-457200">
@@ -6042,16 +10632,7 @@
                 </a:solidFill>
                 <a:latin typeface="Bell MT" pitchFamily="18" charset="0"/>
               </a:rPr>
-              <a:t>Why StackStorm for Automation ?</a:t>
-            </a:r>
-            <a:r>
-              <a:rPr lang="en-US" sz="2300" b="1" dirty="0" smtClean="0">
-                <a:solidFill>
-                  <a:schemeClr val="dk1"/>
-                </a:solidFill>
-                <a:latin typeface="Bell MT" pitchFamily="18" charset="0"/>
-              </a:rPr>
-              <a:t> </a:t>
+              <a:t>Why StackStorm for Automation ? </a:t>
             </a:r>
           </a:p>
           <a:p>
@@ -6081,23 +10662,8 @@
                 </a:solidFill>
                 <a:latin typeface="Bell MT" pitchFamily="18" charset="0"/>
               </a:rPr>
-              <a:t>Implemented </a:t>
-            </a:r>
-            <a:r>
-              <a:rPr lang="en-US" sz="2300" b="1" smtClean="0">
-                <a:solidFill>
-                  <a:schemeClr val="dk1"/>
-                </a:solidFill>
-                <a:latin typeface="Bell MT" pitchFamily="18" charset="0"/>
-              </a:rPr>
-              <a:t>with Python</a:t>
-            </a:r>
-            <a:endParaRPr lang="en-US" sz="2300" b="1" dirty="0" smtClean="0">
-              <a:solidFill>
-                <a:schemeClr val="dk1"/>
-              </a:solidFill>
-              <a:latin typeface="Bell MT" pitchFamily="18" charset="0"/>
-            </a:endParaRPr>
+              <a:t>Implemented with Python</a:t>
+            </a:r>
           </a:p>
         </p:txBody>
       </p:sp>
@@ -6106,7 +10672,7 @@
           <p:cNvPr id="7" name="TextBox 6">
             <a:extLst>
               <a:ext uri="{FF2B5EF4-FFF2-40B4-BE49-F238E27FC236}">
-                <a16:creationId xmlns:a16="http://schemas.microsoft.com/office/drawing/2014/main" xmlns="" id="{D11C6DEC-D04E-4D85-B7B2-A4296C78BC94}"/>
+                <a16:creationId xmlns="" xmlns:a16="http://schemas.microsoft.com/office/drawing/2014/main" id="{D11C6DEC-D04E-4D85-B7B2-A4296C78BC94}"/>
               </a:ext>
             </a:extLst>
           </p:cNvPr>
@@ -7007,7 +11573,7 @@
 </p:sld>
 </file>
 
-<file path=ppt/slides/slide5.xml><?xml version="1.0" encoding="utf-8"?>
+<file path=ppt/slides/slide8.xml><?xml version="1.0" encoding="utf-8"?>
 <p:sld xmlns:a="http://schemas.openxmlformats.org/drawingml/2006/main" xmlns:r="http://schemas.openxmlformats.org/officeDocument/2006/relationships" xmlns:p="http://schemas.openxmlformats.org/presentationml/2006/main">
   <p:cSld>
     <p:spTree>
@@ -7029,7 +11595,7 @@
           <p:cNvPr id="4" name="Rectangle: Rounded Corners 3">
             <a:extLst>
               <a:ext uri="{FF2B5EF4-FFF2-40B4-BE49-F238E27FC236}">
-                <a16:creationId xmlns:a16="http://schemas.microsoft.com/office/drawing/2014/main" xmlns="" id="{EF32E8AF-9380-4664-B1A8-8FDD16384245}"/>
+                <a16:creationId xmlns="" xmlns:a16="http://schemas.microsoft.com/office/drawing/2014/main" id="{EF32E8AF-9380-4664-B1A8-8FDD16384245}"/>
               </a:ext>
             </a:extLst>
           </p:cNvPr>
@@ -7199,7 +11765,7 @@
           <p:cNvPr id="7" name="TextBox 6">
             <a:extLst>
               <a:ext uri="{FF2B5EF4-FFF2-40B4-BE49-F238E27FC236}">
-                <a16:creationId xmlns:a16="http://schemas.microsoft.com/office/drawing/2014/main" xmlns="" id="{D11C6DEC-D04E-4D85-B7B2-A4296C78BC94}"/>
+                <a16:creationId xmlns="" xmlns:a16="http://schemas.microsoft.com/office/drawing/2014/main" id="{D11C6DEC-D04E-4D85-B7B2-A4296C78BC94}"/>
               </a:ext>
             </a:extLst>
           </p:cNvPr>
@@ -7508,7 +12074,7 @@
 </p:sld>
 </file>
 
-<file path=ppt/slides/slide6.xml><?xml version="1.0" encoding="utf-8"?>
+<file path=ppt/slides/slide9.xml><?xml version="1.0" encoding="utf-8"?>
 <p:sld xmlns:a="http://schemas.openxmlformats.org/drawingml/2006/main" xmlns:r="http://schemas.openxmlformats.org/officeDocument/2006/relationships" xmlns:p="http://schemas.openxmlformats.org/presentationml/2006/main">
   <p:cSld>
     <p:spTree>
@@ -7527,10 +12093,180 @@
       </p:grpSpPr>
       <p:sp>
         <p:nvSpPr>
-          <p:cNvPr id="2" name="TextBox 1">
+          <p:cNvPr id="4" name="Rectangle: Rounded Corners 3">
             <a:extLst>
               <a:ext uri="{FF2B5EF4-FFF2-40B4-BE49-F238E27FC236}">
-                <a16:creationId xmlns:a16="http://schemas.microsoft.com/office/drawing/2014/main" xmlns="" id="{D11C6DEC-D04E-4D85-B7B2-A4296C78BC94}"/>
+                <a16:creationId xmlns="" xmlns:a16="http://schemas.microsoft.com/office/drawing/2014/main" id="{EF32E8AF-9380-4664-B1A8-8FDD16384245}"/>
+              </a:ext>
+            </a:extLst>
+          </p:cNvPr>
+          <p:cNvSpPr/>
+          <p:nvPr/>
+        </p:nvSpPr>
+        <p:spPr>
+          <a:xfrm>
+            <a:off x="0" y="360218"/>
+            <a:ext cx="12192000" cy="872836"/>
+          </a:xfrm>
+          <a:prstGeom prst="roundRect">
+            <a:avLst/>
+          </a:prstGeom>
+        </p:spPr>
+        <p:style>
+          <a:lnRef idx="1">
+            <a:schemeClr val="accent3"/>
+          </a:lnRef>
+          <a:fillRef idx="2">
+            <a:schemeClr val="accent3"/>
+          </a:fillRef>
+          <a:effectRef idx="1">
+            <a:schemeClr val="accent3"/>
+          </a:effectRef>
+          <a:fontRef idx="minor">
+            <a:schemeClr val="dk1"/>
+          </a:fontRef>
+        </p:style>
+        <p:txBody>
+          <a:bodyPr rtlCol="0" anchor="ctr"/>
+          <a:lstStyle/>
+          <a:p>
+            <a:pPr algn="ctr"/>
+            <a:r>
+              <a:rPr lang="en-US" sz="3600" b="1" dirty="0">
+                <a:latin typeface="Bell MT" pitchFamily="18" charset="0"/>
+              </a:rPr>
+              <a:t>Prerequisites </a:t>
+            </a:r>
+            <a:r>
+              <a:rPr lang="en-US" sz="3600" b="1" dirty="0" smtClean="0">
+                <a:latin typeface="Bell MT" pitchFamily="18" charset="0"/>
+              </a:rPr>
+              <a:t>to Enroll this Course</a:t>
+            </a:r>
+            <a:endParaRPr lang="en-IN" sz="4000" b="1" dirty="0">
+              <a:solidFill>
+                <a:schemeClr val="tx2">
+                  <a:lumMod val="75000"/>
+                </a:schemeClr>
+              </a:solidFill>
+              <a:latin typeface="Bell MT" pitchFamily="18" charset="0"/>
+            </a:endParaRPr>
+          </a:p>
+        </p:txBody>
+      </p:sp>
+      <p:sp>
+        <p:nvSpPr>
+          <p:cNvPr id="6" name="TextBox 5"/>
+          <p:cNvSpPr txBox="1"/>
+          <p:nvPr/>
+        </p:nvSpPr>
+        <p:spPr>
+          <a:xfrm>
+            <a:off x="2520307" y="3006252"/>
+            <a:ext cx="7430517" cy="1508105"/>
+          </a:xfrm>
+          <a:prstGeom prst="rect">
+            <a:avLst/>
+          </a:prstGeom>
+          <a:noFill/>
+        </p:spPr>
+        <p:txBody>
+          <a:bodyPr wrap="square" rtlCol="0">
+            <a:spAutoFit/>
+          </a:bodyPr>
+          <a:lstStyle/>
+          <a:p>
+            <a:pPr marL="457200" indent="-457200">
+              <a:buFont typeface="Wingdings" panose="05000000000000000000" pitchFamily="2" charset="2"/>
+              <a:buChar char="Ø"/>
+            </a:pPr>
+            <a:r>
+              <a:rPr lang="en-IN" sz="2300" b="1" dirty="0" smtClean="0">
+                <a:solidFill>
+                  <a:schemeClr val="dk1"/>
+                </a:solidFill>
+                <a:latin typeface="Bell MT" pitchFamily="18" charset="0"/>
+              </a:rPr>
+              <a:t>Basic </a:t>
+            </a:r>
+            <a:r>
+              <a:rPr lang="en-IN" sz="2300" b="1" dirty="0">
+                <a:solidFill>
+                  <a:schemeClr val="dk1"/>
+                </a:solidFill>
+                <a:latin typeface="Bell MT" pitchFamily="18" charset="0"/>
+              </a:rPr>
+              <a:t>knowledge on Linux OS and Commands</a:t>
+            </a:r>
+          </a:p>
+          <a:p>
+            <a:pPr marL="457200" indent="-457200">
+              <a:buFont typeface="Wingdings" panose="05000000000000000000" pitchFamily="2" charset="2"/>
+              <a:buChar char="Ø"/>
+            </a:pPr>
+            <a:r>
+              <a:rPr lang="en-IN" sz="2300" b="1" dirty="0">
+                <a:solidFill>
+                  <a:schemeClr val="dk1"/>
+                </a:solidFill>
+                <a:latin typeface="Bell MT" pitchFamily="18" charset="0"/>
+              </a:rPr>
+              <a:t>Basics of YAML Scripting </a:t>
+            </a:r>
+          </a:p>
+          <a:p>
+            <a:pPr marL="457200" indent="-457200">
+              <a:buFont typeface="Wingdings" panose="05000000000000000000" pitchFamily="2" charset="2"/>
+              <a:buChar char="Ø"/>
+            </a:pPr>
+            <a:r>
+              <a:rPr lang="en-IN" sz="2300" b="1" dirty="0">
+                <a:solidFill>
+                  <a:schemeClr val="dk1"/>
+                </a:solidFill>
+                <a:latin typeface="Bell MT" pitchFamily="18" charset="0"/>
+              </a:rPr>
+              <a:t>Shell Scripting</a:t>
+            </a:r>
+          </a:p>
+          <a:p>
+            <a:pPr marL="457200" indent="-457200">
+              <a:buFont typeface="Wingdings" panose="05000000000000000000" pitchFamily="2" charset="2"/>
+              <a:buChar char="Ø"/>
+            </a:pPr>
+            <a:r>
+              <a:rPr lang="en-IN" sz="2300" b="1" dirty="0">
+                <a:solidFill>
+                  <a:schemeClr val="dk1"/>
+                </a:solidFill>
+                <a:latin typeface="Bell MT" pitchFamily="18" charset="0"/>
+              </a:rPr>
+              <a:t>Python </a:t>
+            </a:r>
+            <a:r>
+              <a:rPr lang="en-IN" sz="2300" b="1" dirty="0" smtClean="0">
+                <a:solidFill>
+                  <a:schemeClr val="dk1"/>
+                </a:solidFill>
+                <a:latin typeface="Bell MT" pitchFamily="18" charset="0"/>
+              </a:rPr>
+              <a:t>Scripting</a:t>
+            </a:r>
+            <a:endParaRPr lang="en-IN" sz="2300" b="1" dirty="0">
+              <a:solidFill>
+                <a:schemeClr val="dk1"/>
+              </a:solidFill>
+              <a:latin typeface="Bell MT" pitchFamily="18" charset="0"/>
+            </a:endParaRPr>
+          </a:p>
+        </p:txBody>
+      </p:sp>
+      <p:sp>
+        <p:nvSpPr>
+          <p:cNvPr id="7" name="TextBox 6">
+            <a:extLst>
+              <a:ext uri="{FF2B5EF4-FFF2-40B4-BE49-F238E27FC236}">
+                <a16:creationId xmlns="" xmlns:a16="http://schemas.microsoft.com/office/drawing/2014/main" id="{D11C6DEC-D04E-4D85-B7B2-A4296C78BC94}"/>
               </a:ext>
             </a:extLst>
           </p:cNvPr>
@@ -7539,8 +12275,8 @@
         </p:nvSpPr>
         <p:spPr>
           <a:xfrm>
-            <a:off x="0" y="2945421"/>
-            <a:ext cx="12192000" cy="769441"/>
+            <a:off x="0" y="6074704"/>
+            <a:ext cx="12192000" cy="523220"/>
           </a:xfrm>
           <a:prstGeom prst="rect">
             <a:avLst/>
@@ -7566,35 +12302,44 @@
           </a:bodyPr>
           <a:lstStyle/>
           <a:p>
-            <a:pPr algn="ctr"/>
-            <a:r>
-              <a:rPr lang="en-US" sz="4400" b="1" dirty="0">
+            <a:r>
+              <a:rPr lang="en-US" sz="2800" b="1" dirty="0">
+                <a:solidFill>
+                  <a:schemeClr val="accent2">
+                    <a:lumMod val="75000"/>
+                  </a:schemeClr>
+                </a:solidFill>
                 <a:latin typeface="Bell MT" pitchFamily="18" charset="0"/>
               </a:rPr>
-              <a:t>Thank</a:t>
-            </a:r>
-            <a:r>
-              <a:rPr lang="en-US" sz="4000" b="1" dirty="0"/>
-              <a:t> </a:t>
-            </a:r>
-            <a:r>
-              <a:rPr lang="en-US" sz="4400" b="1" dirty="0">
+              <a:t>Stack</a:t>
+            </a:r>
+            <a:r>
+              <a:rPr lang="en-US" sz="2800" b="1" dirty="0">
+                <a:solidFill>
+                  <a:schemeClr val="tx2">
+                    <a:lumMod val="75000"/>
+                  </a:schemeClr>
+                </a:solidFill>
                 <a:latin typeface="Bell MT" pitchFamily="18" charset="0"/>
               </a:rPr>
-              <a:t>you</a:t>
-            </a:r>
-            <a:r>
-              <a:rPr lang="en-US" sz="4000" b="1" dirty="0"/>
-              <a:t> </a:t>
-            </a:r>
-            <a:endParaRPr lang="en-IN" sz="4000" b="1" dirty="0"/>
+              <a:t>Storm</a:t>
+            </a:r>
+            <a:r>
+              <a:rPr lang="en-US" sz="2800" b="1" dirty="0">
+                <a:latin typeface="Bell MT" pitchFamily="18" charset="0"/>
+              </a:rPr>
+              <a:t>: Event-Driven Automation Tool for DevOps and Infrastructure</a:t>
+            </a:r>
+            <a:endParaRPr lang="en-IN" sz="2800" b="1" dirty="0">
+              <a:latin typeface="Bell MT" pitchFamily="18" charset="0"/>
+            </a:endParaRPr>
           </a:p>
         </p:txBody>
       </p:sp>
     </p:spTree>
     <p:extLst>
       <p:ext uri="{BB962C8B-B14F-4D97-AF65-F5344CB8AC3E}">
-        <p14:creationId xmlns:p14="http://schemas.microsoft.com/office/powerpoint/2010/main" val="2011205578"/>
+        <p14:creationId xmlns:p14="http://schemas.microsoft.com/office/powerpoint/2010/main" val="1167205531"/>
       </p:ext>
     </p:extLst>
   </p:cSld>
@@ -7604,7 +12349,226 @@
   <p:timing>
     <p:tnLst>
       <p:par>
-        <p:cTn id="1" dur="indefinite" restart="never" nodeType="tmRoot"/>
+        <p:cTn id="1" dur="indefinite" restart="never" nodeType="tmRoot">
+          <p:childTnLst>
+            <p:seq concurrent="1" nextAc="seek">
+              <p:cTn id="2" dur="indefinite" nodeType="mainSeq">
+                <p:childTnLst>
+                  <p:par>
+                    <p:cTn id="3" fill="hold">
+                      <p:stCondLst>
+                        <p:cond delay="indefinite"/>
+                      </p:stCondLst>
+                      <p:childTnLst>
+                        <p:par>
+                          <p:cTn id="4" fill="hold">
+                            <p:stCondLst>
+                              <p:cond delay="0"/>
+                            </p:stCondLst>
+                            <p:childTnLst>
+                              <p:par>
+                                <p:cTn id="5" presetID="1" presetClass="entr" presetSubtype="0" fill="hold" nodeType="clickEffect">
+                                  <p:stCondLst>
+                                    <p:cond delay="0"/>
+                                  </p:stCondLst>
+                                  <p:childTnLst>
+                                    <p:set>
+                                      <p:cBhvr>
+                                        <p:cTn id="6" dur="1" fill="hold">
+                                          <p:stCondLst>
+                                            <p:cond delay="0"/>
+                                          </p:stCondLst>
+                                        </p:cTn>
+                                        <p:tgtEl>
+                                          <p:spTgt spid="6">
+                                            <p:txEl>
+                                              <p:pRg st="0" end="0"/>
+                                            </p:txEl>
+                                          </p:spTgt>
+                                        </p:tgtEl>
+                                        <p:attrNameLst>
+                                          <p:attrName>style.visibility</p:attrName>
+                                        </p:attrNameLst>
+                                      </p:cBhvr>
+                                      <p:to>
+                                        <p:strVal val="visible"/>
+                                      </p:to>
+                                    </p:set>
+                                  </p:childTnLst>
+                                </p:cTn>
+                              </p:par>
+                            </p:childTnLst>
+                          </p:cTn>
+                        </p:par>
+                      </p:childTnLst>
+                    </p:cTn>
+                  </p:par>
+                  <p:par>
+                    <p:cTn id="7" fill="hold">
+                      <p:stCondLst>
+                        <p:cond delay="indefinite"/>
+                      </p:stCondLst>
+                      <p:childTnLst>
+                        <p:par>
+                          <p:cTn id="8" fill="hold">
+                            <p:stCondLst>
+                              <p:cond delay="0"/>
+                            </p:stCondLst>
+                            <p:childTnLst>
+                              <p:par>
+                                <p:cTn id="9" presetID="1" presetClass="entr" presetSubtype="0" fill="hold" nodeType="clickEffect">
+                                  <p:stCondLst>
+                                    <p:cond delay="0"/>
+                                  </p:stCondLst>
+                                  <p:childTnLst>
+                                    <p:set>
+                                      <p:cBhvr>
+                                        <p:cTn id="10" dur="1" fill="hold">
+                                          <p:stCondLst>
+                                            <p:cond delay="0"/>
+                                          </p:stCondLst>
+                                        </p:cTn>
+                                        <p:tgtEl>
+                                          <p:spTgt spid="6">
+                                            <p:txEl>
+                                              <p:pRg st="1" end="1"/>
+                                            </p:txEl>
+                                          </p:spTgt>
+                                        </p:tgtEl>
+                                        <p:attrNameLst>
+                                          <p:attrName>style.visibility</p:attrName>
+                                        </p:attrNameLst>
+                                      </p:cBhvr>
+                                      <p:to>
+                                        <p:strVal val="visible"/>
+                                      </p:to>
+                                    </p:set>
+                                  </p:childTnLst>
+                                </p:cTn>
+                              </p:par>
+                            </p:childTnLst>
+                          </p:cTn>
+                        </p:par>
+                      </p:childTnLst>
+                    </p:cTn>
+                  </p:par>
+                  <p:par>
+                    <p:cTn id="11" fill="hold">
+                      <p:stCondLst>
+                        <p:cond delay="indefinite"/>
+                      </p:stCondLst>
+                      <p:childTnLst>
+                        <p:par>
+                          <p:cTn id="12" fill="hold">
+                            <p:stCondLst>
+                              <p:cond delay="0"/>
+                            </p:stCondLst>
+                            <p:childTnLst>
+                              <p:par>
+                                <p:cTn id="13" presetID="1" presetClass="entr" presetSubtype="0" fill="hold" nodeType="clickEffect">
+                                  <p:stCondLst>
+                                    <p:cond delay="0"/>
+                                  </p:stCondLst>
+                                  <p:childTnLst>
+                                    <p:set>
+                                      <p:cBhvr>
+                                        <p:cTn id="14" dur="1" fill="hold">
+                                          <p:stCondLst>
+                                            <p:cond delay="0"/>
+                                          </p:stCondLst>
+                                        </p:cTn>
+                                        <p:tgtEl>
+                                          <p:spTgt spid="6">
+                                            <p:txEl>
+                                              <p:pRg st="2" end="2"/>
+                                            </p:txEl>
+                                          </p:spTgt>
+                                        </p:tgtEl>
+                                        <p:attrNameLst>
+                                          <p:attrName>style.visibility</p:attrName>
+                                        </p:attrNameLst>
+                                      </p:cBhvr>
+                                      <p:to>
+                                        <p:strVal val="visible"/>
+                                      </p:to>
+                                    </p:set>
+                                  </p:childTnLst>
+                                </p:cTn>
+                              </p:par>
+                            </p:childTnLst>
+                          </p:cTn>
+                        </p:par>
+                      </p:childTnLst>
+                    </p:cTn>
+                  </p:par>
+                  <p:par>
+                    <p:cTn id="15" fill="hold">
+                      <p:stCondLst>
+                        <p:cond delay="indefinite"/>
+                      </p:stCondLst>
+                      <p:childTnLst>
+                        <p:par>
+                          <p:cTn id="16" fill="hold">
+                            <p:stCondLst>
+                              <p:cond delay="0"/>
+                            </p:stCondLst>
+                            <p:childTnLst>
+                              <p:par>
+                                <p:cTn id="17" presetID="1" presetClass="entr" presetSubtype="0" fill="hold" nodeType="clickEffect">
+                                  <p:stCondLst>
+                                    <p:cond delay="0"/>
+                                  </p:stCondLst>
+                                  <p:childTnLst>
+                                    <p:set>
+                                      <p:cBhvr>
+                                        <p:cTn id="18" dur="1" fill="hold">
+                                          <p:stCondLst>
+                                            <p:cond delay="0"/>
+                                          </p:stCondLst>
+                                        </p:cTn>
+                                        <p:tgtEl>
+                                          <p:spTgt spid="6">
+                                            <p:txEl>
+                                              <p:pRg st="3" end="3"/>
+                                            </p:txEl>
+                                          </p:spTgt>
+                                        </p:tgtEl>
+                                        <p:attrNameLst>
+                                          <p:attrName>style.visibility</p:attrName>
+                                        </p:attrNameLst>
+                                      </p:cBhvr>
+                                      <p:to>
+                                        <p:strVal val="visible"/>
+                                      </p:to>
+                                    </p:set>
+                                  </p:childTnLst>
+                                </p:cTn>
+                              </p:par>
+                            </p:childTnLst>
+                          </p:cTn>
+                        </p:par>
+                      </p:childTnLst>
+                    </p:cTn>
+                  </p:par>
+                </p:childTnLst>
+              </p:cTn>
+              <p:prevCondLst>
+                <p:cond evt="onPrev" delay="0">
+                  <p:tgtEl>
+                    <p:sldTgt/>
+                  </p:tgtEl>
+                </p:cond>
+              </p:prevCondLst>
+              <p:nextCondLst>
+                <p:cond evt="onNext" delay="0">
+                  <p:tgtEl>
+                    <p:sldTgt/>
+                  </p:tgtEl>
+                </p:cond>
+              </p:nextCondLst>
+            </p:seq>
+          </p:childTnLst>
+        </p:cTn>
       </p:par>
     </p:tnLst>
   </p:timing>
@@ -7900,7 +12864,7 @@
   <a:extraClrSchemeLst/>
   <a:extLst>
     <a:ext uri="{05A4C25C-085E-4340-85A3-A5531E510DB2}">
-      <thm15:themeFamily xmlns:thm15="http://schemas.microsoft.com/office/thememl/2012/main" xmlns="" name="Office Theme" id="{62F939B6-93AF-4DB8-9C6B-D6C7DFDC589F}" vid="{4A3C46E8-61CC-4603-A589-7422A47A8E4A}"/>
+      <thm15:themeFamily xmlns="" xmlns:thm15="http://schemas.microsoft.com/office/thememl/2012/main" name="Office Theme" id="{62F939B6-93AF-4DB8-9C6B-D6C7DFDC589F}" vid="{4A3C46E8-61CC-4603-A589-7422A47A8E4A}"/>
     </a:ext>
   </a:extLst>
 </a:theme>
